--- a/designpattern/ネットワーク構成図サンプル.pptx
+++ b/designpattern/ネットワーク構成図サンプル.pptx
@@ -6,6 +6,8 @@
   </p:sldMasterIdLst>
   <p:sldIdLst>
     <p:sldId id="257" r:id="rId2"/>
+    <p:sldId id="258" r:id="rId3"/>
+    <p:sldId id="259" r:id="rId4"/>
   </p:sldIdLst>
   <p:sldSz cx="12192000" cy="6858000"/>
   <p:notesSz cx="6858000" cy="9144000"/>
@@ -104,6 +106,11 @@
       </a:defRPr>
     </a:lvl9pPr>
   </p:defaultTextStyle>
+  <p:extLst>
+    <p:ext uri="{EFAFB233-063F-42B5-8137-9DF3F51BA10A}">
+      <p15:sldGuideLst xmlns:p15="http://schemas.microsoft.com/office/powerpoint/2012/main"/>
+    </p:ext>
+  </p:extLst>
 </p:presentation>
 </file>
 
@@ -4754,6 +4761,5774 @@
 </p:sld>
 </file>
 
+<file path=ppt/slides/slide2.xml><?xml version="1.0" encoding="utf-8"?>
+<p:sld xmlns:a="http://schemas.openxmlformats.org/drawingml/2006/main" xmlns:r="http://schemas.openxmlformats.org/officeDocument/2006/relationships" xmlns:p="http://schemas.openxmlformats.org/presentationml/2006/main">
+  <p:cSld>
+    <p:spTree>
+      <p:nvGrpSpPr>
+        <p:cNvPr id="1" name=""/>
+        <p:cNvGrpSpPr/>
+        <p:nvPr/>
+      </p:nvGrpSpPr>
+      <p:grpSpPr>
+        <a:xfrm>
+          <a:off x="0" y="0"/>
+          <a:ext cx="0" cy="0"/>
+          <a:chOff x="0" y="0"/>
+          <a:chExt cx="0" cy="0"/>
+        </a:xfrm>
+      </p:grpSpPr>
+      <p:sp>
+        <p:nvSpPr>
+          <p:cNvPr id="4" name="タイトル 3"/>
+          <p:cNvSpPr>
+            <a:spLocks noGrp="1"/>
+          </p:cNvSpPr>
+          <p:nvPr>
+            <p:ph type="title"/>
+          </p:nvPr>
+        </p:nvSpPr>
+        <p:spPr/>
+        <p:txBody>
+          <a:bodyPr/>
+          <a:lstStyle/>
+          <a:p>
+            <a:r>
+              <a:rPr kumimoji="1" lang="ja-JP" altLang="en-US" dirty="0" smtClean="0"/>
+              <a:t>スケジュール案</a:t>
+            </a:r>
+            <a:endParaRPr kumimoji="1" lang="ja-JP" altLang="en-US" dirty="0"/>
+          </a:p>
+        </p:txBody>
+      </p:sp>
+      <p:graphicFrame>
+        <p:nvGraphicFramePr>
+          <p:cNvPr id="5" name="表 4"/>
+          <p:cNvGraphicFramePr>
+            <a:graphicFrameLocks noGrp="1"/>
+          </p:cNvGraphicFramePr>
+          <p:nvPr>
+            <p:extLst>
+              <p:ext uri="{D42A27DB-BD31-4B8C-83A1-F6EECF244321}">
+                <p14:modId xmlns:p14="http://schemas.microsoft.com/office/powerpoint/2010/main" val="1416901668"/>
+              </p:ext>
+            </p:extLst>
+          </p:nvPr>
+        </p:nvGraphicFramePr>
+        <p:xfrm>
+          <a:off x="1004707" y="1611488"/>
+          <a:ext cx="10498668" cy="4934939"/>
+        </p:xfrm>
+        <a:graphic>
+          <a:graphicData uri="http://schemas.openxmlformats.org/drawingml/2006/table">
+            <a:tbl>
+              <a:tblPr firstRow="1" bandRow="1">
+                <a:tableStyleId>{073A0DAA-6AF3-43AB-8588-CEC1D06C72B9}</a:tableStyleId>
+              </a:tblPr>
+              <a:tblGrid>
+                <a:gridCol w="609604"/>
+                <a:gridCol w="1185333"/>
+                <a:gridCol w="2196251"/>
+                <a:gridCol w="929640"/>
+                <a:gridCol w="929640"/>
+                <a:gridCol w="929640"/>
+                <a:gridCol w="929640"/>
+                <a:gridCol w="929640"/>
+                <a:gridCol w="929640"/>
+                <a:gridCol w="929640"/>
+              </a:tblGrid>
+              <a:tr h="370840">
+                <a:tc>
+                  <a:txBody>
+                    <a:bodyPr/>
+                    <a:lstStyle/>
+                    <a:p>
+                      <a:pPr algn="ctr"/>
+                      <a:r>
+                        <a:rPr kumimoji="1" lang="ja-JP" altLang="en-US" sz="1000" dirty="0" smtClean="0">
+                          <a:solidFill>
+                            <a:schemeClr val="tx1"/>
+                          </a:solidFill>
+                        </a:rPr>
+                        <a:t>項番</a:t>
+                      </a:r>
+                      <a:endParaRPr kumimoji="1" lang="ja-JP" altLang="en-US" sz="1000" dirty="0">
+                        <a:solidFill>
+                          <a:schemeClr val="tx1"/>
+                        </a:solidFill>
+                      </a:endParaRPr>
+                    </a:p>
+                  </a:txBody>
+                  <a:tcPr anchor="ctr">
+                    <a:lnL w="12700" cap="flat" cmpd="sng" algn="ctr">
+                      <a:solidFill>
+                        <a:schemeClr val="tx1"/>
+                      </a:solidFill>
+                      <a:prstDash val="solid"/>
+                      <a:round/>
+                      <a:headEnd type="none" w="med" len="med"/>
+                      <a:tailEnd type="none" w="med" len="med"/>
+                    </a:lnL>
+                    <a:lnR w="12700" cap="flat" cmpd="sng" algn="ctr">
+                      <a:solidFill>
+                        <a:schemeClr val="tx1"/>
+                      </a:solidFill>
+                      <a:prstDash val="solid"/>
+                      <a:round/>
+                      <a:headEnd type="none" w="med" len="med"/>
+                      <a:tailEnd type="none" w="med" len="med"/>
+                    </a:lnR>
+                    <a:lnT w="12700" cap="flat" cmpd="sng" algn="ctr">
+                      <a:solidFill>
+                        <a:schemeClr val="tx1"/>
+                      </a:solidFill>
+                      <a:prstDash val="solid"/>
+                      <a:round/>
+                      <a:headEnd type="none" w="med" len="med"/>
+                      <a:tailEnd type="none" w="med" len="med"/>
+                    </a:lnT>
+                    <a:lnB w="12700" cap="flat" cmpd="sng" algn="ctr">
+                      <a:solidFill>
+                        <a:schemeClr val="tx1"/>
+                      </a:solidFill>
+                      <a:prstDash val="solid"/>
+                      <a:round/>
+                      <a:headEnd type="none" w="med" len="med"/>
+                      <a:tailEnd type="none" w="med" len="med"/>
+                    </a:lnB>
+                    <a:solidFill>
+                      <a:srgbClr val="CCFFCC"/>
+                    </a:solidFill>
+                  </a:tcPr>
+                </a:tc>
+                <a:tc>
+                  <a:txBody>
+                    <a:bodyPr/>
+                    <a:lstStyle/>
+                    <a:p>
+                      <a:pPr algn="ctr"/>
+                      <a:r>
+                        <a:rPr kumimoji="1" lang="ja-JP" altLang="en-US" sz="1000" dirty="0" smtClean="0">
+                          <a:solidFill>
+                            <a:schemeClr val="tx1"/>
+                          </a:solidFill>
+                        </a:rPr>
+                        <a:t>項目</a:t>
+                      </a:r>
+                      <a:endParaRPr kumimoji="1" lang="ja-JP" altLang="en-US" sz="1000" dirty="0">
+                        <a:solidFill>
+                          <a:schemeClr val="tx1"/>
+                        </a:solidFill>
+                      </a:endParaRPr>
+                    </a:p>
+                  </a:txBody>
+                  <a:tcPr anchor="ctr">
+                    <a:lnL w="12700" cap="flat" cmpd="sng" algn="ctr">
+                      <a:solidFill>
+                        <a:schemeClr val="tx1"/>
+                      </a:solidFill>
+                      <a:prstDash val="solid"/>
+                      <a:round/>
+                      <a:headEnd type="none" w="med" len="med"/>
+                      <a:tailEnd type="none" w="med" len="med"/>
+                    </a:lnL>
+                    <a:lnR w="12700" cap="flat" cmpd="sng" algn="ctr">
+                      <a:solidFill>
+                        <a:schemeClr val="tx1"/>
+                      </a:solidFill>
+                      <a:prstDash val="solid"/>
+                      <a:round/>
+                      <a:headEnd type="none" w="med" len="med"/>
+                      <a:tailEnd type="none" w="med" len="med"/>
+                    </a:lnR>
+                    <a:lnT w="12700" cap="flat" cmpd="sng" algn="ctr">
+                      <a:solidFill>
+                        <a:schemeClr val="tx1"/>
+                      </a:solidFill>
+                      <a:prstDash val="solid"/>
+                      <a:round/>
+                      <a:headEnd type="none" w="med" len="med"/>
+                      <a:tailEnd type="none" w="med" len="med"/>
+                    </a:lnT>
+                    <a:lnB w="12700" cap="flat" cmpd="sng" algn="ctr">
+                      <a:solidFill>
+                        <a:schemeClr val="tx1"/>
+                      </a:solidFill>
+                      <a:prstDash val="solid"/>
+                      <a:round/>
+                      <a:headEnd type="none" w="med" len="med"/>
+                      <a:tailEnd type="none" w="med" len="med"/>
+                    </a:lnB>
+                    <a:solidFill>
+                      <a:srgbClr val="CCFFCC"/>
+                    </a:solidFill>
+                  </a:tcPr>
+                </a:tc>
+                <a:tc>
+                  <a:txBody>
+                    <a:bodyPr/>
+                    <a:lstStyle/>
+                    <a:p>
+                      <a:pPr algn="ctr"/>
+                      <a:r>
+                        <a:rPr kumimoji="1" lang="ja-JP" altLang="en-US" sz="1000" dirty="0" smtClean="0">
+                          <a:solidFill>
+                            <a:schemeClr val="tx1"/>
+                          </a:solidFill>
+                        </a:rPr>
+                        <a:t>概要</a:t>
+                      </a:r>
+                      <a:endParaRPr kumimoji="1" lang="ja-JP" altLang="en-US" sz="1000" dirty="0">
+                        <a:solidFill>
+                          <a:schemeClr val="tx1"/>
+                        </a:solidFill>
+                      </a:endParaRPr>
+                    </a:p>
+                  </a:txBody>
+                  <a:tcPr anchor="ctr">
+                    <a:lnL w="12700" cap="flat" cmpd="sng" algn="ctr">
+                      <a:solidFill>
+                        <a:schemeClr val="tx1"/>
+                      </a:solidFill>
+                      <a:prstDash val="solid"/>
+                      <a:round/>
+                      <a:headEnd type="none" w="med" len="med"/>
+                      <a:tailEnd type="none" w="med" len="med"/>
+                    </a:lnL>
+                    <a:lnR w="12700" cap="flat" cmpd="sng" algn="ctr">
+                      <a:solidFill>
+                        <a:schemeClr val="tx1"/>
+                      </a:solidFill>
+                      <a:prstDash val="solid"/>
+                      <a:round/>
+                      <a:headEnd type="none" w="med" len="med"/>
+                      <a:tailEnd type="none" w="med" len="med"/>
+                    </a:lnR>
+                    <a:lnT w="12700" cap="flat" cmpd="sng" algn="ctr">
+                      <a:solidFill>
+                        <a:schemeClr val="tx1"/>
+                      </a:solidFill>
+                      <a:prstDash val="solid"/>
+                      <a:round/>
+                      <a:headEnd type="none" w="med" len="med"/>
+                      <a:tailEnd type="none" w="med" len="med"/>
+                    </a:lnT>
+                    <a:lnB w="12700" cap="flat" cmpd="sng" algn="ctr">
+                      <a:solidFill>
+                        <a:schemeClr val="tx1"/>
+                      </a:solidFill>
+                      <a:prstDash val="solid"/>
+                      <a:round/>
+                      <a:headEnd type="none" w="med" len="med"/>
+                      <a:tailEnd type="none" w="med" len="med"/>
+                    </a:lnB>
+                    <a:solidFill>
+                      <a:srgbClr val="CCFFCC"/>
+                    </a:solidFill>
+                  </a:tcPr>
+                </a:tc>
+                <a:tc>
+                  <a:txBody>
+                    <a:bodyPr/>
+                    <a:lstStyle/>
+                    <a:p>
+                      <a:pPr algn="ctr"/>
+                      <a:r>
+                        <a:rPr kumimoji="1" lang="en-US" altLang="ja-JP" sz="1000" dirty="0" smtClean="0">
+                          <a:solidFill>
+                            <a:schemeClr val="tx1"/>
+                          </a:solidFill>
+                        </a:rPr>
+                        <a:t>1</a:t>
+                      </a:r>
+                      <a:r>
+                        <a:rPr kumimoji="1" lang="ja-JP" altLang="en-US" sz="1000" dirty="0" smtClean="0">
+                          <a:solidFill>
+                            <a:schemeClr val="tx1"/>
+                          </a:solidFill>
+                        </a:rPr>
+                        <a:t>月</a:t>
+                      </a:r>
+                      <a:endParaRPr kumimoji="1" lang="ja-JP" altLang="en-US" sz="1000" dirty="0">
+                        <a:solidFill>
+                          <a:schemeClr val="tx1"/>
+                        </a:solidFill>
+                      </a:endParaRPr>
+                    </a:p>
+                  </a:txBody>
+                  <a:tcPr anchor="ctr">
+                    <a:lnL w="12700" cap="flat" cmpd="sng" algn="ctr">
+                      <a:solidFill>
+                        <a:schemeClr val="tx1"/>
+                      </a:solidFill>
+                      <a:prstDash val="solid"/>
+                      <a:round/>
+                      <a:headEnd type="none" w="med" len="med"/>
+                      <a:tailEnd type="none" w="med" len="med"/>
+                    </a:lnL>
+                    <a:lnR w="12700" cap="flat" cmpd="sng" algn="ctr">
+                      <a:solidFill>
+                        <a:schemeClr val="tx1"/>
+                      </a:solidFill>
+                      <a:prstDash val="sysDot"/>
+                      <a:round/>
+                      <a:headEnd type="none" w="med" len="med"/>
+                      <a:tailEnd type="none" w="med" len="med"/>
+                    </a:lnR>
+                    <a:lnT w="12700" cap="flat" cmpd="sng" algn="ctr">
+                      <a:solidFill>
+                        <a:schemeClr val="tx1"/>
+                      </a:solidFill>
+                      <a:prstDash val="solid"/>
+                      <a:round/>
+                      <a:headEnd type="none" w="med" len="med"/>
+                      <a:tailEnd type="none" w="med" len="med"/>
+                    </a:lnT>
+                    <a:lnB w="12700" cap="flat" cmpd="sng" algn="ctr">
+                      <a:solidFill>
+                        <a:schemeClr val="tx1"/>
+                      </a:solidFill>
+                      <a:prstDash val="solid"/>
+                      <a:round/>
+                      <a:headEnd type="none" w="med" len="med"/>
+                      <a:tailEnd type="none" w="med" len="med"/>
+                    </a:lnB>
+                    <a:solidFill>
+                      <a:srgbClr val="CCFFCC"/>
+                    </a:solidFill>
+                  </a:tcPr>
+                </a:tc>
+                <a:tc>
+                  <a:txBody>
+                    <a:bodyPr/>
+                    <a:lstStyle/>
+                    <a:p>
+                      <a:pPr algn="ctr"/>
+                      <a:r>
+                        <a:rPr kumimoji="1" lang="en-US" altLang="ja-JP" sz="1000" dirty="0" smtClean="0">
+                          <a:solidFill>
+                            <a:schemeClr val="tx1"/>
+                          </a:solidFill>
+                        </a:rPr>
+                        <a:t>2</a:t>
+                      </a:r>
+                      <a:r>
+                        <a:rPr kumimoji="1" lang="ja-JP" altLang="en-US" sz="1000" dirty="0" smtClean="0">
+                          <a:solidFill>
+                            <a:schemeClr val="tx1"/>
+                          </a:solidFill>
+                        </a:rPr>
+                        <a:t>月</a:t>
+                      </a:r>
+                      <a:endParaRPr kumimoji="1" lang="ja-JP" altLang="en-US" sz="1000" dirty="0">
+                        <a:solidFill>
+                          <a:schemeClr val="tx1"/>
+                        </a:solidFill>
+                      </a:endParaRPr>
+                    </a:p>
+                  </a:txBody>
+                  <a:tcPr anchor="ctr">
+                    <a:lnL w="12700" cap="flat" cmpd="sng" algn="ctr">
+                      <a:solidFill>
+                        <a:schemeClr val="tx1"/>
+                      </a:solidFill>
+                      <a:prstDash val="sysDot"/>
+                      <a:round/>
+                      <a:headEnd type="none" w="med" len="med"/>
+                      <a:tailEnd type="none" w="med" len="med"/>
+                    </a:lnL>
+                    <a:lnR w="12700" cap="flat" cmpd="sng" algn="ctr">
+                      <a:solidFill>
+                        <a:schemeClr val="tx1"/>
+                      </a:solidFill>
+                      <a:prstDash val="sysDot"/>
+                      <a:round/>
+                      <a:headEnd type="none" w="med" len="med"/>
+                      <a:tailEnd type="none" w="med" len="med"/>
+                    </a:lnR>
+                    <a:lnT w="12700" cap="flat" cmpd="sng" algn="ctr">
+                      <a:solidFill>
+                        <a:schemeClr val="tx1"/>
+                      </a:solidFill>
+                      <a:prstDash val="solid"/>
+                      <a:round/>
+                      <a:headEnd type="none" w="med" len="med"/>
+                      <a:tailEnd type="none" w="med" len="med"/>
+                    </a:lnT>
+                    <a:lnB w="12700" cap="flat" cmpd="sng" algn="ctr">
+                      <a:solidFill>
+                        <a:schemeClr val="tx1"/>
+                      </a:solidFill>
+                      <a:prstDash val="solid"/>
+                      <a:round/>
+                      <a:headEnd type="none" w="med" len="med"/>
+                      <a:tailEnd type="none" w="med" len="med"/>
+                    </a:lnB>
+                    <a:solidFill>
+                      <a:srgbClr val="CCFFCC"/>
+                    </a:solidFill>
+                  </a:tcPr>
+                </a:tc>
+                <a:tc>
+                  <a:txBody>
+                    <a:bodyPr/>
+                    <a:lstStyle/>
+                    <a:p>
+                      <a:pPr algn="ctr"/>
+                      <a:r>
+                        <a:rPr kumimoji="1" lang="en-US" altLang="ja-JP" sz="1000" dirty="0" smtClean="0">
+                          <a:solidFill>
+                            <a:schemeClr val="tx1"/>
+                          </a:solidFill>
+                        </a:rPr>
+                        <a:t>3</a:t>
+                      </a:r>
+                      <a:r>
+                        <a:rPr kumimoji="1" lang="ja-JP" altLang="en-US" sz="1000" dirty="0" smtClean="0">
+                          <a:solidFill>
+                            <a:schemeClr val="tx1"/>
+                          </a:solidFill>
+                        </a:rPr>
+                        <a:t>月</a:t>
+                      </a:r>
+                      <a:endParaRPr kumimoji="1" lang="ja-JP" altLang="en-US" sz="1000" dirty="0">
+                        <a:solidFill>
+                          <a:schemeClr val="tx1"/>
+                        </a:solidFill>
+                      </a:endParaRPr>
+                    </a:p>
+                  </a:txBody>
+                  <a:tcPr anchor="ctr">
+                    <a:lnL w="12700" cap="flat" cmpd="sng" algn="ctr">
+                      <a:solidFill>
+                        <a:schemeClr val="tx1"/>
+                      </a:solidFill>
+                      <a:prstDash val="sysDot"/>
+                      <a:round/>
+                      <a:headEnd type="none" w="med" len="med"/>
+                      <a:tailEnd type="none" w="med" len="med"/>
+                    </a:lnL>
+                    <a:lnR w="12700" cap="flat" cmpd="sng" algn="ctr">
+                      <a:solidFill>
+                        <a:schemeClr val="tx1"/>
+                      </a:solidFill>
+                      <a:prstDash val="sysDot"/>
+                      <a:round/>
+                      <a:headEnd type="none" w="med" len="med"/>
+                      <a:tailEnd type="none" w="med" len="med"/>
+                    </a:lnR>
+                    <a:lnT w="12700" cap="flat" cmpd="sng" algn="ctr">
+                      <a:solidFill>
+                        <a:schemeClr val="tx1"/>
+                      </a:solidFill>
+                      <a:prstDash val="solid"/>
+                      <a:round/>
+                      <a:headEnd type="none" w="med" len="med"/>
+                      <a:tailEnd type="none" w="med" len="med"/>
+                    </a:lnT>
+                    <a:lnB w="12700" cap="flat" cmpd="sng" algn="ctr">
+                      <a:solidFill>
+                        <a:schemeClr val="tx1"/>
+                      </a:solidFill>
+                      <a:prstDash val="solid"/>
+                      <a:round/>
+                      <a:headEnd type="none" w="med" len="med"/>
+                      <a:tailEnd type="none" w="med" len="med"/>
+                    </a:lnB>
+                    <a:solidFill>
+                      <a:srgbClr val="CCFFCC"/>
+                    </a:solidFill>
+                  </a:tcPr>
+                </a:tc>
+                <a:tc>
+                  <a:txBody>
+                    <a:bodyPr/>
+                    <a:lstStyle/>
+                    <a:p>
+                      <a:pPr algn="ctr"/>
+                      <a:r>
+                        <a:rPr kumimoji="1" lang="en-US" altLang="ja-JP" sz="1000" dirty="0" smtClean="0">
+                          <a:solidFill>
+                            <a:schemeClr val="tx1"/>
+                          </a:solidFill>
+                        </a:rPr>
+                        <a:t>4</a:t>
+                      </a:r>
+                      <a:r>
+                        <a:rPr kumimoji="1" lang="ja-JP" altLang="en-US" sz="1000" dirty="0" smtClean="0">
+                          <a:solidFill>
+                            <a:schemeClr val="tx1"/>
+                          </a:solidFill>
+                        </a:rPr>
+                        <a:t>月</a:t>
+                      </a:r>
+                      <a:endParaRPr kumimoji="1" lang="ja-JP" altLang="en-US" sz="1000" dirty="0">
+                        <a:solidFill>
+                          <a:schemeClr val="tx1"/>
+                        </a:solidFill>
+                      </a:endParaRPr>
+                    </a:p>
+                  </a:txBody>
+                  <a:tcPr anchor="ctr">
+                    <a:lnL w="12700" cap="flat" cmpd="sng" algn="ctr">
+                      <a:solidFill>
+                        <a:schemeClr val="tx1"/>
+                      </a:solidFill>
+                      <a:prstDash val="sysDot"/>
+                      <a:round/>
+                      <a:headEnd type="none" w="med" len="med"/>
+                      <a:tailEnd type="none" w="med" len="med"/>
+                    </a:lnL>
+                    <a:lnR w="12700" cap="flat" cmpd="sng" algn="ctr">
+                      <a:solidFill>
+                        <a:schemeClr val="tx1"/>
+                      </a:solidFill>
+                      <a:prstDash val="sysDot"/>
+                      <a:round/>
+                      <a:headEnd type="none" w="med" len="med"/>
+                      <a:tailEnd type="none" w="med" len="med"/>
+                    </a:lnR>
+                    <a:lnT w="12700" cap="flat" cmpd="sng" algn="ctr">
+                      <a:solidFill>
+                        <a:schemeClr val="tx1"/>
+                      </a:solidFill>
+                      <a:prstDash val="solid"/>
+                      <a:round/>
+                      <a:headEnd type="none" w="med" len="med"/>
+                      <a:tailEnd type="none" w="med" len="med"/>
+                    </a:lnT>
+                    <a:lnB w="12700" cap="flat" cmpd="sng" algn="ctr">
+                      <a:solidFill>
+                        <a:schemeClr val="tx1"/>
+                      </a:solidFill>
+                      <a:prstDash val="solid"/>
+                      <a:round/>
+                      <a:headEnd type="none" w="med" len="med"/>
+                      <a:tailEnd type="none" w="med" len="med"/>
+                    </a:lnB>
+                    <a:solidFill>
+                      <a:srgbClr val="CCFFCC"/>
+                    </a:solidFill>
+                  </a:tcPr>
+                </a:tc>
+                <a:tc>
+                  <a:txBody>
+                    <a:bodyPr/>
+                    <a:lstStyle/>
+                    <a:p>
+                      <a:pPr algn="ctr"/>
+                      <a:r>
+                        <a:rPr kumimoji="1" lang="en-US" altLang="ja-JP" sz="1000" dirty="0" smtClean="0">
+                          <a:solidFill>
+                            <a:schemeClr val="tx1"/>
+                          </a:solidFill>
+                        </a:rPr>
+                        <a:t>5</a:t>
+                      </a:r>
+                      <a:r>
+                        <a:rPr kumimoji="1" lang="ja-JP" altLang="en-US" sz="1000" dirty="0" smtClean="0">
+                          <a:solidFill>
+                            <a:schemeClr val="tx1"/>
+                          </a:solidFill>
+                        </a:rPr>
+                        <a:t>月</a:t>
+                      </a:r>
+                      <a:endParaRPr kumimoji="1" lang="ja-JP" altLang="en-US" sz="1000" dirty="0">
+                        <a:solidFill>
+                          <a:schemeClr val="tx1"/>
+                        </a:solidFill>
+                      </a:endParaRPr>
+                    </a:p>
+                  </a:txBody>
+                  <a:tcPr anchor="ctr">
+                    <a:lnL w="12700" cap="flat" cmpd="sng" algn="ctr">
+                      <a:solidFill>
+                        <a:schemeClr val="tx1"/>
+                      </a:solidFill>
+                      <a:prstDash val="sysDot"/>
+                      <a:round/>
+                      <a:headEnd type="none" w="med" len="med"/>
+                      <a:tailEnd type="none" w="med" len="med"/>
+                    </a:lnL>
+                    <a:lnR w="12700" cap="flat" cmpd="sng" algn="ctr">
+                      <a:solidFill>
+                        <a:schemeClr val="tx1"/>
+                      </a:solidFill>
+                      <a:prstDash val="sysDot"/>
+                      <a:round/>
+                      <a:headEnd type="none" w="med" len="med"/>
+                      <a:tailEnd type="none" w="med" len="med"/>
+                    </a:lnR>
+                    <a:lnT w="12700" cap="flat" cmpd="sng" algn="ctr">
+                      <a:solidFill>
+                        <a:schemeClr val="tx1"/>
+                      </a:solidFill>
+                      <a:prstDash val="solid"/>
+                      <a:round/>
+                      <a:headEnd type="none" w="med" len="med"/>
+                      <a:tailEnd type="none" w="med" len="med"/>
+                    </a:lnT>
+                    <a:lnB w="12700" cap="flat" cmpd="sng" algn="ctr">
+                      <a:solidFill>
+                        <a:schemeClr val="tx1"/>
+                      </a:solidFill>
+                      <a:prstDash val="solid"/>
+                      <a:round/>
+                      <a:headEnd type="none" w="med" len="med"/>
+                      <a:tailEnd type="none" w="med" len="med"/>
+                    </a:lnB>
+                    <a:solidFill>
+                      <a:srgbClr val="CCFFCC"/>
+                    </a:solidFill>
+                  </a:tcPr>
+                </a:tc>
+                <a:tc>
+                  <a:txBody>
+                    <a:bodyPr/>
+                    <a:lstStyle/>
+                    <a:p>
+                      <a:pPr algn="ctr"/>
+                      <a:r>
+                        <a:rPr kumimoji="1" lang="en-US" altLang="ja-JP" sz="1000" dirty="0" smtClean="0">
+                          <a:solidFill>
+                            <a:schemeClr val="tx1"/>
+                          </a:solidFill>
+                        </a:rPr>
+                        <a:t>6</a:t>
+                      </a:r>
+                      <a:r>
+                        <a:rPr kumimoji="1" lang="ja-JP" altLang="en-US" sz="1000" dirty="0" smtClean="0">
+                          <a:solidFill>
+                            <a:schemeClr val="tx1"/>
+                          </a:solidFill>
+                        </a:rPr>
+                        <a:t>月</a:t>
+                      </a:r>
+                      <a:endParaRPr kumimoji="1" lang="ja-JP" altLang="en-US" sz="1000" dirty="0">
+                        <a:solidFill>
+                          <a:schemeClr val="tx1"/>
+                        </a:solidFill>
+                      </a:endParaRPr>
+                    </a:p>
+                  </a:txBody>
+                  <a:tcPr anchor="ctr">
+                    <a:lnL w="12700" cap="flat" cmpd="sng" algn="ctr">
+                      <a:solidFill>
+                        <a:schemeClr val="tx1"/>
+                      </a:solidFill>
+                      <a:prstDash val="sysDot"/>
+                      <a:round/>
+                      <a:headEnd type="none" w="med" len="med"/>
+                      <a:tailEnd type="none" w="med" len="med"/>
+                    </a:lnL>
+                    <a:lnR w="12700" cap="flat" cmpd="sng" algn="ctr">
+                      <a:solidFill>
+                        <a:schemeClr val="tx1"/>
+                      </a:solidFill>
+                      <a:prstDash val="solid"/>
+                      <a:round/>
+                      <a:headEnd type="none" w="med" len="med"/>
+                      <a:tailEnd type="none" w="med" len="med"/>
+                    </a:lnR>
+                    <a:lnT w="12700" cap="flat" cmpd="sng" algn="ctr">
+                      <a:solidFill>
+                        <a:schemeClr val="tx1"/>
+                      </a:solidFill>
+                      <a:prstDash val="solid"/>
+                      <a:round/>
+                      <a:headEnd type="none" w="med" len="med"/>
+                      <a:tailEnd type="none" w="med" len="med"/>
+                    </a:lnT>
+                    <a:lnB w="12700" cap="flat" cmpd="sng" algn="ctr">
+                      <a:solidFill>
+                        <a:schemeClr val="tx1"/>
+                      </a:solidFill>
+                      <a:prstDash val="solid"/>
+                      <a:round/>
+                      <a:headEnd type="none" w="med" len="med"/>
+                      <a:tailEnd type="none" w="med" len="med"/>
+                    </a:lnB>
+                    <a:solidFill>
+                      <a:srgbClr val="CCFFCC"/>
+                    </a:solidFill>
+                  </a:tcPr>
+                </a:tc>
+                <a:tc>
+                  <a:txBody>
+                    <a:bodyPr/>
+                    <a:lstStyle/>
+                    <a:p>
+                      <a:pPr algn="ctr"/>
+                      <a:r>
+                        <a:rPr kumimoji="1" lang="ja-JP" altLang="en-US" sz="1000" dirty="0" smtClean="0">
+                          <a:solidFill>
+                            <a:schemeClr val="tx1"/>
+                          </a:solidFill>
+                        </a:rPr>
+                        <a:t>備考</a:t>
+                      </a:r>
+                      <a:endParaRPr kumimoji="1" lang="ja-JP" altLang="en-US" sz="1000" dirty="0">
+                        <a:solidFill>
+                          <a:schemeClr val="tx1"/>
+                        </a:solidFill>
+                      </a:endParaRPr>
+                    </a:p>
+                  </a:txBody>
+                  <a:tcPr anchor="ctr">
+                    <a:lnL w="12700" cap="flat" cmpd="sng" algn="ctr">
+                      <a:solidFill>
+                        <a:schemeClr val="tx1"/>
+                      </a:solidFill>
+                      <a:prstDash val="solid"/>
+                      <a:round/>
+                      <a:headEnd type="none" w="med" len="med"/>
+                      <a:tailEnd type="none" w="med" len="med"/>
+                    </a:lnL>
+                    <a:lnR w="12700" cap="flat" cmpd="sng" algn="ctr">
+                      <a:solidFill>
+                        <a:schemeClr val="tx1"/>
+                      </a:solidFill>
+                      <a:prstDash val="solid"/>
+                      <a:round/>
+                      <a:headEnd type="none" w="med" len="med"/>
+                      <a:tailEnd type="none" w="med" len="med"/>
+                    </a:lnR>
+                    <a:lnT w="12700" cap="flat" cmpd="sng" algn="ctr">
+                      <a:solidFill>
+                        <a:schemeClr val="tx1"/>
+                      </a:solidFill>
+                      <a:prstDash val="solid"/>
+                      <a:round/>
+                      <a:headEnd type="none" w="med" len="med"/>
+                      <a:tailEnd type="none" w="med" len="med"/>
+                    </a:lnT>
+                    <a:lnB w="12700" cap="flat" cmpd="sng" algn="ctr">
+                      <a:solidFill>
+                        <a:schemeClr val="tx1"/>
+                      </a:solidFill>
+                      <a:prstDash val="solid"/>
+                      <a:round/>
+                      <a:headEnd type="none" w="med" len="med"/>
+                      <a:tailEnd type="none" w="med" len="med"/>
+                    </a:lnB>
+                    <a:solidFill>
+                      <a:srgbClr val="CCFFCC"/>
+                    </a:solidFill>
+                  </a:tcPr>
+                </a:tc>
+              </a:tr>
+              <a:tr h="1700672">
+                <a:tc>
+                  <a:txBody>
+                    <a:bodyPr/>
+                    <a:lstStyle/>
+                    <a:p>
+                      <a:endParaRPr kumimoji="1" lang="ja-JP" altLang="en-US" sz="1000" dirty="0">
+                        <a:solidFill>
+                          <a:schemeClr val="tx1"/>
+                        </a:solidFill>
+                      </a:endParaRPr>
+                    </a:p>
+                  </a:txBody>
+                  <a:tcPr anchor="ctr">
+                    <a:lnL w="12700" cap="flat" cmpd="sng" algn="ctr">
+                      <a:solidFill>
+                        <a:schemeClr val="tx1"/>
+                      </a:solidFill>
+                      <a:prstDash val="solid"/>
+                      <a:round/>
+                      <a:headEnd type="none" w="med" len="med"/>
+                      <a:tailEnd type="none" w="med" len="med"/>
+                    </a:lnL>
+                    <a:lnR w="12700" cap="flat" cmpd="sng" algn="ctr">
+                      <a:solidFill>
+                        <a:schemeClr val="tx1"/>
+                      </a:solidFill>
+                      <a:prstDash val="solid"/>
+                      <a:round/>
+                      <a:headEnd type="none" w="med" len="med"/>
+                      <a:tailEnd type="none" w="med" len="med"/>
+                    </a:lnR>
+                    <a:lnT w="12700" cap="flat" cmpd="sng" algn="ctr">
+                      <a:solidFill>
+                        <a:schemeClr val="tx1"/>
+                      </a:solidFill>
+                      <a:prstDash val="solid"/>
+                      <a:round/>
+                      <a:headEnd type="none" w="med" len="med"/>
+                      <a:tailEnd type="none" w="med" len="med"/>
+                    </a:lnT>
+                    <a:lnB w="12700" cap="flat" cmpd="sng" algn="ctr">
+                      <a:solidFill>
+                        <a:schemeClr val="tx1"/>
+                      </a:solidFill>
+                      <a:prstDash val="solid"/>
+                      <a:round/>
+                      <a:headEnd type="none" w="med" len="med"/>
+                      <a:tailEnd type="none" w="med" len="med"/>
+                    </a:lnB>
+                    <a:noFill/>
+                  </a:tcPr>
+                </a:tc>
+                <a:tc>
+                  <a:txBody>
+                    <a:bodyPr/>
+                    <a:lstStyle/>
+                    <a:p>
+                      <a:r>
+                        <a:rPr kumimoji="1" lang="ja-JP" altLang="en-US" sz="1000" dirty="0" smtClean="0">
+                          <a:solidFill>
+                            <a:schemeClr val="tx1"/>
+                          </a:solidFill>
+                        </a:rPr>
+                        <a:t>全体行程</a:t>
+                      </a:r>
+                      <a:endParaRPr kumimoji="1" lang="ja-JP" altLang="en-US" sz="1000" dirty="0">
+                        <a:solidFill>
+                          <a:schemeClr val="tx1"/>
+                        </a:solidFill>
+                      </a:endParaRPr>
+                    </a:p>
+                  </a:txBody>
+                  <a:tcPr anchor="ctr">
+                    <a:lnL w="12700" cap="flat" cmpd="sng" algn="ctr">
+                      <a:solidFill>
+                        <a:schemeClr val="tx1"/>
+                      </a:solidFill>
+                      <a:prstDash val="solid"/>
+                      <a:round/>
+                      <a:headEnd type="none" w="med" len="med"/>
+                      <a:tailEnd type="none" w="med" len="med"/>
+                    </a:lnL>
+                    <a:lnR w="12700" cap="flat" cmpd="sng" algn="ctr">
+                      <a:solidFill>
+                        <a:schemeClr val="tx1"/>
+                      </a:solidFill>
+                      <a:prstDash val="solid"/>
+                      <a:round/>
+                      <a:headEnd type="none" w="med" len="med"/>
+                      <a:tailEnd type="none" w="med" len="med"/>
+                    </a:lnR>
+                    <a:lnT w="12700" cap="flat" cmpd="sng" algn="ctr">
+                      <a:solidFill>
+                        <a:schemeClr val="tx1"/>
+                      </a:solidFill>
+                      <a:prstDash val="solid"/>
+                      <a:round/>
+                      <a:headEnd type="none" w="med" len="med"/>
+                      <a:tailEnd type="none" w="med" len="med"/>
+                    </a:lnT>
+                    <a:lnB w="12700" cap="flat" cmpd="sng" algn="ctr">
+                      <a:solidFill>
+                        <a:schemeClr val="tx1"/>
+                      </a:solidFill>
+                      <a:prstDash val="solid"/>
+                      <a:round/>
+                      <a:headEnd type="none" w="med" len="med"/>
+                      <a:tailEnd type="none" w="med" len="med"/>
+                    </a:lnB>
+                    <a:noFill/>
+                  </a:tcPr>
+                </a:tc>
+                <a:tc>
+                  <a:txBody>
+                    <a:bodyPr/>
+                    <a:lstStyle/>
+                    <a:p>
+                      <a:endParaRPr kumimoji="1" lang="ja-JP" altLang="en-US" sz="1000" dirty="0">
+                        <a:solidFill>
+                          <a:schemeClr val="tx1"/>
+                        </a:solidFill>
+                      </a:endParaRPr>
+                    </a:p>
+                  </a:txBody>
+                  <a:tcPr anchor="ctr">
+                    <a:lnL w="12700" cap="flat" cmpd="sng" algn="ctr">
+                      <a:solidFill>
+                        <a:schemeClr val="tx1"/>
+                      </a:solidFill>
+                      <a:prstDash val="solid"/>
+                      <a:round/>
+                      <a:headEnd type="none" w="med" len="med"/>
+                      <a:tailEnd type="none" w="med" len="med"/>
+                    </a:lnL>
+                    <a:lnR w="12700" cap="flat" cmpd="sng" algn="ctr">
+                      <a:solidFill>
+                        <a:schemeClr val="tx1"/>
+                      </a:solidFill>
+                      <a:prstDash val="solid"/>
+                      <a:round/>
+                      <a:headEnd type="none" w="med" len="med"/>
+                      <a:tailEnd type="none" w="med" len="med"/>
+                    </a:lnR>
+                    <a:lnT w="12700" cap="flat" cmpd="sng" algn="ctr">
+                      <a:solidFill>
+                        <a:schemeClr val="tx1"/>
+                      </a:solidFill>
+                      <a:prstDash val="solid"/>
+                      <a:round/>
+                      <a:headEnd type="none" w="med" len="med"/>
+                      <a:tailEnd type="none" w="med" len="med"/>
+                    </a:lnT>
+                    <a:lnB w="12700" cap="flat" cmpd="sng" algn="ctr">
+                      <a:solidFill>
+                        <a:schemeClr val="tx1"/>
+                      </a:solidFill>
+                      <a:prstDash val="solid"/>
+                      <a:round/>
+                      <a:headEnd type="none" w="med" len="med"/>
+                      <a:tailEnd type="none" w="med" len="med"/>
+                    </a:lnB>
+                    <a:noFill/>
+                  </a:tcPr>
+                </a:tc>
+                <a:tc>
+                  <a:txBody>
+                    <a:bodyPr/>
+                    <a:lstStyle/>
+                    <a:p>
+                      <a:endParaRPr kumimoji="1" lang="ja-JP" altLang="en-US" sz="1000" dirty="0">
+                        <a:solidFill>
+                          <a:schemeClr val="tx1"/>
+                        </a:solidFill>
+                      </a:endParaRPr>
+                    </a:p>
+                  </a:txBody>
+                  <a:tcPr anchor="ctr">
+                    <a:lnL w="12700" cap="flat" cmpd="sng" algn="ctr">
+                      <a:solidFill>
+                        <a:schemeClr val="tx1"/>
+                      </a:solidFill>
+                      <a:prstDash val="solid"/>
+                      <a:round/>
+                      <a:headEnd type="none" w="med" len="med"/>
+                      <a:tailEnd type="none" w="med" len="med"/>
+                    </a:lnL>
+                    <a:lnR w="12700" cap="flat" cmpd="sng" algn="ctr">
+                      <a:solidFill>
+                        <a:schemeClr val="tx1"/>
+                      </a:solidFill>
+                      <a:prstDash val="sysDot"/>
+                      <a:round/>
+                      <a:headEnd type="none" w="med" len="med"/>
+                      <a:tailEnd type="none" w="med" len="med"/>
+                    </a:lnR>
+                    <a:lnT w="12700" cap="flat" cmpd="sng" algn="ctr">
+                      <a:solidFill>
+                        <a:schemeClr val="tx1"/>
+                      </a:solidFill>
+                      <a:prstDash val="solid"/>
+                      <a:round/>
+                      <a:headEnd type="none" w="med" len="med"/>
+                      <a:tailEnd type="none" w="med" len="med"/>
+                    </a:lnT>
+                    <a:lnB w="12700" cap="flat" cmpd="sng" algn="ctr">
+                      <a:solidFill>
+                        <a:schemeClr val="tx1"/>
+                      </a:solidFill>
+                      <a:prstDash val="solid"/>
+                      <a:round/>
+                      <a:headEnd type="none" w="med" len="med"/>
+                      <a:tailEnd type="none" w="med" len="med"/>
+                    </a:lnB>
+                    <a:noFill/>
+                  </a:tcPr>
+                </a:tc>
+                <a:tc>
+                  <a:txBody>
+                    <a:bodyPr/>
+                    <a:lstStyle/>
+                    <a:p>
+                      <a:endParaRPr kumimoji="1" lang="ja-JP" altLang="en-US" sz="1000" dirty="0">
+                        <a:solidFill>
+                          <a:schemeClr val="tx1"/>
+                        </a:solidFill>
+                      </a:endParaRPr>
+                    </a:p>
+                  </a:txBody>
+                  <a:tcPr anchor="ctr">
+                    <a:lnL w="12700" cap="flat" cmpd="sng" algn="ctr">
+                      <a:solidFill>
+                        <a:schemeClr val="tx1"/>
+                      </a:solidFill>
+                      <a:prstDash val="sysDot"/>
+                      <a:round/>
+                      <a:headEnd type="none" w="med" len="med"/>
+                      <a:tailEnd type="none" w="med" len="med"/>
+                    </a:lnL>
+                    <a:lnR w="12700" cap="flat" cmpd="sng" algn="ctr">
+                      <a:solidFill>
+                        <a:schemeClr val="tx1"/>
+                      </a:solidFill>
+                      <a:prstDash val="sysDot"/>
+                      <a:round/>
+                      <a:headEnd type="none" w="med" len="med"/>
+                      <a:tailEnd type="none" w="med" len="med"/>
+                    </a:lnR>
+                    <a:lnT w="12700" cap="flat" cmpd="sng" algn="ctr">
+                      <a:solidFill>
+                        <a:schemeClr val="tx1"/>
+                      </a:solidFill>
+                      <a:prstDash val="solid"/>
+                      <a:round/>
+                      <a:headEnd type="none" w="med" len="med"/>
+                      <a:tailEnd type="none" w="med" len="med"/>
+                    </a:lnT>
+                    <a:lnB w="12700" cap="flat" cmpd="sng" algn="ctr">
+                      <a:solidFill>
+                        <a:schemeClr val="tx1"/>
+                      </a:solidFill>
+                      <a:prstDash val="solid"/>
+                      <a:round/>
+                      <a:headEnd type="none" w="med" len="med"/>
+                      <a:tailEnd type="none" w="med" len="med"/>
+                    </a:lnB>
+                    <a:noFill/>
+                  </a:tcPr>
+                </a:tc>
+                <a:tc>
+                  <a:txBody>
+                    <a:bodyPr/>
+                    <a:lstStyle/>
+                    <a:p>
+                      <a:endParaRPr kumimoji="1" lang="ja-JP" altLang="en-US" sz="1000" dirty="0">
+                        <a:solidFill>
+                          <a:schemeClr val="tx1"/>
+                        </a:solidFill>
+                      </a:endParaRPr>
+                    </a:p>
+                  </a:txBody>
+                  <a:tcPr anchor="ctr">
+                    <a:lnL w="12700" cap="flat" cmpd="sng" algn="ctr">
+                      <a:solidFill>
+                        <a:schemeClr val="tx1"/>
+                      </a:solidFill>
+                      <a:prstDash val="sysDot"/>
+                      <a:round/>
+                      <a:headEnd type="none" w="med" len="med"/>
+                      <a:tailEnd type="none" w="med" len="med"/>
+                    </a:lnL>
+                    <a:lnR w="12700" cap="flat" cmpd="sng" algn="ctr">
+                      <a:solidFill>
+                        <a:schemeClr val="tx1"/>
+                      </a:solidFill>
+                      <a:prstDash val="sysDot"/>
+                      <a:round/>
+                      <a:headEnd type="none" w="med" len="med"/>
+                      <a:tailEnd type="none" w="med" len="med"/>
+                    </a:lnR>
+                    <a:lnT w="12700" cap="flat" cmpd="sng" algn="ctr">
+                      <a:solidFill>
+                        <a:schemeClr val="tx1"/>
+                      </a:solidFill>
+                      <a:prstDash val="solid"/>
+                      <a:round/>
+                      <a:headEnd type="none" w="med" len="med"/>
+                      <a:tailEnd type="none" w="med" len="med"/>
+                    </a:lnT>
+                    <a:lnB w="12700" cap="flat" cmpd="sng" algn="ctr">
+                      <a:solidFill>
+                        <a:schemeClr val="tx1"/>
+                      </a:solidFill>
+                      <a:prstDash val="solid"/>
+                      <a:round/>
+                      <a:headEnd type="none" w="med" len="med"/>
+                      <a:tailEnd type="none" w="med" len="med"/>
+                    </a:lnB>
+                    <a:noFill/>
+                  </a:tcPr>
+                </a:tc>
+                <a:tc>
+                  <a:txBody>
+                    <a:bodyPr/>
+                    <a:lstStyle/>
+                    <a:p>
+                      <a:endParaRPr kumimoji="1" lang="ja-JP" altLang="en-US" sz="1000" dirty="0">
+                        <a:solidFill>
+                          <a:schemeClr val="tx1"/>
+                        </a:solidFill>
+                      </a:endParaRPr>
+                    </a:p>
+                  </a:txBody>
+                  <a:tcPr anchor="ctr">
+                    <a:lnL w="12700" cap="flat" cmpd="sng" algn="ctr">
+                      <a:solidFill>
+                        <a:schemeClr val="tx1"/>
+                      </a:solidFill>
+                      <a:prstDash val="sysDot"/>
+                      <a:round/>
+                      <a:headEnd type="none" w="med" len="med"/>
+                      <a:tailEnd type="none" w="med" len="med"/>
+                    </a:lnL>
+                    <a:lnR w="12700" cap="flat" cmpd="sng" algn="ctr">
+                      <a:solidFill>
+                        <a:schemeClr val="tx1"/>
+                      </a:solidFill>
+                      <a:prstDash val="sysDot"/>
+                      <a:round/>
+                      <a:headEnd type="none" w="med" len="med"/>
+                      <a:tailEnd type="none" w="med" len="med"/>
+                    </a:lnR>
+                    <a:lnT w="12700" cap="flat" cmpd="sng" algn="ctr">
+                      <a:solidFill>
+                        <a:schemeClr val="tx1"/>
+                      </a:solidFill>
+                      <a:prstDash val="solid"/>
+                      <a:round/>
+                      <a:headEnd type="none" w="med" len="med"/>
+                      <a:tailEnd type="none" w="med" len="med"/>
+                    </a:lnT>
+                    <a:lnB w="12700" cap="flat" cmpd="sng" algn="ctr">
+                      <a:solidFill>
+                        <a:schemeClr val="tx1"/>
+                      </a:solidFill>
+                      <a:prstDash val="solid"/>
+                      <a:round/>
+                      <a:headEnd type="none" w="med" len="med"/>
+                      <a:tailEnd type="none" w="med" len="med"/>
+                    </a:lnB>
+                    <a:noFill/>
+                  </a:tcPr>
+                </a:tc>
+                <a:tc>
+                  <a:txBody>
+                    <a:bodyPr/>
+                    <a:lstStyle/>
+                    <a:p>
+                      <a:endParaRPr kumimoji="1" lang="ja-JP" altLang="en-US" sz="1000">
+                        <a:solidFill>
+                          <a:schemeClr val="tx1"/>
+                        </a:solidFill>
+                      </a:endParaRPr>
+                    </a:p>
+                  </a:txBody>
+                  <a:tcPr anchor="ctr">
+                    <a:lnL w="12700" cap="flat" cmpd="sng" algn="ctr">
+                      <a:solidFill>
+                        <a:schemeClr val="tx1"/>
+                      </a:solidFill>
+                      <a:prstDash val="sysDot"/>
+                      <a:round/>
+                      <a:headEnd type="none" w="med" len="med"/>
+                      <a:tailEnd type="none" w="med" len="med"/>
+                    </a:lnL>
+                    <a:lnR w="12700" cap="flat" cmpd="sng" algn="ctr">
+                      <a:solidFill>
+                        <a:schemeClr val="tx1"/>
+                      </a:solidFill>
+                      <a:prstDash val="sysDot"/>
+                      <a:round/>
+                      <a:headEnd type="none" w="med" len="med"/>
+                      <a:tailEnd type="none" w="med" len="med"/>
+                    </a:lnR>
+                    <a:lnT w="12700" cap="flat" cmpd="sng" algn="ctr">
+                      <a:solidFill>
+                        <a:schemeClr val="tx1"/>
+                      </a:solidFill>
+                      <a:prstDash val="solid"/>
+                      <a:round/>
+                      <a:headEnd type="none" w="med" len="med"/>
+                      <a:tailEnd type="none" w="med" len="med"/>
+                    </a:lnT>
+                    <a:lnB w="12700" cap="flat" cmpd="sng" algn="ctr">
+                      <a:solidFill>
+                        <a:schemeClr val="tx1"/>
+                      </a:solidFill>
+                      <a:prstDash val="solid"/>
+                      <a:round/>
+                      <a:headEnd type="none" w="med" len="med"/>
+                      <a:tailEnd type="none" w="med" len="med"/>
+                    </a:lnB>
+                    <a:noFill/>
+                  </a:tcPr>
+                </a:tc>
+                <a:tc>
+                  <a:txBody>
+                    <a:bodyPr/>
+                    <a:lstStyle/>
+                    <a:p>
+                      <a:endParaRPr kumimoji="1" lang="ja-JP" altLang="en-US" sz="1000">
+                        <a:solidFill>
+                          <a:schemeClr val="tx1"/>
+                        </a:solidFill>
+                      </a:endParaRPr>
+                    </a:p>
+                  </a:txBody>
+                  <a:tcPr anchor="ctr">
+                    <a:lnL w="12700" cap="flat" cmpd="sng" algn="ctr">
+                      <a:solidFill>
+                        <a:schemeClr val="tx1"/>
+                      </a:solidFill>
+                      <a:prstDash val="sysDot"/>
+                      <a:round/>
+                      <a:headEnd type="none" w="med" len="med"/>
+                      <a:tailEnd type="none" w="med" len="med"/>
+                    </a:lnL>
+                    <a:lnR w="12700" cap="flat" cmpd="sng" algn="ctr">
+                      <a:solidFill>
+                        <a:schemeClr val="tx1"/>
+                      </a:solidFill>
+                      <a:prstDash val="solid"/>
+                      <a:round/>
+                      <a:headEnd type="none" w="med" len="med"/>
+                      <a:tailEnd type="none" w="med" len="med"/>
+                    </a:lnR>
+                    <a:lnT w="12700" cap="flat" cmpd="sng" algn="ctr">
+                      <a:solidFill>
+                        <a:schemeClr val="tx1"/>
+                      </a:solidFill>
+                      <a:prstDash val="solid"/>
+                      <a:round/>
+                      <a:headEnd type="none" w="med" len="med"/>
+                      <a:tailEnd type="none" w="med" len="med"/>
+                    </a:lnT>
+                    <a:lnB w="12700" cap="flat" cmpd="sng" algn="ctr">
+                      <a:solidFill>
+                        <a:schemeClr val="tx1"/>
+                      </a:solidFill>
+                      <a:prstDash val="solid"/>
+                      <a:round/>
+                      <a:headEnd type="none" w="med" len="med"/>
+                      <a:tailEnd type="none" w="med" len="med"/>
+                    </a:lnB>
+                    <a:noFill/>
+                  </a:tcPr>
+                </a:tc>
+                <a:tc>
+                  <a:txBody>
+                    <a:bodyPr/>
+                    <a:lstStyle/>
+                    <a:p>
+                      <a:endParaRPr kumimoji="1" lang="ja-JP" altLang="en-US" sz="1000" dirty="0">
+                        <a:solidFill>
+                          <a:schemeClr val="tx1"/>
+                        </a:solidFill>
+                      </a:endParaRPr>
+                    </a:p>
+                  </a:txBody>
+                  <a:tcPr anchor="ctr">
+                    <a:lnL w="12700" cap="flat" cmpd="sng" algn="ctr">
+                      <a:solidFill>
+                        <a:schemeClr val="tx1"/>
+                      </a:solidFill>
+                      <a:prstDash val="solid"/>
+                      <a:round/>
+                      <a:headEnd type="none" w="med" len="med"/>
+                      <a:tailEnd type="none" w="med" len="med"/>
+                    </a:lnL>
+                    <a:lnR w="12700" cap="flat" cmpd="sng" algn="ctr">
+                      <a:solidFill>
+                        <a:schemeClr val="tx1"/>
+                      </a:solidFill>
+                      <a:prstDash val="solid"/>
+                      <a:round/>
+                      <a:headEnd type="none" w="med" len="med"/>
+                      <a:tailEnd type="none" w="med" len="med"/>
+                    </a:lnR>
+                    <a:lnT w="12700" cap="flat" cmpd="sng" algn="ctr">
+                      <a:solidFill>
+                        <a:schemeClr val="tx1"/>
+                      </a:solidFill>
+                      <a:prstDash val="solid"/>
+                      <a:round/>
+                      <a:headEnd type="none" w="med" len="med"/>
+                      <a:tailEnd type="none" w="med" len="med"/>
+                    </a:lnT>
+                    <a:lnB w="12700" cap="flat" cmpd="sng" algn="ctr">
+                      <a:solidFill>
+                        <a:schemeClr val="tx1"/>
+                      </a:solidFill>
+                      <a:prstDash val="solid"/>
+                      <a:round/>
+                      <a:headEnd type="none" w="med" len="med"/>
+                      <a:tailEnd type="none" w="med" len="med"/>
+                    </a:lnB>
+                    <a:noFill/>
+                  </a:tcPr>
+                </a:tc>
+              </a:tr>
+              <a:tr h="1024467">
+                <a:tc>
+                  <a:txBody>
+                    <a:bodyPr/>
+                    <a:lstStyle/>
+                    <a:p>
+                      <a:endParaRPr kumimoji="1" lang="ja-JP" altLang="en-US" sz="1000">
+                        <a:solidFill>
+                          <a:schemeClr val="tx1"/>
+                        </a:solidFill>
+                      </a:endParaRPr>
+                    </a:p>
+                  </a:txBody>
+                  <a:tcPr anchor="ctr">
+                    <a:lnL w="12700" cap="flat" cmpd="sng" algn="ctr">
+                      <a:solidFill>
+                        <a:schemeClr val="tx1"/>
+                      </a:solidFill>
+                      <a:prstDash val="solid"/>
+                      <a:round/>
+                      <a:headEnd type="none" w="med" len="med"/>
+                      <a:tailEnd type="none" w="med" len="med"/>
+                    </a:lnL>
+                    <a:lnR w="12700" cap="flat" cmpd="sng" algn="ctr">
+                      <a:solidFill>
+                        <a:schemeClr val="tx1"/>
+                      </a:solidFill>
+                      <a:prstDash val="solid"/>
+                      <a:round/>
+                      <a:headEnd type="none" w="med" len="med"/>
+                      <a:tailEnd type="none" w="med" len="med"/>
+                    </a:lnR>
+                    <a:lnT w="12700" cap="flat" cmpd="sng" algn="ctr">
+                      <a:solidFill>
+                        <a:schemeClr val="tx1"/>
+                      </a:solidFill>
+                      <a:prstDash val="solid"/>
+                      <a:round/>
+                      <a:headEnd type="none" w="med" len="med"/>
+                      <a:tailEnd type="none" w="med" len="med"/>
+                    </a:lnT>
+                    <a:lnB w="12700" cap="flat" cmpd="sng" algn="ctr">
+                      <a:solidFill>
+                        <a:schemeClr val="tx1"/>
+                      </a:solidFill>
+                      <a:prstDash val="solid"/>
+                      <a:round/>
+                      <a:headEnd type="none" w="med" len="med"/>
+                      <a:tailEnd type="none" w="med" len="med"/>
+                    </a:lnB>
+                    <a:noFill/>
+                  </a:tcPr>
+                </a:tc>
+                <a:tc>
+                  <a:txBody>
+                    <a:bodyPr/>
+                    <a:lstStyle/>
+                    <a:p>
+                      <a:r>
+                        <a:rPr kumimoji="1" lang="ja-JP" altLang="en-US" sz="1000" dirty="0" smtClean="0">
+                          <a:solidFill>
+                            <a:schemeClr val="tx1"/>
+                          </a:solidFill>
+                        </a:rPr>
+                        <a:t>その他</a:t>
+                      </a:r>
+                      <a:endParaRPr kumimoji="1" lang="ja-JP" altLang="en-US" sz="1000" dirty="0">
+                        <a:solidFill>
+                          <a:schemeClr val="tx1"/>
+                        </a:solidFill>
+                      </a:endParaRPr>
+                    </a:p>
+                  </a:txBody>
+                  <a:tcPr anchor="ctr">
+                    <a:lnL w="12700" cap="flat" cmpd="sng" algn="ctr">
+                      <a:solidFill>
+                        <a:schemeClr val="tx1"/>
+                      </a:solidFill>
+                      <a:prstDash val="solid"/>
+                      <a:round/>
+                      <a:headEnd type="none" w="med" len="med"/>
+                      <a:tailEnd type="none" w="med" len="med"/>
+                    </a:lnL>
+                    <a:lnR w="12700" cap="flat" cmpd="sng" algn="ctr">
+                      <a:solidFill>
+                        <a:schemeClr val="tx1"/>
+                      </a:solidFill>
+                      <a:prstDash val="solid"/>
+                      <a:round/>
+                      <a:headEnd type="none" w="med" len="med"/>
+                      <a:tailEnd type="none" w="med" len="med"/>
+                    </a:lnR>
+                    <a:lnT w="12700" cap="flat" cmpd="sng" algn="ctr">
+                      <a:solidFill>
+                        <a:schemeClr val="tx1"/>
+                      </a:solidFill>
+                      <a:prstDash val="solid"/>
+                      <a:round/>
+                      <a:headEnd type="none" w="med" len="med"/>
+                      <a:tailEnd type="none" w="med" len="med"/>
+                    </a:lnT>
+                    <a:lnB w="12700" cap="flat" cmpd="sng" algn="ctr">
+                      <a:solidFill>
+                        <a:schemeClr val="tx1"/>
+                      </a:solidFill>
+                      <a:prstDash val="solid"/>
+                      <a:round/>
+                      <a:headEnd type="none" w="med" len="med"/>
+                      <a:tailEnd type="none" w="med" len="med"/>
+                    </a:lnB>
+                    <a:noFill/>
+                  </a:tcPr>
+                </a:tc>
+                <a:tc>
+                  <a:txBody>
+                    <a:bodyPr/>
+                    <a:lstStyle/>
+                    <a:p>
+                      <a:endParaRPr kumimoji="1" lang="ja-JP" altLang="en-US" sz="1000" dirty="0">
+                        <a:solidFill>
+                          <a:schemeClr val="tx1"/>
+                        </a:solidFill>
+                      </a:endParaRPr>
+                    </a:p>
+                  </a:txBody>
+                  <a:tcPr anchor="ctr">
+                    <a:lnL w="12700" cap="flat" cmpd="sng" algn="ctr">
+                      <a:solidFill>
+                        <a:schemeClr val="tx1"/>
+                      </a:solidFill>
+                      <a:prstDash val="solid"/>
+                      <a:round/>
+                      <a:headEnd type="none" w="med" len="med"/>
+                      <a:tailEnd type="none" w="med" len="med"/>
+                    </a:lnL>
+                    <a:lnR w="12700" cap="flat" cmpd="sng" algn="ctr">
+                      <a:solidFill>
+                        <a:schemeClr val="tx1"/>
+                      </a:solidFill>
+                      <a:prstDash val="solid"/>
+                      <a:round/>
+                      <a:headEnd type="none" w="med" len="med"/>
+                      <a:tailEnd type="none" w="med" len="med"/>
+                    </a:lnR>
+                    <a:lnT w="12700" cap="flat" cmpd="sng" algn="ctr">
+                      <a:solidFill>
+                        <a:schemeClr val="tx1"/>
+                      </a:solidFill>
+                      <a:prstDash val="solid"/>
+                      <a:round/>
+                      <a:headEnd type="none" w="med" len="med"/>
+                      <a:tailEnd type="none" w="med" len="med"/>
+                    </a:lnT>
+                    <a:lnB w="12700" cap="flat" cmpd="sng" algn="ctr">
+                      <a:solidFill>
+                        <a:schemeClr val="tx1"/>
+                      </a:solidFill>
+                      <a:prstDash val="solid"/>
+                      <a:round/>
+                      <a:headEnd type="none" w="med" len="med"/>
+                      <a:tailEnd type="none" w="med" len="med"/>
+                    </a:lnB>
+                    <a:noFill/>
+                  </a:tcPr>
+                </a:tc>
+                <a:tc>
+                  <a:txBody>
+                    <a:bodyPr/>
+                    <a:lstStyle/>
+                    <a:p>
+                      <a:endParaRPr kumimoji="1" lang="ja-JP" altLang="en-US" sz="1000">
+                        <a:solidFill>
+                          <a:schemeClr val="tx1"/>
+                        </a:solidFill>
+                      </a:endParaRPr>
+                    </a:p>
+                  </a:txBody>
+                  <a:tcPr anchor="ctr">
+                    <a:lnL w="12700" cap="flat" cmpd="sng" algn="ctr">
+                      <a:solidFill>
+                        <a:schemeClr val="tx1"/>
+                      </a:solidFill>
+                      <a:prstDash val="solid"/>
+                      <a:round/>
+                      <a:headEnd type="none" w="med" len="med"/>
+                      <a:tailEnd type="none" w="med" len="med"/>
+                    </a:lnL>
+                    <a:lnR w="12700" cap="flat" cmpd="sng" algn="ctr">
+                      <a:solidFill>
+                        <a:schemeClr val="tx1"/>
+                      </a:solidFill>
+                      <a:prstDash val="sysDot"/>
+                      <a:round/>
+                      <a:headEnd type="none" w="med" len="med"/>
+                      <a:tailEnd type="none" w="med" len="med"/>
+                    </a:lnR>
+                    <a:lnT w="12700" cap="flat" cmpd="sng" algn="ctr">
+                      <a:solidFill>
+                        <a:schemeClr val="tx1"/>
+                      </a:solidFill>
+                      <a:prstDash val="solid"/>
+                      <a:round/>
+                      <a:headEnd type="none" w="med" len="med"/>
+                      <a:tailEnd type="none" w="med" len="med"/>
+                    </a:lnT>
+                    <a:lnB w="12700" cap="flat" cmpd="sng" algn="ctr">
+                      <a:solidFill>
+                        <a:schemeClr val="tx1"/>
+                      </a:solidFill>
+                      <a:prstDash val="solid"/>
+                      <a:round/>
+                      <a:headEnd type="none" w="med" len="med"/>
+                      <a:tailEnd type="none" w="med" len="med"/>
+                    </a:lnB>
+                    <a:noFill/>
+                  </a:tcPr>
+                </a:tc>
+                <a:tc>
+                  <a:txBody>
+                    <a:bodyPr/>
+                    <a:lstStyle/>
+                    <a:p>
+                      <a:endParaRPr kumimoji="1" lang="ja-JP" altLang="en-US" sz="1000" dirty="0">
+                        <a:solidFill>
+                          <a:schemeClr val="tx1"/>
+                        </a:solidFill>
+                      </a:endParaRPr>
+                    </a:p>
+                  </a:txBody>
+                  <a:tcPr anchor="ctr">
+                    <a:lnL w="12700" cap="flat" cmpd="sng" algn="ctr">
+                      <a:solidFill>
+                        <a:schemeClr val="tx1"/>
+                      </a:solidFill>
+                      <a:prstDash val="sysDot"/>
+                      <a:round/>
+                      <a:headEnd type="none" w="med" len="med"/>
+                      <a:tailEnd type="none" w="med" len="med"/>
+                    </a:lnL>
+                    <a:lnR w="12700" cap="flat" cmpd="sng" algn="ctr">
+                      <a:solidFill>
+                        <a:schemeClr val="tx1"/>
+                      </a:solidFill>
+                      <a:prstDash val="sysDot"/>
+                      <a:round/>
+                      <a:headEnd type="none" w="med" len="med"/>
+                      <a:tailEnd type="none" w="med" len="med"/>
+                    </a:lnR>
+                    <a:lnT w="12700" cap="flat" cmpd="sng" algn="ctr">
+                      <a:solidFill>
+                        <a:schemeClr val="tx1"/>
+                      </a:solidFill>
+                      <a:prstDash val="solid"/>
+                      <a:round/>
+                      <a:headEnd type="none" w="med" len="med"/>
+                      <a:tailEnd type="none" w="med" len="med"/>
+                    </a:lnT>
+                    <a:lnB w="12700" cap="flat" cmpd="sng" algn="ctr">
+                      <a:solidFill>
+                        <a:schemeClr val="tx1"/>
+                      </a:solidFill>
+                      <a:prstDash val="solid"/>
+                      <a:round/>
+                      <a:headEnd type="none" w="med" len="med"/>
+                      <a:tailEnd type="none" w="med" len="med"/>
+                    </a:lnB>
+                    <a:noFill/>
+                  </a:tcPr>
+                </a:tc>
+                <a:tc>
+                  <a:txBody>
+                    <a:bodyPr/>
+                    <a:lstStyle/>
+                    <a:p>
+                      <a:endParaRPr kumimoji="1" lang="ja-JP" altLang="en-US" sz="1000" dirty="0">
+                        <a:solidFill>
+                          <a:schemeClr val="tx1"/>
+                        </a:solidFill>
+                      </a:endParaRPr>
+                    </a:p>
+                  </a:txBody>
+                  <a:tcPr anchor="ctr">
+                    <a:lnL w="12700" cap="flat" cmpd="sng" algn="ctr">
+                      <a:solidFill>
+                        <a:schemeClr val="tx1"/>
+                      </a:solidFill>
+                      <a:prstDash val="sysDot"/>
+                      <a:round/>
+                      <a:headEnd type="none" w="med" len="med"/>
+                      <a:tailEnd type="none" w="med" len="med"/>
+                    </a:lnL>
+                    <a:lnR w="12700" cap="flat" cmpd="sng" algn="ctr">
+                      <a:solidFill>
+                        <a:schemeClr val="tx1"/>
+                      </a:solidFill>
+                      <a:prstDash val="sysDot"/>
+                      <a:round/>
+                      <a:headEnd type="none" w="med" len="med"/>
+                      <a:tailEnd type="none" w="med" len="med"/>
+                    </a:lnR>
+                    <a:lnT w="12700" cap="flat" cmpd="sng" algn="ctr">
+                      <a:solidFill>
+                        <a:schemeClr val="tx1"/>
+                      </a:solidFill>
+                      <a:prstDash val="solid"/>
+                      <a:round/>
+                      <a:headEnd type="none" w="med" len="med"/>
+                      <a:tailEnd type="none" w="med" len="med"/>
+                    </a:lnT>
+                    <a:lnB w="12700" cap="flat" cmpd="sng" algn="ctr">
+                      <a:solidFill>
+                        <a:schemeClr val="tx1"/>
+                      </a:solidFill>
+                      <a:prstDash val="solid"/>
+                      <a:round/>
+                      <a:headEnd type="none" w="med" len="med"/>
+                      <a:tailEnd type="none" w="med" len="med"/>
+                    </a:lnB>
+                    <a:noFill/>
+                  </a:tcPr>
+                </a:tc>
+                <a:tc>
+                  <a:txBody>
+                    <a:bodyPr/>
+                    <a:lstStyle/>
+                    <a:p>
+                      <a:endParaRPr kumimoji="1" lang="ja-JP" altLang="en-US" sz="1000" dirty="0">
+                        <a:solidFill>
+                          <a:schemeClr val="tx1"/>
+                        </a:solidFill>
+                      </a:endParaRPr>
+                    </a:p>
+                  </a:txBody>
+                  <a:tcPr anchor="ctr">
+                    <a:lnL w="12700" cap="flat" cmpd="sng" algn="ctr">
+                      <a:solidFill>
+                        <a:schemeClr val="tx1"/>
+                      </a:solidFill>
+                      <a:prstDash val="sysDot"/>
+                      <a:round/>
+                      <a:headEnd type="none" w="med" len="med"/>
+                      <a:tailEnd type="none" w="med" len="med"/>
+                    </a:lnL>
+                    <a:lnR w="12700" cap="flat" cmpd="sng" algn="ctr">
+                      <a:solidFill>
+                        <a:schemeClr val="tx1"/>
+                      </a:solidFill>
+                      <a:prstDash val="sysDot"/>
+                      <a:round/>
+                      <a:headEnd type="none" w="med" len="med"/>
+                      <a:tailEnd type="none" w="med" len="med"/>
+                    </a:lnR>
+                    <a:lnT w="12700" cap="flat" cmpd="sng" algn="ctr">
+                      <a:solidFill>
+                        <a:schemeClr val="tx1"/>
+                      </a:solidFill>
+                      <a:prstDash val="solid"/>
+                      <a:round/>
+                      <a:headEnd type="none" w="med" len="med"/>
+                      <a:tailEnd type="none" w="med" len="med"/>
+                    </a:lnT>
+                    <a:lnB w="12700" cap="flat" cmpd="sng" algn="ctr">
+                      <a:solidFill>
+                        <a:schemeClr val="tx1"/>
+                      </a:solidFill>
+                      <a:prstDash val="solid"/>
+                      <a:round/>
+                      <a:headEnd type="none" w="med" len="med"/>
+                      <a:tailEnd type="none" w="med" len="med"/>
+                    </a:lnB>
+                    <a:noFill/>
+                  </a:tcPr>
+                </a:tc>
+                <a:tc>
+                  <a:txBody>
+                    <a:bodyPr/>
+                    <a:lstStyle/>
+                    <a:p>
+                      <a:endParaRPr kumimoji="1" lang="ja-JP" altLang="en-US" sz="1000">
+                        <a:solidFill>
+                          <a:schemeClr val="tx1"/>
+                        </a:solidFill>
+                      </a:endParaRPr>
+                    </a:p>
+                  </a:txBody>
+                  <a:tcPr anchor="ctr">
+                    <a:lnL w="12700" cap="flat" cmpd="sng" algn="ctr">
+                      <a:solidFill>
+                        <a:schemeClr val="tx1"/>
+                      </a:solidFill>
+                      <a:prstDash val="sysDot"/>
+                      <a:round/>
+                      <a:headEnd type="none" w="med" len="med"/>
+                      <a:tailEnd type="none" w="med" len="med"/>
+                    </a:lnL>
+                    <a:lnR w="12700" cap="flat" cmpd="sng" algn="ctr">
+                      <a:solidFill>
+                        <a:schemeClr val="tx1"/>
+                      </a:solidFill>
+                      <a:prstDash val="sysDot"/>
+                      <a:round/>
+                      <a:headEnd type="none" w="med" len="med"/>
+                      <a:tailEnd type="none" w="med" len="med"/>
+                    </a:lnR>
+                    <a:lnT w="12700" cap="flat" cmpd="sng" algn="ctr">
+                      <a:solidFill>
+                        <a:schemeClr val="tx1"/>
+                      </a:solidFill>
+                      <a:prstDash val="solid"/>
+                      <a:round/>
+                      <a:headEnd type="none" w="med" len="med"/>
+                      <a:tailEnd type="none" w="med" len="med"/>
+                    </a:lnT>
+                    <a:lnB w="12700" cap="flat" cmpd="sng" algn="ctr">
+                      <a:solidFill>
+                        <a:schemeClr val="tx1"/>
+                      </a:solidFill>
+                      <a:prstDash val="solid"/>
+                      <a:round/>
+                      <a:headEnd type="none" w="med" len="med"/>
+                      <a:tailEnd type="none" w="med" len="med"/>
+                    </a:lnB>
+                    <a:noFill/>
+                  </a:tcPr>
+                </a:tc>
+                <a:tc>
+                  <a:txBody>
+                    <a:bodyPr/>
+                    <a:lstStyle/>
+                    <a:p>
+                      <a:endParaRPr kumimoji="1" lang="ja-JP" altLang="en-US" sz="1000">
+                        <a:solidFill>
+                          <a:schemeClr val="tx1"/>
+                        </a:solidFill>
+                      </a:endParaRPr>
+                    </a:p>
+                  </a:txBody>
+                  <a:tcPr anchor="ctr">
+                    <a:lnL w="12700" cap="flat" cmpd="sng" algn="ctr">
+                      <a:solidFill>
+                        <a:schemeClr val="tx1"/>
+                      </a:solidFill>
+                      <a:prstDash val="sysDot"/>
+                      <a:round/>
+                      <a:headEnd type="none" w="med" len="med"/>
+                      <a:tailEnd type="none" w="med" len="med"/>
+                    </a:lnL>
+                    <a:lnR w="12700" cap="flat" cmpd="sng" algn="ctr">
+                      <a:solidFill>
+                        <a:schemeClr val="tx1"/>
+                      </a:solidFill>
+                      <a:prstDash val="solid"/>
+                      <a:round/>
+                      <a:headEnd type="none" w="med" len="med"/>
+                      <a:tailEnd type="none" w="med" len="med"/>
+                    </a:lnR>
+                    <a:lnT w="12700" cap="flat" cmpd="sng" algn="ctr">
+                      <a:solidFill>
+                        <a:schemeClr val="tx1"/>
+                      </a:solidFill>
+                      <a:prstDash val="solid"/>
+                      <a:round/>
+                      <a:headEnd type="none" w="med" len="med"/>
+                      <a:tailEnd type="none" w="med" len="med"/>
+                    </a:lnT>
+                    <a:lnB w="12700" cap="flat" cmpd="sng" algn="ctr">
+                      <a:solidFill>
+                        <a:schemeClr val="tx1"/>
+                      </a:solidFill>
+                      <a:prstDash val="solid"/>
+                      <a:round/>
+                      <a:headEnd type="none" w="med" len="med"/>
+                      <a:tailEnd type="none" w="med" len="med"/>
+                    </a:lnB>
+                    <a:noFill/>
+                  </a:tcPr>
+                </a:tc>
+                <a:tc>
+                  <a:txBody>
+                    <a:bodyPr/>
+                    <a:lstStyle/>
+                    <a:p>
+                      <a:endParaRPr kumimoji="1" lang="ja-JP" altLang="en-US" sz="1000" dirty="0">
+                        <a:solidFill>
+                          <a:schemeClr val="tx1"/>
+                        </a:solidFill>
+                      </a:endParaRPr>
+                    </a:p>
+                  </a:txBody>
+                  <a:tcPr anchor="ctr">
+                    <a:lnL w="12700" cap="flat" cmpd="sng" algn="ctr">
+                      <a:solidFill>
+                        <a:schemeClr val="tx1"/>
+                      </a:solidFill>
+                      <a:prstDash val="solid"/>
+                      <a:round/>
+                      <a:headEnd type="none" w="med" len="med"/>
+                      <a:tailEnd type="none" w="med" len="med"/>
+                    </a:lnL>
+                    <a:lnR w="12700" cap="flat" cmpd="sng" algn="ctr">
+                      <a:solidFill>
+                        <a:schemeClr val="tx1"/>
+                      </a:solidFill>
+                      <a:prstDash val="solid"/>
+                      <a:round/>
+                      <a:headEnd type="none" w="med" len="med"/>
+                      <a:tailEnd type="none" w="med" len="med"/>
+                    </a:lnR>
+                    <a:lnT w="12700" cap="flat" cmpd="sng" algn="ctr">
+                      <a:solidFill>
+                        <a:schemeClr val="tx1"/>
+                      </a:solidFill>
+                      <a:prstDash val="solid"/>
+                      <a:round/>
+                      <a:headEnd type="none" w="med" len="med"/>
+                      <a:tailEnd type="none" w="med" len="med"/>
+                    </a:lnT>
+                    <a:lnB w="12700" cap="flat" cmpd="sng" algn="ctr">
+                      <a:solidFill>
+                        <a:schemeClr val="tx1"/>
+                      </a:solidFill>
+                      <a:prstDash val="solid"/>
+                      <a:round/>
+                      <a:headEnd type="none" w="med" len="med"/>
+                      <a:tailEnd type="none" w="med" len="med"/>
+                    </a:lnB>
+                    <a:noFill/>
+                  </a:tcPr>
+                </a:tc>
+              </a:tr>
+              <a:tr h="370840">
+                <a:tc>
+                  <a:txBody>
+                    <a:bodyPr/>
+                    <a:lstStyle/>
+                    <a:p>
+                      <a:r>
+                        <a:rPr kumimoji="1" lang="en-US" altLang="ja-JP" sz="1000" dirty="0" smtClean="0">
+                          <a:solidFill>
+                            <a:schemeClr val="tx1"/>
+                          </a:solidFill>
+                        </a:rPr>
+                        <a:t>0001</a:t>
+                      </a:r>
+                      <a:endParaRPr kumimoji="1" lang="ja-JP" altLang="en-US" sz="1000" dirty="0">
+                        <a:solidFill>
+                          <a:schemeClr val="tx1"/>
+                        </a:solidFill>
+                      </a:endParaRPr>
+                    </a:p>
+                  </a:txBody>
+                  <a:tcPr anchor="ctr">
+                    <a:lnL w="12700" cap="flat" cmpd="sng" algn="ctr">
+                      <a:solidFill>
+                        <a:schemeClr val="tx1"/>
+                      </a:solidFill>
+                      <a:prstDash val="solid"/>
+                      <a:round/>
+                      <a:headEnd type="none" w="med" len="med"/>
+                      <a:tailEnd type="none" w="med" len="med"/>
+                    </a:lnL>
+                    <a:lnR w="12700" cap="flat" cmpd="sng" algn="ctr">
+                      <a:solidFill>
+                        <a:schemeClr val="tx1"/>
+                      </a:solidFill>
+                      <a:prstDash val="solid"/>
+                      <a:round/>
+                      <a:headEnd type="none" w="med" len="med"/>
+                      <a:tailEnd type="none" w="med" len="med"/>
+                    </a:lnR>
+                    <a:lnT w="12700" cap="flat" cmpd="sng" algn="ctr">
+                      <a:solidFill>
+                        <a:schemeClr val="tx1"/>
+                      </a:solidFill>
+                      <a:prstDash val="solid"/>
+                      <a:round/>
+                      <a:headEnd type="none" w="med" len="med"/>
+                      <a:tailEnd type="none" w="med" len="med"/>
+                    </a:lnT>
+                    <a:lnB w="12700" cap="flat" cmpd="sng" algn="ctr">
+                      <a:solidFill>
+                        <a:schemeClr val="tx1"/>
+                      </a:solidFill>
+                      <a:prstDash val="solid"/>
+                      <a:round/>
+                      <a:headEnd type="none" w="med" len="med"/>
+                      <a:tailEnd type="none" w="med" len="med"/>
+                    </a:lnB>
+                    <a:noFill/>
+                  </a:tcPr>
+                </a:tc>
+                <a:tc>
+                  <a:txBody>
+                    <a:bodyPr/>
+                    <a:lstStyle/>
+                    <a:p>
+                      <a:r>
+                        <a:rPr kumimoji="1" lang="ja-JP" altLang="en-US" sz="1000" dirty="0" smtClean="0">
+                          <a:solidFill>
+                            <a:schemeClr val="tx1"/>
+                          </a:solidFill>
+                        </a:rPr>
+                        <a:t>仕様検討</a:t>
+                      </a:r>
+                      <a:endParaRPr kumimoji="1" lang="ja-JP" altLang="en-US" sz="1000" dirty="0">
+                        <a:solidFill>
+                          <a:schemeClr val="tx1"/>
+                        </a:solidFill>
+                      </a:endParaRPr>
+                    </a:p>
+                  </a:txBody>
+                  <a:tcPr anchor="ctr">
+                    <a:lnL w="12700" cap="flat" cmpd="sng" algn="ctr">
+                      <a:solidFill>
+                        <a:schemeClr val="tx1"/>
+                      </a:solidFill>
+                      <a:prstDash val="solid"/>
+                      <a:round/>
+                      <a:headEnd type="none" w="med" len="med"/>
+                      <a:tailEnd type="none" w="med" len="med"/>
+                    </a:lnL>
+                    <a:lnR w="12700" cap="flat" cmpd="sng" algn="ctr">
+                      <a:solidFill>
+                        <a:schemeClr val="tx1"/>
+                      </a:solidFill>
+                      <a:prstDash val="solid"/>
+                      <a:round/>
+                      <a:headEnd type="none" w="med" len="med"/>
+                      <a:tailEnd type="none" w="med" len="med"/>
+                    </a:lnR>
+                    <a:lnT w="12700" cap="flat" cmpd="sng" algn="ctr">
+                      <a:solidFill>
+                        <a:schemeClr val="tx1"/>
+                      </a:solidFill>
+                      <a:prstDash val="solid"/>
+                      <a:round/>
+                      <a:headEnd type="none" w="med" len="med"/>
+                      <a:tailEnd type="none" w="med" len="med"/>
+                    </a:lnT>
+                    <a:lnB w="12700" cap="flat" cmpd="sng" algn="ctr">
+                      <a:solidFill>
+                        <a:schemeClr val="tx1"/>
+                      </a:solidFill>
+                      <a:prstDash val="solid"/>
+                      <a:round/>
+                      <a:headEnd type="none" w="med" len="med"/>
+                      <a:tailEnd type="none" w="med" len="med"/>
+                    </a:lnB>
+                    <a:noFill/>
+                  </a:tcPr>
+                </a:tc>
+                <a:tc>
+                  <a:txBody>
+                    <a:bodyPr/>
+                    <a:lstStyle/>
+                    <a:p>
+                      <a:r>
+                        <a:rPr kumimoji="1" lang="ja-JP" altLang="en-US" sz="1000" dirty="0" smtClean="0">
+                          <a:solidFill>
+                            <a:schemeClr val="tx1"/>
+                          </a:solidFill>
+                        </a:rPr>
+                        <a:t>①サンプル１</a:t>
+                      </a:r>
+                      <a:endParaRPr kumimoji="1" lang="en-US" altLang="ja-JP" sz="1000" dirty="0" smtClean="0">
+                        <a:solidFill>
+                          <a:schemeClr val="tx1"/>
+                        </a:solidFill>
+                      </a:endParaRPr>
+                    </a:p>
+                    <a:p>
+                      <a:r>
+                        <a:rPr kumimoji="1" lang="ja-JP" altLang="en-US" sz="1000" dirty="0" smtClean="0">
+                          <a:solidFill>
+                            <a:schemeClr val="tx1"/>
+                          </a:solidFill>
+                        </a:rPr>
+                        <a:t>②サンプル２</a:t>
+                      </a:r>
+                      <a:endParaRPr kumimoji="1" lang="en-US" altLang="ja-JP" sz="1000" dirty="0" smtClean="0">
+                        <a:solidFill>
+                          <a:schemeClr val="tx1"/>
+                        </a:solidFill>
+                      </a:endParaRPr>
+                    </a:p>
+                    <a:p>
+                      <a:r>
+                        <a:rPr kumimoji="1" lang="ja-JP" altLang="en-US" sz="1000" dirty="0" smtClean="0">
+                          <a:solidFill>
+                            <a:schemeClr val="tx1"/>
+                          </a:solidFill>
+                        </a:rPr>
+                        <a:t>③サンプル３</a:t>
+                      </a:r>
+                      <a:endParaRPr kumimoji="1" lang="ja-JP" altLang="en-US" sz="1000" dirty="0">
+                        <a:solidFill>
+                          <a:schemeClr val="tx1"/>
+                        </a:solidFill>
+                      </a:endParaRPr>
+                    </a:p>
+                  </a:txBody>
+                  <a:tcPr anchor="ctr">
+                    <a:lnL w="12700" cap="flat" cmpd="sng" algn="ctr">
+                      <a:solidFill>
+                        <a:schemeClr val="tx1"/>
+                      </a:solidFill>
+                      <a:prstDash val="solid"/>
+                      <a:round/>
+                      <a:headEnd type="none" w="med" len="med"/>
+                      <a:tailEnd type="none" w="med" len="med"/>
+                    </a:lnL>
+                    <a:lnR w="12700" cap="flat" cmpd="sng" algn="ctr">
+                      <a:solidFill>
+                        <a:schemeClr val="tx1"/>
+                      </a:solidFill>
+                      <a:prstDash val="solid"/>
+                      <a:round/>
+                      <a:headEnd type="none" w="med" len="med"/>
+                      <a:tailEnd type="none" w="med" len="med"/>
+                    </a:lnR>
+                    <a:lnT w="12700" cap="flat" cmpd="sng" algn="ctr">
+                      <a:solidFill>
+                        <a:schemeClr val="tx1"/>
+                      </a:solidFill>
+                      <a:prstDash val="solid"/>
+                      <a:round/>
+                      <a:headEnd type="none" w="med" len="med"/>
+                      <a:tailEnd type="none" w="med" len="med"/>
+                    </a:lnT>
+                    <a:lnB w="12700" cap="flat" cmpd="sng" algn="ctr">
+                      <a:solidFill>
+                        <a:schemeClr val="tx1"/>
+                      </a:solidFill>
+                      <a:prstDash val="solid"/>
+                      <a:round/>
+                      <a:headEnd type="none" w="med" len="med"/>
+                      <a:tailEnd type="none" w="med" len="med"/>
+                    </a:lnB>
+                    <a:noFill/>
+                  </a:tcPr>
+                </a:tc>
+                <a:tc>
+                  <a:txBody>
+                    <a:bodyPr/>
+                    <a:lstStyle/>
+                    <a:p>
+                      <a:endParaRPr kumimoji="1" lang="ja-JP" altLang="en-US" sz="1000" dirty="0">
+                        <a:solidFill>
+                          <a:schemeClr val="tx1"/>
+                        </a:solidFill>
+                      </a:endParaRPr>
+                    </a:p>
+                  </a:txBody>
+                  <a:tcPr anchor="ctr">
+                    <a:lnL w="12700" cap="flat" cmpd="sng" algn="ctr">
+                      <a:solidFill>
+                        <a:schemeClr val="tx1"/>
+                      </a:solidFill>
+                      <a:prstDash val="solid"/>
+                      <a:round/>
+                      <a:headEnd type="none" w="med" len="med"/>
+                      <a:tailEnd type="none" w="med" len="med"/>
+                    </a:lnL>
+                    <a:lnR w="12700" cap="flat" cmpd="sng" algn="ctr">
+                      <a:solidFill>
+                        <a:schemeClr val="tx1"/>
+                      </a:solidFill>
+                      <a:prstDash val="sysDot"/>
+                      <a:round/>
+                      <a:headEnd type="none" w="med" len="med"/>
+                      <a:tailEnd type="none" w="med" len="med"/>
+                    </a:lnR>
+                    <a:lnT w="12700" cap="flat" cmpd="sng" algn="ctr">
+                      <a:solidFill>
+                        <a:schemeClr val="tx1"/>
+                      </a:solidFill>
+                      <a:prstDash val="solid"/>
+                      <a:round/>
+                      <a:headEnd type="none" w="med" len="med"/>
+                      <a:tailEnd type="none" w="med" len="med"/>
+                    </a:lnT>
+                    <a:lnB w="12700" cap="flat" cmpd="sng" algn="ctr">
+                      <a:solidFill>
+                        <a:schemeClr val="tx1"/>
+                      </a:solidFill>
+                      <a:prstDash val="solid"/>
+                      <a:round/>
+                      <a:headEnd type="none" w="med" len="med"/>
+                      <a:tailEnd type="none" w="med" len="med"/>
+                    </a:lnB>
+                    <a:noFill/>
+                  </a:tcPr>
+                </a:tc>
+                <a:tc>
+                  <a:txBody>
+                    <a:bodyPr/>
+                    <a:lstStyle/>
+                    <a:p>
+                      <a:endParaRPr kumimoji="1" lang="ja-JP" altLang="en-US" sz="1000" dirty="0">
+                        <a:solidFill>
+                          <a:schemeClr val="tx1"/>
+                        </a:solidFill>
+                      </a:endParaRPr>
+                    </a:p>
+                  </a:txBody>
+                  <a:tcPr anchor="ctr">
+                    <a:lnL w="12700" cap="flat" cmpd="sng" algn="ctr">
+                      <a:solidFill>
+                        <a:schemeClr val="tx1"/>
+                      </a:solidFill>
+                      <a:prstDash val="sysDot"/>
+                      <a:round/>
+                      <a:headEnd type="none" w="med" len="med"/>
+                      <a:tailEnd type="none" w="med" len="med"/>
+                    </a:lnL>
+                    <a:lnR w="12700" cap="flat" cmpd="sng" algn="ctr">
+                      <a:solidFill>
+                        <a:schemeClr val="tx1"/>
+                      </a:solidFill>
+                      <a:prstDash val="sysDot"/>
+                      <a:round/>
+                      <a:headEnd type="none" w="med" len="med"/>
+                      <a:tailEnd type="none" w="med" len="med"/>
+                    </a:lnR>
+                    <a:lnT w="12700" cap="flat" cmpd="sng" algn="ctr">
+                      <a:solidFill>
+                        <a:schemeClr val="tx1"/>
+                      </a:solidFill>
+                      <a:prstDash val="solid"/>
+                      <a:round/>
+                      <a:headEnd type="none" w="med" len="med"/>
+                      <a:tailEnd type="none" w="med" len="med"/>
+                    </a:lnT>
+                    <a:lnB w="12700" cap="flat" cmpd="sng" algn="ctr">
+                      <a:solidFill>
+                        <a:schemeClr val="tx1"/>
+                      </a:solidFill>
+                      <a:prstDash val="solid"/>
+                      <a:round/>
+                      <a:headEnd type="none" w="med" len="med"/>
+                      <a:tailEnd type="none" w="med" len="med"/>
+                    </a:lnB>
+                    <a:noFill/>
+                  </a:tcPr>
+                </a:tc>
+                <a:tc>
+                  <a:txBody>
+                    <a:bodyPr/>
+                    <a:lstStyle/>
+                    <a:p>
+                      <a:endParaRPr kumimoji="1" lang="ja-JP" altLang="en-US" sz="1000" dirty="0">
+                        <a:solidFill>
+                          <a:schemeClr val="tx1"/>
+                        </a:solidFill>
+                      </a:endParaRPr>
+                    </a:p>
+                  </a:txBody>
+                  <a:tcPr anchor="ctr">
+                    <a:lnL w="12700" cap="flat" cmpd="sng" algn="ctr">
+                      <a:solidFill>
+                        <a:schemeClr val="tx1"/>
+                      </a:solidFill>
+                      <a:prstDash val="sysDot"/>
+                      <a:round/>
+                      <a:headEnd type="none" w="med" len="med"/>
+                      <a:tailEnd type="none" w="med" len="med"/>
+                    </a:lnL>
+                    <a:lnR w="12700" cap="flat" cmpd="sng" algn="ctr">
+                      <a:solidFill>
+                        <a:schemeClr val="tx1"/>
+                      </a:solidFill>
+                      <a:prstDash val="sysDot"/>
+                      <a:round/>
+                      <a:headEnd type="none" w="med" len="med"/>
+                      <a:tailEnd type="none" w="med" len="med"/>
+                    </a:lnR>
+                    <a:lnT w="12700" cap="flat" cmpd="sng" algn="ctr">
+                      <a:solidFill>
+                        <a:schemeClr val="tx1"/>
+                      </a:solidFill>
+                      <a:prstDash val="solid"/>
+                      <a:round/>
+                      <a:headEnd type="none" w="med" len="med"/>
+                      <a:tailEnd type="none" w="med" len="med"/>
+                    </a:lnT>
+                    <a:lnB w="12700" cap="flat" cmpd="sng" algn="ctr">
+                      <a:solidFill>
+                        <a:schemeClr val="tx1"/>
+                      </a:solidFill>
+                      <a:prstDash val="solid"/>
+                      <a:round/>
+                      <a:headEnd type="none" w="med" len="med"/>
+                      <a:tailEnd type="none" w="med" len="med"/>
+                    </a:lnB>
+                    <a:noFill/>
+                  </a:tcPr>
+                </a:tc>
+                <a:tc>
+                  <a:txBody>
+                    <a:bodyPr/>
+                    <a:lstStyle/>
+                    <a:p>
+                      <a:endParaRPr kumimoji="1" lang="ja-JP" altLang="en-US" sz="1000" dirty="0">
+                        <a:solidFill>
+                          <a:schemeClr val="tx1"/>
+                        </a:solidFill>
+                      </a:endParaRPr>
+                    </a:p>
+                  </a:txBody>
+                  <a:tcPr anchor="ctr">
+                    <a:lnL w="12700" cap="flat" cmpd="sng" algn="ctr">
+                      <a:solidFill>
+                        <a:schemeClr val="tx1"/>
+                      </a:solidFill>
+                      <a:prstDash val="sysDot"/>
+                      <a:round/>
+                      <a:headEnd type="none" w="med" len="med"/>
+                      <a:tailEnd type="none" w="med" len="med"/>
+                    </a:lnL>
+                    <a:lnR w="12700" cap="flat" cmpd="sng" algn="ctr">
+                      <a:solidFill>
+                        <a:schemeClr val="tx1"/>
+                      </a:solidFill>
+                      <a:prstDash val="sysDot"/>
+                      <a:round/>
+                      <a:headEnd type="none" w="med" len="med"/>
+                      <a:tailEnd type="none" w="med" len="med"/>
+                    </a:lnR>
+                    <a:lnT w="12700" cap="flat" cmpd="sng" algn="ctr">
+                      <a:solidFill>
+                        <a:schemeClr val="tx1"/>
+                      </a:solidFill>
+                      <a:prstDash val="solid"/>
+                      <a:round/>
+                      <a:headEnd type="none" w="med" len="med"/>
+                      <a:tailEnd type="none" w="med" len="med"/>
+                    </a:lnT>
+                    <a:lnB w="12700" cap="flat" cmpd="sng" algn="ctr">
+                      <a:solidFill>
+                        <a:schemeClr val="tx1"/>
+                      </a:solidFill>
+                      <a:prstDash val="solid"/>
+                      <a:round/>
+                      <a:headEnd type="none" w="med" len="med"/>
+                      <a:tailEnd type="none" w="med" len="med"/>
+                    </a:lnB>
+                    <a:noFill/>
+                  </a:tcPr>
+                </a:tc>
+                <a:tc>
+                  <a:txBody>
+                    <a:bodyPr/>
+                    <a:lstStyle/>
+                    <a:p>
+                      <a:endParaRPr kumimoji="1" lang="ja-JP" altLang="en-US" sz="1000" dirty="0">
+                        <a:solidFill>
+                          <a:schemeClr val="tx1"/>
+                        </a:solidFill>
+                      </a:endParaRPr>
+                    </a:p>
+                  </a:txBody>
+                  <a:tcPr anchor="ctr">
+                    <a:lnL w="12700" cap="flat" cmpd="sng" algn="ctr">
+                      <a:solidFill>
+                        <a:schemeClr val="tx1"/>
+                      </a:solidFill>
+                      <a:prstDash val="sysDot"/>
+                      <a:round/>
+                      <a:headEnd type="none" w="med" len="med"/>
+                      <a:tailEnd type="none" w="med" len="med"/>
+                    </a:lnL>
+                    <a:lnR w="12700" cap="flat" cmpd="sng" algn="ctr">
+                      <a:solidFill>
+                        <a:schemeClr val="tx1"/>
+                      </a:solidFill>
+                      <a:prstDash val="sysDot"/>
+                      <a:round/>
+                      <a:headEnd type="none" w="med" len="med"/>
+                      <a:tailEnd type="none" w="med" len="med"/>
+                    </a:lnR>
+                    <a:lnT w="12700" cap="flat" cmpd="sng" algn="ctr">
+                      <a:solidFill>
+                        <a:schemeClr val="tx1"/>
+                      </a:solidFill>
+                      <a:prstDash val="solid"/>
+                      <a:round/>
+                      <a:headEnd type="none" w="med" len="med"/>
+                      <a:tailEnd type="none" w="med" len="med"/>
+                    </a:lnT>
+                    <a:lnB w="12700" cap="flat" cmpd="sng" algn="ctr">
+                      <a:solidFill>
+                        <a:schemeClr val="tx1"/>
+                      </a:solidFill>
+                      <a:prstDash val="solid"/>
+                      <a:round/>
+                      <a:headEnd type="none" w="med" len="med"/>
+                      <a:tailEnd type="none" w="med" len="med"/>
+                    </a:lnB>
+                    <a:noFill/>
+                  </a:tcPr>
+                </a:tc>
+                <a:tc>
+                  <a:txBody>
+                    <a:bodyPr/>
+                    <a:lstStyle/>
+                    <a:p>
+                      <a:endParaRPr kumimoji="1" lang="ja-JP" altLang="en-US" sz="1000">
+                        <a:solidFill>
+                          <a:schemeClr val="tx1"/>
+                        </a:solidFill>
+                      </a:endParaRPr>
+                    </a:p>
+                  </a:txBody>
+                  <a:tcPr anchor="ctr">
+                    <a:lnL w="12700" cap="flat" cmpd="sng" algn="ctr">
+                      <a:solidFill>
+                        <a:schemeClr val="tx1"/>
+                      </a:solidFill>
+                      <a:prstDash val="sysDot"/>
+                      <a:round/>
+                      <a:headEnd type="none" w="med" len="med"/>
+                      <a:tailEnd type="none" w="med" len="med"/>
+                    </a:lnL>
+                    <a:lnR w="12700" cap="flat" cmpd="sng" algn="ctr">
+                      <a:solidFill>
+                        <a:schemeClr val="tx1"/>
+                      </a:solidFill>
+                      <a:prstDash val="solid"/>
+                      <a:round/>
+                      <a:headEnd type="none" w="med" len="med"/>
+                      <a:tailEnd type="none" w="med" len="med"/>
+                    </a:lnR>
+                    <a:lnT w="12700" cap="flat" cmpd="sng" algn="ctr">
+                      <a:solidFill>
+                        <a:schemeClr val="tx1"/>
+                      </a:solidFill>
+                      <a:prstDash val="solid"/>
+                      <a:round/>
+                      <a:headEnd type="none" w="med" len="med"/>
+                      <a:tailEnd type="none" w="med" len="med"/>
+                    </a:lnT>
+                    <a:lnB w="12700" cap="flat" cmpd="sng" algn="ctr">
+                      <a:solidFill>
+                        <a:schemeClr val="tx1"/>
+                      </a:solidFill>
+                      <a:prstDash val="solid"/>
+                      <a:round/>
+                      <a:headEnd type="none" w="med" len="med"/>
+                      <a:tailEnd type="none" w="med" len="med"/>
+                    </a:lnB>
+                    <a:noFill/>
+                  </a:tcPr>
+                </a:tc>
+                <a:tc>
+                  <a:txBody>
+                    <a:bodyPr/>
+                    <a:lstStyle/>
+                    <a:p>
+                      <a:endParaRPr kumimoji="1" lang="ja-JP" altLang="en-US" sz="1000" dirty="0">
+                        <a:solidFill>
+                          <a:schemeClr val="tx1"/>
+                        </a:solidFill>
+                      </a:endParaRPr>
+                    </a:p>
+                  </a:txBody>
+                  <a:tcPr anchor="ctr">
+                    <a:lnL w="12700" cap="flat" cmpd="sng" algn="ctr">
+                      <a:solidFill>
+                        <a:schemeClr val="tx1"/>
+                      </a:solidFill>
+                      <a:prstDash val="solid"/>
+                      <a:round/>
+                      <a:headEnd type="none" w="med" len="med"/>
+                      <a:tailEnd type="none" w="med" len="med"/>
+                    </a:lnL>
+                    <a:lnR w="12700" cap="flat" cmpd="sng" algn="ctr">
+                      <a:solidFill>
+                        <a:schemeClr val="tx1"/>
+                      </a:solidFill>
+                      <a:prstDash val="solid"/>
+                      <a:round/>
+                      <a:headEnd type="none" w="med" len="med"/>
+                      <a:tailEnd type="none" w="med" len="med"/>
+                    </a:lnR>
+                    <a:lnT w="12700" cap="flat" cmpd="sng" algn="ctr">
+                      <a:solidFill>
+                        <a:schemeClr val="tx1"/>
+                      </a:solidFill>
+                      <a:prstDash val="solid"/>
+                      <a:round/>
+                      <a:headEnd type="none" w="med" len="med"/>
+                      <a:tailEnd type="none" w="med" len="med"/>
+                    </a:lnT>
+                    <a:lnB w="12700" cap="flat" cmpd="sng" algn="ctr">
+                      <a:solidFill>
+                        <a:schemeClr val="tx1"/>
+                      </a:solidFill>
+                      <a:prstDash val="solid"/>
+                      <a:round/>
+                      <a:headEnd type="none" w="med" len="med"/>
+                      <a:tailEnd type="none" w="med" len="med"/>
+                    </a:lnB>
+                    <a:noFill/>
+                  </a:tcPr>
+                </a:tc>
+              </a:tr>
+              <a:tr h="370840">
+                <a:tc>
+                  <a:txBody>
+                    <a:bodyPr/>
+                    <a:lstStyle/>
+                    <a:p>
+                      <a:r>
+                        <a:rPr kumimoji="1" lang="en-US" altLang="ja-JP" sz="1000" dirty="0" smtClean="0">
+                          <a:solidFill>
+                            <a:schemeClr val="tx1"/>
+                          </a:solidFill>
+                        </a:rPr>
+                        <a:t>0002</a:t>
+                      </a:r>
+                      <a:endParaRPr kumimoji="1" lang="ja-JP" altLang="en-US" sz="1000" dirty="0">
+                        <a:solidFill>
+                          <a:schemeClr val="tx1"/>
+                        </a:solidFill>
+                      </a:endParaRPr>
+                    </a:p>
+                  </a:txBody>
+                  <a:tcPr anchor="ctr">
+                    <a:lnL w="12700" cap="flat" cmpd="sng" algn="ctr">
+                      <a:solidFill>
+                        <a:schemeClr val="tx1"/>
+                      </a:solidFill>
+                      <a:prstDash val="solid"/>
+                      <a:round/>
+                      <a:headEnd type="none" w="med" len="med"/>
+                      <a:tailEnd type="none" w="med" len="med"/>
+                    </a:lnL>
+                    <a:lnR w="12700" cap="flat" cmpd="sng" algn="ctr">
+                      <a:solidFill>
+                        <a:schemeClr val="tx1"/>
+                      </a:solidFill>
+                      <a:prstDash val="solid"/>
+                      <a:round/>
+                      <a:headEnd type="none" w="med" len="med"/>
+                      <a:tailEnd type="none" w="med" len="med"/>
+                    </a:lnR>
+                    <a:lnT w="12700" cap="flat" cmpd="sng" algn="ctr">
+                      <a:solidFill>
+                        <a:schemeClr val="tx1"/>
+                      </a:solidFill>
+                      <a:prstDash val="solid"/>
+                      <a:round/>
+                      <a:headEnd type="none" w="med" len="med"/>
+                      <a:tailEnd type="none" w="med" len="med"/>
+                    </a:lnT>
+                    <a:lnB w="12700" cap="flat" cmpd="sng" algn="ctr">
+                      <a:solidFill>
+                        <a:schemeClr val="tx1"/>
+                      </a:solidFill>
+                      <a:prstDash val="solid"/>
+                      <a:round/>
+                      <a:headEnd type="none" w="med" len="med"/>
+                      <a:tailEnd type="none" w="med" len="med"/>
+                    </a:lnB>
+                    <a:noFill/>
+                  </a:tcPr>
+                </a:tc>
+                <a:tc>
+                  <a:txBody>
+                    <a:bodyPr/>
+                    <a:lstStyle/>
+                    <a:p>
+                      <a:r>
+                        <a:rPr kumimoji="1" lang="ja-JP" altLang="en-US" sz="1000" dirty="0" smtClean="0">
+                          <a:solidFill>
+                            <a:schemeClr val="tx1"/>
+                          </a:solidFill>
+                        </a:rPr>
+                        <a:t>製造</a:t>
+                      </a:r>
+                      <a:endParaRPr kumimoji="1" lang="ja-JP" altLang="en-US" sz="1000" dirty="0">
+                        <a:solidFill>
+                          <a:schemeClr val="tx1"/>
+                        </a:solidFill>
+                      </a:endParaRPr>
+                    </a:p>
+                  </a:txBody>
+                  <a:tcPr anchor="ctr">
+                    <a:lnL w="12700" cap="flat" cmpd="sng" algn="ctr">
+                      <a:solidFill>
+                        <a:schemeClr val="tx1"/>
+                      </a:solidFill>
+                      <a:prstDash val="solid"/>
+                      <a:round/>
+                      <a:headEnd type="none" w="med" len="med"/>
+                      <a:tailEnd type="none" w="med" len="med"/>
+                    </a:lnL>
+                    <a:lnR w="12700" cap="flat" cmpd="sng" algn="ctr">
+                      <a:solidFill>
+                        <a:schemeClr val="tx1"/>
+                      </a:solidFill>
+                      <a:prstDash val="solid"/>
+                      <a:round/>
+                      <a:headEnd type="none" w="med" len="med"/>
+                      <a:tailEnd type="none" w="med" len="med"/>
+                    </a:lnR>
+                    <a:lnT w="12700" cap="flat" cmpd="sng" algn="ctr">
+                      <a:solidFill>
+                        <a:schemeClr val="tx1"/>
+                      </a:solidFill>
+                      <a:prstDash val="solid"/>
+                      <a:round/>
+                      <a:headEnd type="none" w="med" len="med"/>
+                      <a:tailEnd type="none" w="med" len="med"/>
+                    </a:lnT>
+                    <a:lnB w="12700" cap="flat" cmpd="sng" algn="ctr">
+                      <a:solidFill>
+                        <a:schemeClr val="tx1"/>
+                      </a:solidFill>
+                      <a:prstDash val="solid"/>
+                      <a:round/>
+                      <a:headEnd type="none" w="med" len="med"/>
+                      <a:tailEnd type="none" w="med" len="med"/>
+                    </a:lnB>
+                    <a:noFill/>
+                  </a:tcPr>
+                </a:tc>
+                <a:tc>
+                  <a:txBody>
+                    <a:bodyPr/>
+                    <a:lstStyle/>
+                    <a:p>
+                      <a:r>
+                        <a:rPr kumimoji="1" lang="ja-JP" altLang="en-US" sz="1000" dirty="0" smtClean="0">
+                          <a:solidFill>
+                            <a:schemeClr val="tx1"/>
+                          </a:solidFill>
+                        </a:rPr>
+                        <a:t>・作成１</a:t>
+                      </a:r>
+                      <a:endParaRPr kumimoji="1" lang="en-US" altLang="ja-JP" sz="1000" dirty="0" smtClean="0">
+                        <a:solidFill>
+                          <a:schemeClr val="tx1"/>
+                        </a:solidFill>
+                      </a:endParaRPr>
+                    </a:p>
+                    <a:p>
+                      <a:r>
+                        <a:rPr kumimoji="1" lang="ja-JP" altLang="en-US" sz="1000" dirty="0" smtClean="0">
+                          <a:solidFill>
+                            <a:schemeClr val="tx1"/>
+                          </a:solidFill>
+                        </a:rPr>
+                        <a:t>・作成２</a:t>
+                      </a:r>
+                      <a:endParaRPr kumimoji="1" lang="en-US" altLang="ja-JP" sz="1000" dirty="0" smtClean="0">
+                        <a:solidFill>
+                          <a:schemeClr val="tx1"/>
+                        </a:solidFill>
+                      </a:endParaRPr>
+                    </a:p>
+                    <a:p>
+                      <a:r>
+                        <a:rPr kumimoji="1" lang="ja-JP" altLang="en-US" sz="1000" dirty="0" smtClean="0">
+                          <a:solidFill>
+                            <a:schemeClr val="tx1"/>
+                          </a:solidFill>
+                        </a:rPr>
+                        <a:t>・作成３</a:t>
+                      </a:r>
+                      <a:endParaRPr kumimoji="1" lang="en-US" altLang="ja-JP" sz="1000" dirty="0" smtClean="0">
+                        <a:solidFill>
+                          <a:schemeClr val="tx1"/>
+                        </a:solidFill>
+                      </a:endParaRPr>
+                    </a:p>
+                  </a:txBody>
+                  <a:tcPr anchor="ctr">
+                    <a:lnL w="12700" cap="flat" cmpd="sng" algn="ctr">
+                      <a:solidFill>
+                        <a:schemeClr val="tx1"/>
+                      </a:solidFill>
+                      <a:prstDash val="solid"/>
+                      <a:round/>
+                      <a:headEnd type="none" w="med" len="med"/>
+                      <a:tailEnd type="none" w="med" len="med"/>
+                    </a:lnL>
+                    <a:lnR w="12700" cap="flat" cmpd="sng" algn="ctr">
+                      <a:solidFill>
+                        <a:schemeClr val="tx1"/>
+                      </a:solidFill>
+                      <a:prstDash val="solid"/>
+                      <a:round/>
+                      <a:headEnd type="none" w="med" len="med"/>
+                      <a:tailEnd type="none" w="med" len="med"/>
+                    </a:lnR>
+                    <a:lnT w="12700" cap="flat" cmpd="sng" algn="ctr">
+                      <a:solidFill>
+                        <a:schemeClr val="tx1"/>
+                      </a:solidFill>
+                      <a:prstDash val="solid"/>
+                      <a:round/>
+                      <a:headEnd type="none" w="med" len="med"/>
+                      <a:tailEnd type="none" w="med" len="med"/>
+                    </a:lnT>
+                    <a:lnB w="12700" cap="flat" cmpd="sng" algn="ctr">
+                      <a:solidFill>
+                        <a:schemeClr val="tx1"/>
+                      </a:solidFill>
+                      <a:prstDash val="solid"/>
+                      <a:round/>
+                      <a:headEnd type="none" w="med" len="med"/>
+                      <a:tailEnd type="none" w="med" len="med"/>
+                    </a:lnB>
+                    <a:noFill/>
+                  </a:tcPr>
+                </a:tc>
+                <a:tc>
+                  <a:txBody>
+                    <a:bodyPr/>
+                    <a:lstStyle/>
+                    <a:p>
+                      <a:endParaRPr kumimoji="1" lang="ja-JP" altLang="en-US" sz="1000" dirty="0">
+                        <a:solidFill>
+                          <a:schemeClr val="tx1"/>
+                        </a:solidFill>
+                      </a:endParaRPr>
+                    </a:p>
+                  </a:txBody>
+                  <a:tcPr anchor="ctr">
+                    <a:lnL w="12700" cap="flat" cmpd="sng" algn="ctr">
+                      <a:solidFill>
+                        <a:schemeClr val="tx1"/>
+                      </a:solidFill>
+                      <a:prstDash val="solid"/>
+                      <a:round/>
+                      <a:headEnd type="none" w="med" len="med"/>
+                      <a:tailEnd type="none" w="med" len="med"/>
+                    </a:lnL>
+                    <a:lnR w="12700" cap="flat" cmpd="sng" algn="ctr">
+                      <a:solidFill>
+                        <a:schemeClr val="tx1"/>
+                      </a:solidFill>
+                      <a:prstDash val="sysDot"/>
+                      <a:round/>
+                      <a:headEnd type="none" w="med" len="med"/>
+                      <a:tailEnd type="none" w="med" len="med"/>
+                    </a:lnR>
+                    <a:lnT w="12700" cap="flat" cmpd="sng" algn="ctr">
+                      <a:solidFill>
+                        <a:schemeClr val="tx1"/>
+                      </a:solidFill>
+                      <a:prstDash val="solid"/>
+                      <a:round/>
+                      <a:headEnd type="none" w="med" len="med"/>
+                      <a:tailEnd type="none" w="med" len="med"/>
+                    </a:lnT>
+                    <a:lnB w="12700" cap="flat" cmpd="sng" algn="ctr">
+                      <a:solidFill>
+                        <a:schemeClr val="tx1"/>
+                      </a:solidFill>
+                      <a:prstDash val="solid"/>
+                      <a:round/>
+                      <a:headEnd type="none" w="med" len="med"/>
+                      <a:tailEnd type="none" w="med" len="med"/>
+                    </a:lnB>
+                    <a:noFill/>
+                  </a:tcPr>
+                </a:tc>
+                <a:tc>
+                  <a:txBody>
+                    <a:bodyPr/>
+                    <a:lstStyle/>
+                    <a:p>
+                      <a:endParaRPr kumimoji="1" lang="ja-JP" altLang="en-US" sz="1000" dirty="0">
+                        <a:solidFill>
+                          <a:schemeClr val="tx1"/>
+                        </a:solidFill>
+                      </a:endParaRPr>
+                    </a:p>
+                  </a:txBody>
+                  <a:tcPr anchor="ctr">
+                    <a:lnL w="12700" cap="flat" cmpd="sng" algn="ctr">
+                      <a:solidFill>
+                        <a:schemeClr val="tx1"/>
+                      </a:solidFill>
+                      <a:prstDash val="sysDot"/>
+                      <a:round/>
+                      <a:headEnd type="none" w="med" len="med"/>
+                      <a:tailEnd type="none" w="med" len="med"/>
+                    </a:lnL>
+                    <a:lnR w="12700" cap="flat" cmpd="sng" algn="ctr">
+                      <a:solidFill>
+                        <a:schemeClr val="tx1"/>
+                      </a:solidFill>
+                      <a:prstDash val="sysDot"/>
+                      <a:round/>
+                      <a:headEnd type="none" w="med" len="med"/>
+                      <a:tailEnd type="none" w="med" len="med"/>
+                    </a:lnR>
+                    <a:lnT w="12700" cap="flat" cmpd="sng" algn="ctr">
+                      <a:solidFill>
+                        <a:schemeClr val="tx1"/>
+                      </a:solidFill>
+                      <a:prstDash val="solid"/>
+                      <a:round/>
+                      <a:headEnd type="none" w="med" len="med"/>
+                      <a:tailEnd type="none" w="med" len="med"/>
+                    </a:lnT>
+                    <a:lnB w="12700" cap="flat" cmpd="sng" algn="ctr">
+                      <a:solidFill>
+                        <a:schemeClr val="tx1"/>
+                      </a:solidFill>
+                      <a:prstDash val="solid"/>
+                      <a:round/>
+                      <a:headEnd type="none" w="med" len="med"/>
+                      <a:tailEnd type="none" w="med" len="med"/>
+                    </a:lnB>
+                    <a:noFill/>
+                  </a:tcPr>
+                </a:tc>
+                <a:tc>
+                  <a:txBody>
+                    <a:bodyPr/>
+                    <a:lstStyle/>
+                    <a:p>
+                      <a:endParaRPr kumimoji="1" lang="ja-JP" altLang="en-US" sz="1000" dirty="0">
+                        <a:solidFill>
+                          <a:schemeClr val="tx1"/>
+                        </a:solidFill>
+                      </a:endParaRPr>
+                    </a:p>
+                  </a:txBody>
+                  <a:tcPr anchor="ctr">
+                    <a:lnL w="12700" cap="flat" cmpd="sng" algn="ctr">
+                      <a:solidFill>
+                        <a:schemeClr val="tx1"/>
+                      </a:solidFill>
+                      <a:prstDash val="sysDot"/>
+                      <a:round/>
+                      <a:headEnd type="none" w="med" len="med"/>
+                      <a:tailEnd type="none" w="med" len="med"/>
+                    </a:lnL>
+                    <a:lnR w="12700" cap="flat" cmpd="sng" algn="ctr">
+                      <a:solidFill>
+                        <a:schemeClr val="tx1"/>
+                      </a:solidFill>
+                      <a:prstDash val="sysDot"/>
+                      <a:round/>
+                      <a:headEnd type="none" w="med" len="med"/>
+                      <a:tailEnd type="none" w="med" len="med"/>
+                    </a:lnR>
+                    <a:lnT w="12700" cap="flat" cmpd="sng" algn="ctr">
+                      <a:solidFill>
+                        <a:schemeClr val="tx1"/>
+                      </a:solidFill>
+                      <a:prstDash val="solid"/>
+                      <a:round/>
+                      <a:headEnd type="none" w="med" len="med"/>
+                      <a:tailEnd type="none" w="med" len="med"/>
+                    </a:lnT>
+                    <a:lnB w="12700" cap="flat" cmpd="sng" algn="ctr">
+                      <a:solidFill>
+                        <a:schemeClr val="tx1"/>
+                      </a:solidFill>
+                      <a:prstDash val="solid"/>
+                      <a:round/>
+                      <a:headEnd type="none" w="med" len="med"/>
+                      <a:tailEnd type="none" w="med" len="med"/>
+                    </a:lnB>
+                    <a:noFill/>
+                  </a:tcPr>
+                </a:tc>
+                <a:tc>
+                  <a:txBody>
+                    <a:bodyPr/>
+                    <a:lstStyle/>
+                    <a:p>
+                      <a:endParaRPr kumimoji="1" lang="ja-JP" altLang="en-US" sz="1000" dirty="0">
+                        <a:solidFill>
+                          <a:schemeClr val="tx1"/>
+                        </a:solidFill>
+                      </a:endParaRPr>
+                    </a:p>
+                  </a:txBody>
+                  <a:tcPr anchor="ctr">
+                    <a:lnL w="12700" cap="flat" cmpd="sng" algn="ctr">
+                      <a:solidFill>
+                        <a:schemeClr val="tx1"/>
+                      </a:solidFill>
+                      <a:prstDash val="sysDot"/>
+                      <a:round/>
+                      <a:headEnd type="none" w="med" len="med"/>
+                      <a:tailEnd type="none" w="med" len="med"/>
+                    </a:lnL>
+                    <a:lnR w="12700" cap="flat" cmpd="sng" algn="ctr">
+                      <a:solidFill>
+                        <a:schemeClr val="tx1"/>
+                      </a:solidFill>
+                      <a:prstDash val="sysDot"/>
+                      <a:round/>
+                      <a:headEnd type="none" w="med" len="med"/>
+                      <a:tailEnd type="none" w="med" len="med"/>
+                    </a:lnR>
+                    <a:lnT w="12700" cap="flat" cmpd="sng" algn="ctr">
+                      <a:solidFill>
+                        <a:schemeClr val="tx1"/>
+                      </a:solidFill>
+                      <a:prstDash val="solid"/>
+                      <a:round/>
+                      <a:headEnd type="none" w="med" len="med"/>
+                      <a:tailEnd type="none" w="med" len="med"/>
+                    </a:lnT>
+                    <a:lnB w="12700" cap="flat" cmpd="sng" algn="ctr">
+                      <a:solidFill>
+                        <a:schemeClr val="tx1"/>
+                      </a:solidFill>
+                      <a:prstDash val="solid"/>
+                      <a:round/>
+                      <a:headEnd type="none" w="med" len="med"/>
+                      <a:tailEnd type="none" w="med" len="med"/>
+                    </a:lnB>
+                    <a:noFill/>
+                  </a:tcPr>
+                </a:tc>
+                <a:tc>
+                  <a:txBody>
+                    <a:bodyPr/>
+                    <a:lstStyle/>
+                    <a:p>
+                      <a:endParaRPr kumimoji="1" lang="ja-JP" altLang="en-US" sz="1000" dirty="0">
+                        <a:solidFill>
+                          <a:schemeClr val="tx1"/>
+                        </a:solidFill>
+                      </a:endParaRPr>
+                    </a:p>
+                  </a:txBody>
+                  <a:tcPr anchor="ctr">
+                    <a:lnL w="12700" cap="flat" cmpd="sng" algn="ctr">
+                      <a:solidFill>
+                        <a:schemeClr val="tx1"/>
+                      </a:solidFill>
+                      <a:prstDash val="sysDot"/>
+                      <a:round/>
+                      <a:headEnd type="none" w="med" len="med"/>
+                      <a:tailEnd type="none" w="med" len="med"/>
+                    </a:lnL>
+                    <a:lnR w="12700" cap="flat" cmpd="sng" algn="ctr">
+                      <a:solidFill>
+                        <a:schemeClr val="tx1"/>
+                      </a:solidFill>
+                      <a:prstDash val="sysDot"/>
+                      <a:round/>
+                      <a:headEnd type="none" w="med" len="med"/>
+                      <a:tailEnd type="none" w="med" len="med"/>
+                    </a:lnR>
+                    <a:lnT w="12700" cap="flat" cmpd="sng" algn="ctr">
+                      <a:solidFill>
+                        <a:schemeClr val="tx1"/>
+                      </a:solidFill>
+                      <a:prstDash val="solid"/>
+                      <a:round/>
+                      <a:headEnd type="none" w="med" len="med"/>
+                      <a:tailEnd type="none" w="med" len="med"/>
+                    </a:lnT>
+                    <a:lnB w="12700" cap="flat" cmpd="sng" algn="ctr">
+                      <a:solidFill>
+                        <a:schemeClr val="tx1"/>
+                      </a:solidFill>
+                      <a:prstDash val="solid"/>
+                      <a:round/>
+                      <a:headEnd type="none" w="med" len="med"/>
+                      <a:tailEnd type="none" w="med" len="med"/>
+                    </a:lnB>
+                    <a:noFill/>
+                  </a:tcPr>
+                </a:tc>
+                <a:tc>
+                  <a:txBody>
+                    <a:bodyPr/>
+                    <a:lstStyle/>
+                    <a:p>
+                      <a:endParaRPr kumimoji="1" lang="ja-JP" altLang="en-US" sz="1000" dirty="0">
+                        <a:solidFill>
+                          <a:schemeClr val="tx1"/>
+                        </a:solidFill>
+                      </a:endParaRPr>
+                    </a:p>
+                  </a:txBody>
+                  <a:tcPr anchor="ctr">
+                    <a:lnL w="12700" cap="flat" cmpd="sng" algn="ctr">
+                      <a:solidFill>
+                        <a:schemeClr val="tx1"/>
+                      </a:solidFill>
+                      <a:prstDash val="sysDot"/>
+                      <a:round/>
+                      <a:headEnd type="none" w="med" len="med"/>
+                      <a:tailEnd type="none" w="med" len="med"/>
+                    </a:lnL>
+                    <a:lnR w="12700" cap="flat" cmpd="sng" algn="ctr">
+                      <a:solidFill>
+                        <a:schemeClr val="tx1"/>
+                      </a:solidFill>
+                      <a:prstDash val="solid"/>
+                      <a:round/>
+                      <a:headEnd type="none" w="med" len="med"/>
+                      <a:tailEnd type="none" w="med" len="med"/>
+                    </a:lnR>
+                    <a:lnT w="12700" cap="flat" cmpd="sng" algn="ctr">
+                      <a:solidFill>
+                        <a:schemeClr val="tx1"/>
+                      </a:solidFill>
+                      <a:prstDash val="solid"/>
+                      <a:round/>
+                      <a:headEnd type="none" w="med" len="med"/>
+                      <a:tailEnd type="none" w="med" len="med"/>
+                    </a:lnT>
+                    <a:lnB w="12700" cap="flat" cmpd="sng" algn="ctr">
+                      <a:solidFill>
+                        <a:schemeClr val="tx1"/>
+                      </a:solidFill>
+                      <a:prstDash val="solid"/>
+                      <a:round/>
+                      <a:headEnd type="none" w="med" len="med"/>
+                      <a:tailEnd type="none" w="med" len="med"/>
+                    </a:lnB>
+                    <a:noFill/>
+                  </a:tcPr>
+                </a:tc>
+                <a:tc>
+                  <a:txBody>
+                    <a:bodyPr/>
+                    <a:lstStyle/>
+                    <a:p>
+                      <a:endParaRPr kumimoji="1" lang="ja-JP" altLang="en-US" sz="1000" dirty="0">
+                        <a:solidFill>
+                          <a:schemeClr val="tx1"/>
+                        </a:solidFill>
+                      </a:endParaRPr>
+                    </a:p>
+                  </a:txBody>
+                  <a:tcPr anchor="ctr">
+                    <a:lnL w="12700" cap="flat" cmpd="sng" algn="ctr">
+                      <a:solidFill>
+                        <a:schemeClr val="tx1"/>
+                      </a:solidFill>
+                      <a:prstDash val="solid"/>
+                      <a:round/>
+                      <a:headEnd type="none" w="med" len="med"/>
+                      <a:tailEnd type="none" w="med" len="med"/>
+                    </a:lnL>
+                    <a:lnR w="12700" cap="flat" cmpd="sng" algn="ctr">
+                      <a:solidFill>
+                        <a:schemeClr val="tx1"/>
+                      </a:solidFill>
+                      <a:prstDash val="solid"/>
+                      <a:round/>
+                      <a:headEnd type="none" w="med" len="med"/>
+                      <a:tailEnd type="none" w="med" len="med"/>
+                    </a:lnR>
+                    <a:lnT w="12700" cap="flat" cmpd="sng" algn="ctr">
+                      <a:solidFill>
+                        <a:schemeClr val="tx1"/>
+                      </a:solidFill>
+                      <a:prstDash val="solid"/>
+                      <a:round/>
+                      <a:headEnd type="none" w="med" len="med"/>
+                      <a:tailEnd type="none" w="med" len="med"/>
+                    </a:lnT>
+                    <a:lnB w="12700" cap="flat" cmpd="sng" algn="ctr">
+                      <a:solidFill>
+                        <a:schemeClr val="tx1"/>
+                      </a:solidFill>
+                      <a:prstDash val="solid"/>
+                      <a:round/>
+                      <a:headEnd type="none" w="med" len="med"/>
+                      <a:tailEnd type="none" w="med" len="med"/>
+                    </a:lnB>
+                    <a:noFill/>
+                  </a:tcPr>
+                </a:tc>
+              </a:tr>
+              <a:tr h="370840">
+                <a:tc>
+                  <a:txBody>
+                    <a:bodyPr/>
+                    <a:lstStyle/>
+                    <a:p>
+                      <a:r>
+                        <a:rPr kumimoji="1" lang="en-US" altLang="ja-JP" sz="1000" dirty="0" smtClean="0">
+                          <a:solidFill>
+                            <a:schemeClr val="tx1"/>
+                          </a:solidFill>
+                        </a:rPr>
+                        <a:t>0003</a:t>
+                      </a:r>
+                      <a:endParaRPr kumimoji="1" lang="ja-JP" altLang="en-US" sz="1000" dirty="0">
+                        <a:solidFill>
+                          <a:schemeClr val="tx1"/>
+                        </a:solidFill>
+                      </a:endParaRPr>
+                    </a:p>
+                  </a:txBody>
+                  <a:tcPr anchor="ctr">
+                    <a:lnL w="12700" cap="flat" cmpd="sng" algn="ctr">
+                      <a:solidFill>
+                        <a:schemeClr val="tx1"/>
+                      </a:solidFill>
+                      <a:prstDash val="solid"/>
+                      <a:round/>
+                      <a:headEnd type="none" w="med" len="med"/>
+                      <a:tailEnd type="none" w="med" len="med"/>
+                    </a:lnL>
+                    <a:lnR w="12700" cap="flat" cmpd="sng" algn="ctr">
+                      <a:solidFill>
+                        <a:schemeClr val="tx1"/>
+                      </a:solidFill>
+                      <a:prstDash val="solid"/>
+                      <a:round/>
+                      <a:headEnd type="none" w="med" len="med"/>
+                      <a:tailEnd type="none" w="med" len="med"/>
+                    </a:lnR>
+                    <a:lnT w="12700" cap="flat" cmpd="sng" algn="ctr">
+                      <a:solidFill>
+                        <a:schemeClr val="tx1"/>
+                      </a:solidFill>
+                      <a:prstDash val="solid"/>
+                      <a:round/>
+                      <a:headEnd type="none" w="med" len="med"/>
+                      <a:tailEnd type="none" w="med" len="med"/>
+                    </a:lnT>
+                    <a:lnB w="12700" cap="flat" cmpd="sng" algn="ctr">
+                      <a:solidFill>
+                        <a:schemeClr val="tx1"/>
+                      </a:solidFill>
+                      <a:prstDash val="solid"/>
+                      <a:round/>
+                      <a:headEnd type="none" w="med" len="med"/>
+                      <a:tailEnd type="none" w="med" len="med"/>
+                    </a:lnB>
+                    <a:noFill/>
+                  </a:tcPr>
+                </a:tc>
+                <a:tc>
+                  <a:txBody>
+                    <a:bodyPr/>
+                    <a:lstStyle/>
+                    <a:p>
+                      <a:r>
+                        <a:rPr kumimoji="1" lang="ja-JP" altLang="en-US" sz="1000" dirty="0" smtClean="0">
+                          <a:solidFill>
+                            <a:schemeClr val="tx1"/>
+                          </a:solidFill>
+                        </a:rPr>
+                        <a:t>現地試験</a:t>
+                      </a:r>
+                      <a:endParaRPr kumimoji="1" lang="ja-JP" altLang="en-US" sz="1000" dirty="0">
+                        <a:solidFill>
+                          <a:schemeClr val="tx1"/>
+                        </a:solidFill>
+                      </a:endParaRPr>
+                    </a:p>
+                  </a:txBody>
+                  <a:tcPr anchor="ctr">
+                    <a:lnL w="12700" cap="flat" cmpd="sng" algn="ctr">
+                      <a:solidFill>
+                        <a:schemeClr val="tx1"/>
+                      </a:solidFill>
+                      <a:prstDash val="solid"/>
+                      <a:round/>
+                      <a:headEnd type="none" w="med" len="med"/>
+                      <a:tailEnd type="none" w="med" len="med"/>
+                    </a:lnL>
+                    <a:lnR w="12700" cap="flat" cmpd="sng" algn="ctr">
+                      <a:solidFill>
+                        <a:schemeClr val="tx1"/>
+                      </a:solidFill>
+                      <a:prstDash val="solid"/>
+                      <a:round/>
+                      <a:headEnd type="none" w="med" len="med"/>
+                      <a:tailEnd type="none" w="med" len="med"/>
+                    </a:lnR>
+                    <a:lnT w="12700" cap="flat" cmpd="sng" algn="ctr">
+                      <a:solidFill>
+                        <a:schemeClr val="tx1"/>
+                      </a:solidFill>
+                      <a:prstDash val="solid"/>
+                      <a:round/>
+                      <a:headEnd type="none" w="med" len="med"/>
+                      <a:tailEnd type="none" w="med" len="med"/>
+                    </a:lnT>
+                    <a:lnB w="12700" cap="flat" cmpd="sng" algn="ctr">
+                      <a:solidFill>
+                        <a:schemeClr val="tx1"/>
+                      </a:solidFill>
+                      <a:prstDash val="solid"/>
+                      <a:round/>
+                      <a:headEnd type="none" w="med" len="med"/>
+                      <a:tailEnd type="none" w="med" len="med"/>
+                    </a:lnB>
+                    <a:noFill/>
+                  </a:tcPr>
+                </a:tc>
+                <a:tc>
+                  <a:txBody>
+                    <a:bodyPr/>
+                    <a:lstStyle/>
+                    <a:p>
+                      <a:r>
+                        <a:rPr kumimoji="1" lang="ja-JP" altLang="en-US" sz="1000" dirty="0" smtClean="0">
+                          <a:solidFill>
+                            <a:schemeClr val="tx1"/>
+                          </a:solidFill>
+                        </a:rPr>
+                        <a:t>・試験１</a:t>
+                      </a:r>
+                      <a:endParaRPr kumimoji="1" lang="en-US" altLang="ja-JP" sz="1000" dirty="0" smtClean="0">
+                        <a:solidFill>
+                          <a:schemeClr val="tx1"/>
+                        </a:solidFill>
+                      </a:endParaRPr>
+                    </a:p>
+                  </a:txBody>
+                  <a:tcPr anchor="ctr">
+                    <a:lnL w="12700" cap="flat" cmpd="sng" algn="ctr">
+                      <a:solidFill>
+                        <a:schemeClr val="tx1"/>
+                      </a:solidFill>
+                      <a:prstDash val="solid"/>
+                      <a:round/>
+                      <a:headEnd type="none" w="med" len="med"/>
+                      <a:tailEnd type="none" w="med" len="med"/>
+                    </a:lnL>
+                    <a:lnR w="12700" cap="flat" cmpd="sng" algn="ctr">
+                      <a:solidFill>
+                        <a:schemeClr val="tx1"/>
+                      </a:solidFill>
+                      <a:prstDash val="solid"/>
+                      <a:round/>
+                      <a:headEnd type="none" w="med" len="med"/>
+                      <a:tailEnd type="none" w="med" len="med"/>
+                    </a:lnR>
+                    <a:lnT w="12700" cap="flat" cmpd="sng" algn="ctr">
+                      <a:solidFill>
+                        <a:schemeClr val="tx1"/>
+                      </a:solidFill>
+                      <a:prstDash val="solid"/>
+                      <a:round/>
+                      <a:headEnd type="none" w="med" len="med"/>
+                      <a:tailEnd type="none" w="med" len="med"/>
+                    </a:lnT>
+                    <a:lnB w="12700" cap="flat" cmpd="sng" algn="ctr">
+                      <a:solidFill>
+                        <a:schemeClr val="tx1"/>
+                      </a:solidFill>
+                      <a:prstDash val="solid"/>
+                      <a:round/>
+                      <a:headEnd type="none" w="med" len="med"/>
+                      <a:tailEnd type="none" w="med" len="med"/>
+                    </a:lnB>
+                    <a:noFill/>
+                  </a:tcPr>
+                </a:tc>
+                <a:tc>
+                  <a:txBody>
+                    <a:bodyPr/>
+                    <a:lstStyle/>
+                    <a:p>
+                      <a:endParaRPr kumimoji="1" lang="ja-JP" altLang="en-US" sz="1000">
+                        <a:solidFill>
+                          <a:schemeClr val="tx1"/>
+                        </a:solidFill>
+                      </a:endParaRPr>
+                    </a:p>
+                  </a:txBody>
+                  <a:tcPr anchor="ctr">
+                    <a:lnL w="12700" cap="flat" cmpd="sng" algn="ctr">
+                      <a:solidFill>
+                        <a:schemeClr val="tx1"/>
+                      </a:solidFill>
+                      <a:prstDash val="solid"/>
+                      <a:round/>
+                      <a:headEnd type="none" w="med" len="med"/>
+                      <a:tailEnd type="none" w="med" len="med"/>
+                    </a:lnL>
+                    <a:lnR w="12700" cap="flat" cmpd="sng" algn="ctr">
+                      <a:solidFill>
+                        <a:schemeClr val="tx1"/>
+                      </a:solidFill>
+                      <a:prstDash val="sysDot"/>
+                      <a:round/>
+                      <a:headEnd type="none" w="med" len="med"/>
+                      <a:tailEnd type="none" w="med" len="med"/>
+                    </a:lnR>
+                    <a:lnT w="12700" cap="flat" cmpd="sng" algn="ctr">
+                      <a:solidFill>
+                        <a:schemeClr val="tx1"/>
+                      </a:solidFill>
+                      <a:prstDash val="solid"/>
+                      <a:round/>
+                      <a:headEnd type="none" w="med" len="med"/>
+                      <a:tailEnd type="none" w="med" len="med"/>
+                    </a:lnT>
+                    <a:lnB w="12700" cap="flat" cmpd="sng" algn="ctr">
+                      <a:solidFill>
+                        <a:schemeClr val="tx1"/>
+                      </a:solidFill>
+                      <a:prstDash val="solid"/>
+                      <a:round/>
+                      <a:headEnd type="none" w="med" len="med"/>
+                      <a:tailEnd type="none" w="med" len="med"/>
+                    </a:lnB>
+                    <a:noFill/>
+                  </a:tcPr>
+                </a:tc>
+                <a:tc>
+                  <a:txBody>
+                    <a:bodyPr/>
+                    <a:lstStyle/>
+                    <a:p>
+                      <a:endParaRPr kumimoji="1" lang="ja-JP" altLang="en-US" sz="1000" dirty="0">
+                        <a:solidFill>
+                          <a:schemeClr val="tx1"/>
+                        </a:solidFill>
+                      </a:endParaRPr>
+                    </a:p>
+                  </a:txBody>
+                  <a:tcPr anchor="ctr">
+                    <a:lnL w="12700" cap="flat" cmpd="sng" algn="ctr">
+                      <a:solidFill>
+                        <a:schemeClr val="tx1"/>
+                      </a:solidFill>
+                      <a:prstDash val="sysDot"/>
+                      <a:round/>
+                      <a:headEnd type="none" w="med" len="med"/>
+                      <a:tailEnd type="none" w="med" len="med"/>
+                    </a:lnL>
+                    <a:lnR w="12700" cap="flat" cmpd="sng" algn="ctr">
+                      <a:solidFill>
+                        <a:schemeClr val="tx1"/>
+                      </a:solidFill>
+                      <a:prstDash val="sysDot"/>
+                      <a:round/>
+                      <a:headEnd type="none" w="med" len="med"/>
+                      <a:tailEnd type="none" w="med" len="med"/>
+                    </a:lnR>
+                    <a:lnT w="12700" cap="flat" cmpd="sng" algn="ctr">
+                      <a:solidFill>
+                        <a:schemeClr val="tx1"/>
+                      </a:solidFill>
+                      <a:prstDash val="solid"/>
+                      <a:round/>
+                      <a:headEnd type="none" w="med" len="med"/>
+                      <a:tailEnd type="none" w="med" len="med"/>
+                    </a:lnT>
+                    <a:lnB w="12700" cap="flat" cmpd="sng" algn="ctr">
+                      <a:solidFill>
+                        <a:schemeClr val="tx1"/>
+                      </a:solidFill>
+                      <a:prstDash val="solid"/>
+                      <a:round/>
+                      <a:headEnd type="none" w="med" len="med"/>
+                      <a:tailEnd type="none" w="med" len="med"/>
+                    </a:lnB>
+                    <a:noFill/>
+                  </a:tcPr>
+                </a:tc>
+                <a:tc>
+                  <a:txBody>
+                    <a:bodyPr/>
+                    <a:lstStyle/>
+                    <a:p>
+                      <a:endParaRPr kumimoji="1" lang="ja-JP" altLang="en-US" sz="1000" dirty="0">
+                        <a:solidFill>
+                          <a:schemeClr val="tx1"/>
+                        </a:solidFill>
+                      </a:endParaRPr>
+                    </a:p>
+                  </a:txBody>
+                  <a:tcPr anchor="ctr">
+                    <a:lnL w="12700" cap="flat" cmpd="sng" algn="ctr">
+                      <a:solidFill>
+                        <a:schemeClr val="tx1"/>
+                      </a:solidFill>
+                      <a:prstDash val="sysDot"/>
+                      <a:round/>
+                      <a:headEnd type="none" w="med" len="med"/>
+                      <a:tailEnd type="none" w="med" len="med"/>
+                    </a:lnL>
+                    <a:lnR w="12700" cap="flat" cmpd="sng" algn="ctr">
+                      <a:solidFill>
+                        <a:schemeClr val="tx1"/>
+                      </a:solidFill>
+                      <a:prstDash val="sysDot"/>
+                      <a:round/>
+                      <a:headEnd type="none" w="med" len="med"/>
+                      <a:tailEnd type="none" w="med" len="med"/>
+                    </a:lnR>
+                    <a:lnT w="12700" cap="flat" cmpd="sng" algn="ctr">
+                      <a:solidFill>
+                        <a:schemeClr val="tx1"/>
+                      </a:solidFill>
+                      <a:prstDash val="solid"/>
+                      <a:round/>
+                      <a:headEnd type="none" w="med" len="med"/>
+                      <a:tailEnd type="none" w="med" len="med"/>
+                    </a:lnT>
+                    <a:lnB w="12700" cap="flat" cmpd="sng" algn="ctr">
+                      <a:solidFill>
+                        <a:schemeClr val="tx1"/>
+                      </a:solidFill>
+                      <a:prstDash val="solid"/>
+                      <a:round/>
+                      <a:headEnd type="none" w="med" len="med"/>
+                      <a:tailEnd type="none" w="med" len="med"/>
+                    </a:lnB>
+                    <a:noFill/>
+                  </a:tcPr>
+                </a:tc>
+                <a:tc>
+                  <a:txBody>
+                    <a:bodyPr/>
+                    <a:lstStyle/>
+                    <a:p>
+                      <a:endParaRPr kumimoji="1" lang="ja-JP" altLang="en-US" sz="1000" dirty="0">
+                        <a:solidFill>
+                          <a:schemeClr val="tx1"/>
+                        </a:solidFill>
+                      </a:endParaRPr>
+                    </a:p>
+                  </a:txBody>
+                  <a:tcPr anchor="ctr">
+                    <a:lnL w="12700" cap="flat" cmpd="sng" algn="ctr">
+                      <a:solidFill>
+                        <a:schemeClr val="tx1"/>
+                      </a:solidFill>
+                      <a:prstDash val="sysDot"/>
+                      <a:round/>
+                      <a:headEnd type="none" w="med" len="med"/>
+                      <a:tailEnd type="none" w="med" len="med"/>
+                    </a:lnL>
+                    <a:lnR w="12700" cap="flat" cmpd="sng" algn="ctr">
+                      <a:solidFill>
+                        <a:schemeClr val="tx1"/>
+                      </a:solidFill>
+                      <a:prstDash val="sysDot"/>
+                      <a:round/>
+                      <a:headEnd type="none" w="med" len="med"/>
+                      <a:tailEnd type="none" w="med" len="med"/>
+                    </a:lnR>
+                    <a:lnT w="12700" cap="flat" cmpd="sng" algn="ctr">
+                      <a:solidFill>
+                        <a:schemeClr val="tx1"/>
+                      </a:solidFill>
+                      <a:prstDash val="solid"/>
+                      <a:round/>
+                      <a:headEnd type="none" w="med" len="med"/>
+                      <a:tailEnd type="none" w="med" len="med"/>
+                    </a:lnT>
+                    <a:lnB w="12700" cap="flat" cmpd="sng" algn="ctr">
+                      <a:solidFill>
+                        <a:schemeClr val="tx1"/>
+                      </a:solidFill>
+                      <a:prstDash val="solid"/>
+                      <a:round/>
+                      <a:headEnd type="none" w="med" len="med"/>
+                      <a:tailEnd type="none" w="med" len="med"/>
+                    </a:lnB>
+                    <a:noFill/>
+                  </a:tcPr>
+                </a:tc>
+                <a:tc>
+                  <a:txBody>
+                    <a:bodyPr/>
+                    <a:lstStyle/>
+                    <a:p>
+                      <a:endParaRPr kumimoji="1" lang="ja-JP" altLang="en-US" sz="1000" dirty="0">
+                        <a:solidFill>
+                          <a:schemeClr val="tx1"/>
+                        </a:solidFill>
+                      </a:endParaRPr>
+                    </a:p>
+                  </a:txBody>
+                  <a:tcPr anchor="ctr">
+                    <a:lnL w="12700" cap="flat" cmpd="sng" algn="ctr">
+                      <a:solidFill>
+                        <a:schemeClr val="tx1"/>
+                      </a:solidFill>
+                      <a:prstDash val="sysDot"/>
+                      <a:round/>
+                      <a:headEnd type="none" w="med" len="med"/>
+                      <a:tailEnd type="none" w="med" len="med"/>
+                    </a:lnL>
+                    <a:lnR w="12700" cap="flat" cmpd="sng" algn="ctr">
+                      <a:solidFill>
+                        <a:schemeClr val="tx1"/>
+                      </a:solidFill>
+                      <a:prstDash val="sysDot"/>
+                      <a:round/>
+                      <a:headEnd type="none" w="med" len="med"/>
+                      <a:tailEnd type="none" w="med" len="med"/>
+                    </a:lnR>
+                    <a:lnT w="12700" cap="flat" cmpd="sng" algn="ctr">
+                      <a:solidFill>
+                        <a:schemeClr val="tx1"/>
+                      </a:solidFill>
+                      <a:prstDash val="solid"/>
+                      <a:round/>
+                      <a:headEnd type="none" w="med" len="med"/>
+                      <a:tailEnd type="none" w="med" len="med"/>
+                    </a:lnT>
+                    <a:lnB w="12700" cap="flat" cmpd="sng" algn="ctr">
+                      <a:solidFill>
+                        <a:schemeClr val="tx1"/>
+                      </a:solidFill>
+                      <a:prstDash val="solid"/>
+                      <a:round/>
+                      <a:headEnd type="none" w="med" len="med"/>
+                      <a:tailEnd type="none" w="med" len="med"/>
+                    </a:lnB>
+                    <a:noFill/>
+                  </a:tcPr>
+                </a:tc>
+                <a:tc>
+                  <a:txBody>
+                    <a:bodyPr/>
+                    <a:lstStyle/>
+                    <a:p>
+                      <a:endParaRPr kumimoji="1" lang="ja-JP" altLang="en-US" sz="1000" dirty="0">
+                        <a:solidFill>
+                          <a:schemeClr val="tx1"/>
+                        </a:solidFill>
+                      </a:endParaRPr>
+                    </a:p>
+                  </a:txBody>
+                  <a:tcPr anchor="ctr">
+                    <a:lnL w="12700" cap="flat" cmpd="sng" algn="ctr">
+                      <a:solidFill>
+                        <a:schemeClr val="tx1"/>
+                      </a:solidFill>
+                      <a:prstDash val="sysDot"/>
+                      <a:round/>
+                      <a:headEnd type="none" w="med" len="med"/>
+                      <a:tailEnd type="none" w="med" len="med"/>
+                    </a:lnL>
+                    <a:lnR w="12700" cap="flat" cmpd="sng" algn="ctr">
+                      <a:solidFill>
+                        <a:schemeClr val="tx1"/>
+                      </a:solidFill>
+                      <a:prstDash val="solid"/>
+                      <a:round/>
+                      <a:headEnd type="none" w="med" len="med"/>
+                      <a:tailEnd type="none" w="med" len="med"/>
+                    </a:lnR>
+                    <a:lnT w="12700" cap="flat" cmpd="sng" algn="ctr">
+                      <a:solidFill>
+                        <a:schemeClr val="tx1"/>
+                      </a:solidFill>
+                      <a:prstDash val="solid"/>
+                      <a:round/>
+                      <a:headEnd type="none" w="med" len="med"/>
+                      <a:tailEnd type="none" w="med" len="med"/>
+                    </a:lnT>
+                    <a:lnB w="12700" cap="flat" cmpd="sng" algn="ctr">
+                      <a:solidFill>
+                        <a:schemeClr val="tx1"/>
+                      </a:solidFill>
+                      <a:prstDash val="solid"/>
+                      <a:round/>
+                      <a:headEnd type="none" w="med" len="med"/>
+                      <a:tailEnd type="none" w="med" len="med"/>
+                    </a:lnB>
+                    <a:noFill/>
+                  </a:tcPr>
+                </a:tc>
+                <a:tc>
+                  <a:txBody>
+                    <a:bodyPr/>
+                    <a:lstStyle/>
+                    <a:p>
+                      <a:endParaRPr kumimoji="1" lang="ja-JP" altLang="en-US" sz="1000" dirty="0">
+                        <a:solidFill>
+                          <a:schemeClr val="tx1"/>
+                        </a:solidFill>
+                      </a:endParaRPr>
+                    </a:p>
+                  </a:txBody>
+                  <a:tcPr anchor="ctr">
+                    <a:lnL w="12700" cap="flat" cmpd="sng" algn="ctr">
+                      <a:solidFill>
+                        <a:schemeClr val="tx1"/>
+                      </a:solidFill>
+                      <a:prstDash val="solid"/>
+                      <a:round/>
+                      <a:headEnd type="none" w="med" len="med"/>
+                      <a:tailEnd type="none" w="med" len="med"/>
+                    </a:lnL>
+                    <a:lnR w="12700" cap="flat" cmpd="sng" algn="ctr">
+                      <a:solidFill>
+                        <a:schemeClr val="tx1"/>
+                      </a:solidFill>
+                      <a:prstDash val="solid"/>
+                      <a:round/>
+                      <a:headEnd type="none" w="med" len="med"/>
+                      <a:tailEnd type="none" w="med" len="med"/>
+                    </a:lnR>
+                    <a:lnT w="12700" cap="flat" cmpd="sng" algn="ctr">
+                      <a:solidFill>
+                        <a:schemeClr val="tx1"/>
+                      </a:solidFill>
+                      <a:prstDash val="solid"/>
+                      <a:round/>
+                      <a:headEnd type="none" w="med" len="med"/>
+                      <a:tailEnd type="none" w="med" len="med"/>
+                    </a:lnT>
+                    <a:lnB w="12700" cap="flat" cmpd="sng" algn="ctr">
+                      <a:solidFill>
+                        <a:schemeClr val="tx1"/>
+                      </a:solidFill>
+                      <a:prstDash val="solid"/>
+                      <a:round/>
+                      <a:headEnd type="none" w="med" len="med"/>
+                      <a:tailEnd type="none" w="med" len="med"/>
+                    </a:lnB>
+                    <a:noFill/>
+                  </a:tcPr>
+                </a:tc>
+              </a:tr>
+              <a:tr h="370840">
+                <a:tc>
+                  <a:txBody>
+                    <a:bodyPr/>
+                    <a:lstStyle/>
+                    <a:p>
+                      <a:r>
+                        <a:rPr kumimoji="1" lang="en-US" altLang="ja-JP" sz="1000" dirty="0" smtClean="0">
+                          <a:solidFill>
+                            <a:schemeClr val="tx1"/>
+                          </a:solidFill>
+                        </a:rPr>
+                        <a:t>0004</a:t>
+                      </a:r>
+                      <a:endParaRPr kumimoji="1" lang="ja-JP" altLang="en-US" sz="1000" dirty="0">
+                        <a:solidFill>
+                          <a:schemeClr val="tx1"/>
+                        </a:solidFill>
+                      </a:endParaRPr>
+                    </a:p>
+                  </a:txBody>
+                  <a:tcPr anchor="ctr">
+                    <a:lnL w="12700" cap="flat" cmpd="sng" algn="ctr">
+                      <a:solidFill>
+                        <a:schemeClr val="tx1"/>
+                      </a:solidFill>
+                      <a:prstDash val="solid"/>
+                      <a:round/>
+                      <a:headEnd type="none" w="med" len="med"/>
+                      <a:tailEnd type="none" w="med" len="med"/>
+                    </a:lnL>
+                    <a:lnR w="12700" cap="flat" cmpd="sng" algn="ctr">
+                      <a:solidFill>
+                        <a:schemeClr val="tx1"/>
+                      </a:solidFill>
+                      <a:prstDash val="solid"/>
+                      <a:round/>
+                      <a:headEnd type="none" w="med" len="med"/>
+                      <a:tailEnd type="none" w="med" len="med"/>
+                    </a:lnR>
+                    <a:lnT w="12700" cap="flat" cmpd="sng" algn="ctr">
+                      <a:solidFill>
+                        <a:schemeClr val="tx1"/>
+                      </a:solidFill>
+                      <a:prstDash val="solid"/>
+                      <a:round/>
+                      <a:headEnd type="none" w="med" len="med"/>
+                      <a:tailEnd type="none" w="med" len="med"/>
+                    </a:lnT>
+                    <a:lnB w="12700" cap="flat" cmpd="sng" algn="ctr">
+                      <a:solidFill>
+                        <a:schemeClr val="tx1"/>
+                      </a:solidFill>
+                      <a:prstDash val="solid"/>
+                      <a:round/>
+                      <a:headEnd type="none" w="med" len="med"/>
+                      <a:tailEnd type="none" w="med" len="med"/>
+                    </a:lnB>
+                    <a:noFill/>
+                  </a:tcPr>
+                </a:tc>
+                <a:tc>
+                  <a:txBody>
+                    <a:bodyPr/>
+                    <a:lstStyle/>
+                    <a:p>
+                      <a:r>
+                        <a:rPr kumimoji="1" lang="ja-JP" altLang="en-US" sz="1000" dirty="0" smtClean="0">
+                          <a:solidFill>
+                            <a:schemeClr val="tx1"/>
+                          </a:solidFill>
+                        </a:rPr>
+                        <a:t>現地試験</a:t>
+                      </a:r>
+                      <a:endParaRPr kumimoji="1" lang="ja-JP" altLang="en-US" sz="1000" dirty="0">
+                        <a:solidFill>
+                          <a:schemeClr val="tx1"/>
+                        </a:solidFill>
+                      </a:endParaRPr>
+                    </a:p>
+                  </a:txBody>
+                  <a:tcPr anchor="ctr">
+                    <a:lnL w="12700" cap="flat" cmpd="sng" algn="ctr">
+                      <a:solidFill>
+                        <a:schemeClr val="tx1"/>
+                      </a:solidFill>
+                      <a:prstDash val="solid"/>
+                      <a:round/>
+                      <a:headEnd type="none" w="med" len="med"/>
+                      <a:tailEnd type="none" w="med" len="med"/>
+                    </a:lnL>
+                    <a:lnR w="12700" cap="flat" cmpd="sng" algn="ctr">
+                      <a:solidFill>
+                        <a:schemeClr val="tx1"/>
+                      </a:solidFill>
+                      <a:prstDash val="solid"/>
+                      <a:round/>
+                      <a:headEnd type="none" w="med" len="med"/>
+                      <a:tailEnd type="none" w="med" len="med"/>
+                    </a:lnR>
+                    <a:lnT w="12700" cap="flat" cmpd="sng" algn="ctr">
+                      <a:solidFill>
+                        <a:schemeClr val="tx1"/>
+                      </a:solidFill>
+                      <a:prstDash val="solid"/>
+                      <a:round/>
+                      <a:headEnd type="none" w="med" len="med"/>
+                      <a:tailEnd type="none" w="med" len="med"/>
+                    </a:lnT>
+                    <a:lnB w="12700" cap="flat" cmpd="sng" algn="ctr">
+                      <a:solidFill>
+                        <a:schemeClr val="tx1"/>
+                      </a:solidFill>
+                      <a:prstDash val="solid"/>
+                      <a:round/>
+                      <a:headEnd type="none" w="med" len="med"/>
+                      <a:tailEnd type="none" w="med" len="med"/>
+                    </a:lnB>
+                    <a:noFill/>
+                  </a:tcPr>
+                </a:tc>
+                <a:tc>
+                  <a:txBody>
+                    <a:bodyPr/>
+                    <a:lstStyle/>
+                    <a:p>
+                      <a:r>
+                        <a:rPr kumimoji="1" lang="ja-JP" altLang="en-US" sz="1000" dirty="0" smtClean="0">
+                          <a:solidFill>
+                            <a:schemeClr val="tx1"/>
+                          </a:solidFill>
+                        </a:rPr>
+                        <a:t>・試験２</a:t>
+                      </a:r>
+                      <a:endParaRPr kumimoji="1" lang="ja-JP" altLang="en-US" sz="1000" dirty="0">
+                        <a:solidFill>
+                          <a:schemeClr val="tx1"/>
+                        </a:solidFill>
+                      </a:endParaRPr>
+                    </a:p>
+                  </a:txBody>
+                  <a:tcPr anchor="ctr">
+                    <a:lnL w="12700" cap="flat" cmpd="sng" algn="ctr">
+                      <a:solidFill>
+                        <a:schemeClr val="tx1"/>
+                      </a:solidFill>
+                      <a:prstDash val="solid"/>
+                      <a:round/>
+                      <a:headEnd type="none" w="med" len="med"/>
+                      <a:tailEnd type="none" w="med" len="med"/>
+                    </a:lnL>
+                    <a:lnR w="12700" cap="flat" cmpd="sng" algn="ctr">
+                      <a:solidFill>
+                        <a:schemeClr val="tx1"/>
+                      </a:solidFill>
+                      <a:prstDash val="solid"/>
+                      <a:round/>
+                      <a:headEnd type="none" w="med" len="med"/>
+                      <a:tailEnd type="none" w="med" len="med"/>
+                    </a:lnR>
+                    <a:lnT w="12700" cap="flat" cmpd="sng" algn="ctr">
+                      <a:solidFill>
+                        <a:schemeClr val="tx1"/>
+                      </a:solidFill>
+                      <a:prstDash val="solid"/>
+                      <a:round/>
+                      <a:headEnd type="none" w="med" len="med"/>
+                      <a:tailEnd type="none" w="med" len="med"/>
+                    </a:lnT>
+                    <a:lnB w="12700" cap="flat" cmpd="sng" algn="ctr">
+                      <a:solidFill>
+                        <a:schemeClr val="tx1"/>
+                      </a:solidFill>
+                      <a:prstDash val="solid"/>
+                      <a:round/>
+                      <a:headEnd type="none" w="med" len="med"/>
+                      <a:tailEnd type="none" w="med" len="med"/>
+                    </a:lnB>
+                    <a:noFill/>
+                  </a:tcPr>
+                </a:tc>
+                <a:tc>
+                  <a:txBody>
+                    <a:bodyPr/>
+                    <a:lstStyle/>
+                    <a:p>
+                      <a:endParaRPr kumimoji="1" lang="ja-JP" altLang="en-US" sz="1000" dirty="0">
+                        <a:solidFill>
+                          <a:schemeClr val="tx1"/>
+                        </a:solidFill>
+                      </a:endParaRPr>
+                    </a:p>
+                  </a:txBody>
+                  <a:tcPr anchor="ctr">
+                    <a:lnL w="12700" cap="flat" cmpd="sng" algn="ctr">
+                      <a:solidFill>
+                        <a:schemeClr val="tx1"/>
+                      </a:solidFill>
+                      <a:prstDash val="solid"/>
+                      <a:round/>
+                      <a:headEnd type="none" w="med" len="med"/>
+                      <a:tailEnd type="none" w="med" len="med"/>
+                    </a:lnL>
+                    <a:lnR w="12700" cap="flat" cmpd="sng" algn="ctr">
+                      <a:solidFill>
+                        <a:schemeClr val="tx1"/>
+                      </a:solidFill>
+                      <a:prstDash val="sysDot"/>
+                      <a:round/>
+                      <a:headEnd type="none" w="med" len="med"/>
+                      <a:tailEnd type="none" w="med" len="med"/>
+                    </a:lnR>
+                    <a:lnT w="12700" cap="flat" cmpd="sng" algn="ctr">
+                      <a:solidFill>
+                        <a:schemeClr val="tx1"/>
+                      </a:solidFill>
+                      <a:prstDash val="solid"/>
+                      <a:round/>
+                      <a:headEnd type="none" w="med" len="med"/>
+                      <a:tailEnd type="none" w="med" len="med"/>
+                    </a:lnT>
+                    <a:lnB w="12700" cap="flat" cmpd="sng" algn="ctr">
+                      <a:solidFill>
+                        <a:schemeClr val="tx1"/>
+                      </a:solidFill>
+                      <a:prstDash val="solid"/>
+                      <a:round/>
+                      <a:headEnd type="none" w="med" len="med"/>
+                      <a:tailEnd type="none" w="med" len="med"/>
+                    </a:lnB>
+                    <a:noFill/>
+                  </a:tcPr>
+                </a:tc>
+                <a:tc>
+                  <a:txBody>
+                    <a:bodyPr/>
+                    <a:lstStyle/>
+                    <a:p>
+                      <a:endParaRPr kumimoji="1" lang="ja-JP" altLang="en-US" sz="1000">
+                        <a:solidFill>
+                          <a:schemeClr val="tx1"/>
+                        </a:solidFill>
+                      </a:endParaRPr>
+                    </a:p>
+                  </a:txBody>
+                  <a:tcPr anchor="ctr">
+                    <a:lnL w="12700" cap="flat" cmpd="sng" algn="ctr">
+                      <a:solidFill>
+                        <a:schemeClr val="tx1"/>
+                      </a:solidFill>
+                      <a:prstDash val="sysDot"/>
+                      <a:round/>
+                      <a:headEnd type="none" w="med" len="med"/>
+                      <a:tailEnd type="none" w="med" len="med"/>
+                    </a:lnL>
+                    <a:lnR w="12700" cap="flat" cmpd="sng" algn="ctr">
+                      <a:solidFill>
+                        <a:schemeClr val="tx1"/>
+                      </a:solidFill>
+                      <a:prstDash val="sysDot"/>
+                      <a:round/>
+                      <a:headEnd type="none" w="med" len="med"/>
+                      <a:tailEnd type="none" w="med" len="med"/>
+                    </a:lnR>
+                    <a:lnT w="12700" cap="flat" cmpd="sng" algn="ctr">
+                      <a:solidFill>
+                        <a:schemeClr val="tx1"/>
+                      </a:solidFill>
+                      <a:prstDash val="solid"/>
+                      <a:round/>
+                      <a:headEnd type="none" w="med" len="med"/>
+                      <a:tailEnd type="none" w="med" len="med"/>
+                    </a:lnT>
+                    <a:lnB w="12700" cap="flat" cmpd="sng" algn="ctr">
+                      <a:solidFill>
+                        <a:schemeClr val="tx1"/>
+                      </a:solidFill>
+                      <a:prstDash val="solid"/>
+                      <a:round/>
+                      <a:headEnd type="none" w="med" len="med"/>
+                      <a:tailEnd type="none" w="med" len="med"/>
+                    </a:lnB>
+                    <a:noFill/>
+                  </a:tcPr>
+                </a:tc>
+                <a:tc>
+                  <a:txBody>
+                    <a:bodyPr/>
+                    <a:lstStyle/>
+                    <a:p>
+                      <a:endParaRPr kumimoji="1" lang="ja-JP" altLang="en-US" sz="1000">
+                        <a:solidFill>
+                          <a:schemeClr val="tx1"/>
+                        </a:solidFill>
+                      </a:endParaRPr>
+                    </a:p>
+                  </a:txBody>
+                  <a:tcPr anchor="ctr">
+                    <a:lnL w="12700" cap="flat" cmpd="sng" algn="ctr">
+                      <a:solidFill>
+                        <a:schemeClr val="tx1"/>
+                      </a:solidFill>
+                      <a:prstDash val="sysDot"/>
+                      <a:round/>
+                      <a:headEnd type="none" w="med" len="med"/>
+                      <a:tailEnd type="none" w="med" len="med"/>
+                    </a:lnL>
+                    <a:lnR w="12700" cap="flat" cmpd="sng" algn="ctr">
+                      <a:solidFill>
+                        <a:schemeClr val="tx1"/>
+                      </a:solidFill>
+                      <a:prstDash val="sysDot"/>
+                      <a:round/>
+                      <a:headEnd type="none" w="med" len="med"/>
+                      <a:tailEnd type="none" w="med" len="med"/>
+                    </a:lnR>
+                    <a:lnT w="12700" cap="flat" cmpd="sng" algn="ctr">
+                      <a:solidFill>
+                        <a:schemeClr val="tx1"/>
+                      </a:solidFill>
+                      <a:prstDash val="solid"/>
+                      <a:round/>
+                      <a:headEnd type="none" w="med" len="med"/>
+                      <a:tailEnd type="none" w="med" len="med"/>
+                    </a:lnT>
+                    <a:lnB w="12700" cap="flat" cmpd="sng" algn="ctr">
+                      <a:solidFill>
+                        <a:schemeClr val="tx1"/>
+                      </a:solidFill>
+                      <a:prstDash val="solid"/>
+                      <a:round/>
+                      <a:headEnd type="none" w="med" len="med"/>
+                      <a:tailEnd type="none" w="med" len="med"/>
+                    </a:lnB>
+                    <a:noFill/>
+                  </a:tcPr>
+                </a:tc>
+                <a:tc>
+                  <a:txBody>
+                    <a:bodyPr/>
+                    <a:lstStyle/>
+                    <a:p>
+                      <a:endParaRPr kumimoji="1" lang="ja-JP" altLang="en-US" sz="1000" dirty="0">
+                        <a:solidFill>
+                          <a:schemeClr val="tx1"/>
+                        </a:solidFill>
+                      </a:endParaRPr>
+                    </a:p>
+                  </a:txBody>
+                  <a:tcPr anchor="ctr">
+                    <a:lnL w="12700" cap="flat" cmpd="sng" algn="ctr">
+                      <a:solidFill>
+                        <a:schemeClr val="tx1"/>
+                      </a:solidFill>
+                      <a:prstDash val="sysDot"/>
+                      <a:round/>
+                      <a:headEnd type="none" w="med" len="med"/>
+                      <a:tailEnd type="none" w="med" len="med"/>
+                    </a:lnL>
+                    <a:lnR w="12700" cap="flat" cmpd="sng" algn="ctr">
+                      <a:solidFill>
+                        <a:schemeClr val="tx1"/>
+                      </a:solidFill>
+                      <a:prstDash val="sysDot"/>
+                      <a:round/>
+                      <a:headEnd type="none" w="med" len="med"/>
+                      <a:tailEnd type="none" w="med" len="med"/>
+                    </a:lnR>
+                    <a:lnT w="12700" cap="flat" cmpd="sng" algn="ctr">
+                      <a:solidFill>
+                        <a:schemeClr val="tx1"/>
+                      </a:solidFill>
+                      <a:prstDash val="solid"/>
+                      <a:round/>
+                      <a:headEnd type="none" w="med" len="med"/>
+                      <a:tailEnd type="none" w="med" len="med"/>
+                    </a:lnT>
+                    <a:lnB w="12700" cap="flat" cmpd="sng" algn="ctr">
+                      <a:solidFill>
+                        <a:schemeClr val="tx1"/>
+                      </a:solidFill>
+                      <a:prstDash val="solid"/>
+                      <a:round/>
+                      <a:headEnd type="none" w="med" len="med"/>
+                      <a:tailEnd type="none" w="med" len="med"/>
+                    </a:lnB>
+                    <a:noFill/>
+                  </a:tcPr>
+                </a:tc>
+                <a:tc>
+                  <a:txBody>
+                    <a:bodyPr/>
+                    <a:lstStyle/>
+                    <a:p>
+                      <a:endParaRPr kumimoji="1" lang="ja-JP" altLang="en-US" sz="1000" dirty="0">
+                        <a:solidFill>
+                          <a:schemeClr val="tx1"/>
+                        </a:solidFill>
+                      </a:endParaRPr>
+                    </a:p>
+                  </a:txBody>
+                  <a:tcPr anchor="ctr">
+                    <a:lnL w="12700" cap="flat" cmpd="sng" algn="ctr">
+                      <a:solidFill>
+                        <a:schemeClr val="tx1"/>
+                      </a:solidFill>
+                      <a:prstDash val="sysDot"/>
+                      <a:round/>
+                      <a:headEnd type="none" w="med" len="med"/>
+                      <a:tailEnd type="none" w="med" len="med"/>
+                    </a:lnL>
+                    <a:lnR w="12700" cap="flat" cmpd="sng" algn="ctr">
+                      <a:solidFill>
+                        <a:schemeClr val="tx1"/>
+                      </a:solidFill>
+                      <a:prstDash val="sysDot"/>
+                      <a:round/>
+                      <a:headEnd type="none" w="med" len="med"/>
+                      <a:tailEnd type="none" w="med" len="med"/>
+                    </a:lnR>
+                    <a:lnT w="12700" cap="flat" cmpd="sng" algn="ctr">
+                      <a:solidFill>
+                        <a:schemeClr val="tx1"/>
+                      </a:solidFill>
+                      <a:prstDash val="solid"/>
+                      <a:round/>
+                      <a:headEnd type="none" w="med" len="med"/>
+                      <a:tailEnd type="none" w="med" len="med"/>
+                    </a:lnT>
+                    <a:lnB w="12700" cap="flat" cmpd="sng" algn="ctr">
+                      <a:solidFill>
+                        <a:schemeClr val="tx1"/>
+                      </a:solidFill>
+                      <a:prstDash val="solid"/>
+                      <a:round/>
+                      <a:headEnd type="none" w="med" len="med"/>
+                      <a:tailEnd type="none" w="med" len="med"/>
+                    </a:lnB>
+                    <a:noFill/>
+                  </a:tcPr>
+                </a:tc>
+                <a:tc>
+                  <a:txBody>
+                    <a:bodyPr/>
+                    <a:lstStyle/>
+                    <a:p>
+                      <a:endParaRPr kumimoji="1" lang="ja-JP" altLang="en-US" sz="1000" dirty="0">
+                        <a:solidFill>
+                          <a:schemeClr val="tx1"/>
+                        </a:solidFill>
+                      </a:endParaRPr>
+                    </a:p>
+                  </a:txBody>
+                  <a:tcPr anchor="ctr">
+                    <a:lnL w="12700" cap="flat" cmpd="sng" algn="ctr">
+                      <a:solidFill>
+                        <a:schemeClr val="tx1"/>
+                      </a:solidFill>
+                      <a:prstDash val="sysDot"/>
+                      <a:round/>
+                      <a:headEnd type="none" w="med" len="med"/>
+                      <a:tailEnd type="none" w="med" len="med"/>
+                    </a:lnL>
+                    <a:lnR w="12700" cap="flat" cmpd="sng" algn="ctr">
+                      <a:solidFill>
+                        <a:schemeClr val="tx1"/>
+                      </a:solidFill>
+                      <a:prstDash val="solid"/>
+                      <a:round/>
+                      <a:headEnd type="none" w="med" len="med"/>
+                      <a:tailEnd type="none" w="med" len="med"/>
+                    </a:lnR>
+                    <a:lnT w="12700" cap="flat" cmpd="sng" algn="ctr">
+                      <a:solidFill>
+                        <a:schemeClr val="tx1"/>
+                      </a:solidFill>
+                      <a:prstDash val="solid"/>
+                      <a:round/>
+                      <a:headEnd type="none" w="med" len="med"/>
+                      <a:tailEnd type="none" w="med" len="med"/>
+                    </a:lnT>
+                    <a:lnB w="12700" cap="flat" cmpd="sng" algn="ctr">
+                      <a:solidFill>
+                        <a:schemeClr val="tx1"/>
+                      </a:solidFill>
+                      <a:prstDash val="solid"/>
+                      <a:round/>
+                      <a:headEnd type="none" w="med" len="med"/>
+                      <a:tailEnd type="none" w="med" len="med"/>
+                    </a:lnB>
+                    <a:noFill/>
+                  </a:tcPr>
+                </a:tc>
+                <a:tc>
+                  <a:txBody>
+                    <a:bodyPr/>
+                    <a:lstStyle/>
+                    <a:p>
+                      <a:endParaRPr kumimoji="1" lang="ja-JP" altLang="en-US" sz="1000" dirty="0">
+                        <a:solidFill>
+                          <a:schemeClr val="tx1"/>
+                        </a:solidFill>
+                      </a:endParaRPr>
+                    </a:p>
+                  </a:txBody>
+                  <a:tcPr anchor="ctr">
+                    <a:lnL w="12700" cap="flat" cmpd="sng" algn="ctr">
+                      <a:solidFill>
+                        <a:schemeClr val="tx1"/>
+                      </a:solidFill>
+                      <a:prstDash val="solid"/>
+                      <a:round/>
+                      <a:headEnd type="none" w="med" len="med"/>
+                      <a:tailEnd type="none" w="med" len="med"/>
+                    </a:lnL>
+                    <a:lnR w="12700" cap="flat" cmpd="sng" algn="ctr">
+                      <a:solidFill>
+                        <a:schemeClr val="tx1"/>
+                      </a:solidFill>
+                      <a:prstDash val="solid"/>
+                      <a:round/>
+                      <a:headEnd type="none" w="med" len="med"/>
+                      <a:tailEnd type="none" w="med" len="med"/>
+                    </a:lnR>
+                    <a:lnT w="12700" cap="flat" cmpd="sng" algn="ctr">
+                      <a:solidFill>
+                        <a:schemeClr val="tx1"/>
+                      </a:solidFill>
+                      <a:prstDash val="solid"/>
+                      <a:round/>
+                      <a:headEnd type="none" w="med" len="med"/>
+                      <a:tailEnd type="none" w="med" len="med"/>
+                    </a:lnT>
+                    <a:lnB w="12700" cap="flat" cmpd="sng" algn="ctr">
+                      <a:solidFill>
+                        <a:schemeClr val="tx1"/>
+                      </a:solidFill>
+                      <a:prstDash val="solid"/>
+                      <a:round/>
+                      <a:headEnd type="none" w="med" len="med"/>
+                      <a:tailEnd type="none" w="med" len="med"/>
+                    </a:lnB>
+                    <a:noFill/>
+                  </a:tcPr>
+                </a:tc>
+              </a:tr>
+            </a:tbl>
+          </a:graphicData>
+        </a:graphic>
+      </p:graphicFrame>
+      <p:sp>
+        <p:nvSpPr>
+          <p:cNvPr id="6" name="テキスト ボックス 5"/>
+          <p:cNvSpPr txBox="1"/>
+          <p:nvPr/>
+        </p:nvSpPr>
+        <p:spPr>
+          <a:xfrm>
+            <a:off x="5012049" y="1981199"/>
+            <a:ext cx="1083951" cy="246221"/>
+          </a:xfrm>
+          <a:prstGeom prst="rect">
+            <a:avLst/>
+          </a:prstGeom>
+          <a:noFill/>
+        </p:spPr>
+        <p:txBody>
+          <a:bodyPr wrap="none" rtlCol="0">
+            <a:spAutoFit/>
+          </a:bodyPr>
+          <a:lstStyle/>
+          <a:p>
+            <a:r>
+              <a:rPr lang="ja-JP" altLang="en-US" sz="1000" dirty="0" smtClean="0"/>
+              <a:t>★</a:t>
+            </a:r>
+            <a:r>
+              <a:rPr lang="en-US" altLang="ja-JP" sz="1000" dirty="0" smtClean="0"/>
+              <a:t>1/2 A</a:t>
+            </a:r>
+            <a:r>
+              <a:rPr lang="ja-JP" altLang="en-US" sz="1000" dirty="0" smtClean="0"/>
+              <a:t>シス切替</a:t>
+            </a:r>
+            <a:endParaRPr kumimoji="1" lang="ja-JP" altLang="en-US" sz="1000" dirty="0"/>
+          </a:p>
+        </p:txBody>
+      </p:sp>
+      <p:sp>
+        <p:nvSpPr>
+          <p:cNvPr id="7" name="テキスト ボックス 6"/>
+          <p:cNvSpPr txBox="1"/>
+          <p:nvPr/>
+        </p:nvSpPr>
+        <p:spPr>
+          <a:xfrm>
+            <a:off x="7772182" y="1981199"/>
+            <a:ext cx="1149674" cy="246221"/>
+          </a:xfrm>
+          <a:prstGeom prst="rect">
+            <a:avLst/>
+          </a:prstGeom>
+          <a:noFill/>
+        </p:spPr>
+        <p:txBody>
+          <a:bodyPr wrap="none" rtlCol="0">
+            <a:spAutoFit/>
+          </a:bodyPr>
+          <a:lstStyle/>
+          <a:p>
+            <a:r>
+              <a:rPr lang="ja-JP" altLang="en-US" sz="1000" dirty="0" smtClean="0"/>
+              <a:t>★</a:t>
+            </a:r>
+            <a:r>
+              <a:rPr lang="en-US" altLang="ja-JP" sz="1000" dirty="0" smtClean="0"/>
+              <a:t>4/10 B</a:t>
+            </a:r>
+            <a:r>
+              <a:rPr lang="ja-JP" altLang="en-US" sz="1000" dirty="0" smtClean="0"/>
+              <a:t>シス切替</a:t>
+            </a:r>
+            <a:endParaRPr kumimoji="1" lang="ja-JP" altLang="en-US" sz="1000" dirty="0"/>
+          </a:p>
+        </p:txBody>
+      </p:sp>
+    </p:spTree>
+    <p:extLst>
+      <p:ext uri="{BB962C8B-B14F-4D97-AF65-F5344CB8AC3E}">
+        <p14:creationId xmlns:p14="http://schemas.microsoft.com/office/powerpoint/2010/main" val="1139698802"/>
+      </p:ext>
+    </p:extLst>
+  </p:cSld>
+  <p:clrMapOvr>
+    <a:masterClrMapping/>
+  </p:clrMapOvr>
+  <p:timing>
+    <p:tnLst>
+      <p:par>
+        <p:cTn id="1" dur="indefinite" restart="never" nodeType="tmRoot"/>
+      </p:par>
+    </p:tnLst>
+  </p:timing>
+</p:sld>
+</file>
+
+<file path=ppt/slides/slide3.xml><?xml version="1.0" encoding="utf-8"?>
+<p:sld xmlns:a="http://schemas.openxmlformats.org/drawingml/2006/main" xmlns:r="http://schemas.openxmlformats.org/officeDocument/2006/relationships" xmlns:p="http://schemas.openxmlformats.org/presentationml/2006/main">
+  <p:cSld>
+    <p:spTree>
+      <p:nvGrpSpPr>
+        <p:cNvPr id="1" name=""/>
+        <p:cNvGrpSpPr/>
+        <p:nvPr/>
+      </p:nvGrpSpPr>
+      <p:grpSpPr>
+        <a:xfrm>
+          <a:off x="0" y="0"/>
+          <a:ext cx="0" cy="0"/>
+          <a:chOff x="0" y="0"/>
+          <a:chExt cx="0" cy="0"/>
+        </a:xfrm>
+      </p:grpSpPr>
+      <p:sp>
+        <p:nvSpPr>
+          <p:cNvPr id="2" name="タイトル 1"/>
+          <p:cNvSpPr>
+            <a:spLocks noGrp="1"/>
+          </p:cNvSpPr>
+          <p:nvPr>
+            <p:ph type="title"/>
+          </p:nvPr>
+        </p:nvSpPr>
+        <p:spPr/>
+        <p:txBody>
+          <a:bodyPr/>
+          <a:lstStyle/>
+          <a:p>
+            <a:r>
+              <a:rPr lang="ja-JP" altLang="en-US" dirty="0"/>
+              <a:t>情報</a:t>
+            </a:r>
+            <a:r>
+              <a:rPr lang="ja-JP" altLang="en-US" dirty="0" smtClean="0"/>
+              <a:t>の流れ</a:t>
+            </a:r>
+            <a:endParaRPr kumimoji="1" lang="ja-JP" altLang="en-US" dirty="0"/>
+          </a:p>
+        </p:txBody>
+      </p:sp>
+      <p:sp>
+        <p:nvSpPr>
+          <p:cNvPr id="4" name="正方形/長方形 3"/>
+          <p:cNvSpPr/>
+          <p:nvPr/>
+        </p:nvSpPr>
+        <p:spPr>
+          <a:xfrm>
+            <a:off x="961212" y="1575984"/>
+            <a:ext cx="1257062" cy="371350"/>
+          </a:xfrm>
+          <a:prstGeom prst="rect">
+            <a:avLst/>
+          </a:prstGeom>
+          <a:noFill/>
+          <a:ln>
+            <a:solidFill>
+              <a:schemeClr val="tx1"/>
+            </a:solidFill>
+          </a:ln>
+        </p:spPr>
+        <p:style>
+          <a:lnRef idx="2">
+            <a:schemeClr val="accent1">
+              <a:shade val="50000"/>
+            </a:schemeClr>
+          </a:lnRef>
+          <a:fillRef idx="1">
+            <a:schemeClr val="accent1"/>
+          </a:fillRef>
+          <a:effectRef idx="0">
+            <a:schemeClr val="accent1"/>
+          </a:effectRef>
+          <a:fontRef idx="minor">
+            <a:schemeClr val="lt1"/>
+          </a:fontRef>
+        </p:style>
+        <p:txBody>
+          <a:bodyPr rtlCol="0" anchor="ctr"/>
+          <a:lstStyle/>
+          <a:p>
+            <a:pPr algn="ctr"/>
+            <a:r>
+              <a:rPr lang="ja-JP" altLang="en-US" sz="1000" b="1" dirty="0" smtClean="0">
+                <a:solidFill>
+                  <a:schemeClr val="tx1"/>
+                </a:solidFill>
+              </a:rPr>
+              <a:t>ローカル</a:t>
+            </a:r>
+            <a:r>
+              <a:rPr lang="en-US" altLang="ja-JP" sz="1000" b="1" dirty="0" smtClean="0">
+                <a:solidFill>
+                  <a:schemeClr val="tx1"/>
+                </a:solidFill>
+              </a:rPr>
+              <a:t>PC01</a:t>
+            </a:r>
+            <a:endParaRPr kumimoji="1" lang="ja-JP" altLang="en-US" sz="1000" b="1" dirty="0">
+              <a:solidFill>
+                <a:schemeClr val="tx1"/>
+              </a:solidFill>
+            </a:endParaRPr>
+          </a:p>
+        </p:txBody>
+      </p:sp>
+      <p:cxnSp>
+        <p:nvCxnSpPr>
+          <p:cNvPr id="6" name="直線コネクタ 5"/>
+          <p:cNvCxnSpPr>
+            <a:stCxn id="4" idx="2"/>
+          </p:cNvCxnSpPr>
+          <p:nvPr/>
+        </p:nvCxnSpPr>
+        <p:spPr>
+          <a:xfrm>
+            <a:off x="1589743" y="1947334"/>
+            <a:ext cx="1990" cy="3060000"/>
+          </a:xfrm>
+          <a:prstGeom prst="line">
+            <a:avLst/>
+          </a:prstGeom>
+          <a:ln>
+            <a:solidFill>
+              <a:schemeClr val="tx1"/>
+            </a:solidFill>
+          </a:ln>
+        </p:spPr>
+        <p:style>
+          <a:lnRef idx="1">
+            <a:schemeClr val="accent1"/>
+          </a:lnRef>
+          <a:fillRef idx="0">
+            <a:schemeClr val="accent1"/>
+          </a:fillRef>
+          <a:effectRef idx="0">
+            <a:schemeClr val="accent1"/>
+          </a:effectRef>
+          <a:fontRef idx="minor">
+            <a:schemeClr val="tx1"/>
+          </a:fontRef>
+        </p:style>
+      </p:cxnSp>
+      <p:sp>
+        <p:nvSpPr>
+          <p:cNvPr id="7" name="正方形/長方形 6"/>
+          <p:cNvSpPr/>
+          <p:nvPr/>
+        </p:nvSpPr>
+        <p:spPr>
+          <a:xfrm>
+            <a:off x="2595279" y="1575984"/>
+            <a:ext cx="1257062" cy="371350"/>
+          </a:xfrm>
+          <a:prstGeom prst="rect">
+            <a:avLst/>
+          </a:prstGeom>
+          <a:noFill/>
+          <a:ln>
+            <a:solidFill>
+              <a:schemeClr val="tx1"/>
+            </a:solidFill>
+          </a:ln>
+        </p:spPr>
+        <p:style>
+          <a:lnRef idx="2">
+            <a:schemeClr val="accent1">
+              <a:shade val="50000"/>
+            </a:schemeClr>
+          </a:lnRef>
+          <a:fillRef idx="1">
+            <a:schemeClr val="accent1"/>
+          </a:fillRef>
+          <a:effectRef idx="0">
+            <a:schemeClr val="accent1"/>
+          </a:effectRef>
+          <a:fontRef idx="minor">
+            <a:schemeClr val="lt1"/>
+          </a:fontRef>
+        </p:style>
+        <p:txBody>
+          <a:bodyPr rtlCol="0" anchor="ctr"/>
+          <a:lstStyle/>
+          <a:p>
+            <a:pPr algn="ctr"/>
+            <a:r>
+              <a:rPr lang="ja-JP" altLang="en-US" sz="1000" b="1" dirty="0" smtClean="0">
+                <a:solidFill>
+                  <a:schemeClr val="tx1"/>
+                </a:solidFill>
+              </a:rPr>
+              <a:t>ローカル</a:t>
+            </a:r>
+            <a:r>
+              <a:rPr lang="en-US" altLang="ja-JP" sz="1000" b="1" dirty="0" smtClean="0">
+                <a:solidFill>
+                  <a:schemeClr val="tx1"/>
+                </a:solidFill>
+              </a:rPr>
+              <a:t>PC02</a:t>
+            </a:r>
+            <a:endParaRPr kumimoji="1" lang="ja-JP" altLang="en-US" sz="1000" b="1" dirty="0">
+              <a:solidFill>
+                <a:schemeClr val="tx1"/>
+              </a:solidFill>
+            </a:endParaRPr>
+          </a:p>
+        </p:txBody>
+      </p:sp>
+      <p:cxnSp>
+        <p:nvCxnSpPr>
+          <p:cNvPr id="8" name="直線コネクタ 7"/>
+          <p:cNvCxnSpPr>
+            <a:stCxn id="7" idx="2"/>
+          </p:cNvCxnSpPr>
+          <p:nvPr/>
+        </p:nvCxnSpPr>
+        <p:spPr>
+          <a:xfrm>
+            <a:off x="3223810" y="1947334"/>
+            <a:ext cx="1990" cy="3060000"/>
+          </a:xfrm>
+          <a:prstGeom prst="line">
+            <a:avLst/>
+          </a:prstGeom>
+          <a:ln>
+            <a:solidFill>
+              <a:schemeClr val="tx1"/>
+            </a:solidFill>
+          </a:ln>
+        </p:spPr>
+        <p:style>
+          <a:lnRef idx="1">
+            <a:schemeClr val="accent1"/>
+          </a:lnRef>
+          <a:fillRef idx="0">
+            <a:schemeClr val="accent1"/>
+          </a:fillRef>
+          <a:effectRef idx="0">
+            <a:schemeClr val="accent1"/>
+          </a:effectRef>
+          <a:fontRef idx="minor">
+            <a:schemeClr val="tx1"/>
+          </a:fontRef>
+        </p:style>
+      </p:cxnSp>
+      <p:sp>
+        <p:nvSpPr>
+          <p:cNvPr id="9" name="正方形/長方形 8"/>
+          <p:cNvSpPr/>
+          <p:nvPr/>
+        </p:nvSpPr>
+        <p:spPr>
+          <a:xfrm>
+            <a:off x="4227356" y="1575984"/>
+            <a:ext cx="1257062" cy="371350"/>
+          </a:xfrm>
+          <a:prstGeom prst="rect">
+            <a:avLst/>
+          </a:prstGeom>
+          <a:noFill/>
+          <a:ln>
+            <a:solidFill>
+              <a:schemeClr val="tx1"/>
+            </a:solidFill>
+          </a:ln>
+        </p:spPr>
+        <p:style>
+          <a:lnRef idx="2">
+            <a:schemeClr val="accent1">
+              <a:shade val="50000"/>
+            </a:schemeClr>
+          </a:lnRef>
+          <a:fillRef idx="1">
+            <a:schemeClr val="accent1"/>
+          </a:fillRef>
+          <a:effectRef idx="0">
+            <a:schemeClr val="accent1"/>
+          </a:effectRef>
+          <a:fontRef idx="minor">
+            <a:schemeClr val="lt1"/>
+          </a:fontRef>
+        </p:style>
+        <p:txBody>
+          <a:bodyPr rtlCol="0" anchor="ctr"/>
+          <a:lstStyle/>
+          <a:p>
+            <a:pPr algn="ctr"/>
+            <a:r>
+              <a:rPr lang="ja-JP" altLang="en-US" sz="1000" b="1" dirty="0" smtClean="0">
+                <a:solidFill>
+                  <a:schemeClr val="tx1"/>
+                </a:solidFill>
+              </a:rPr>
+              <a:t>ロードバラン</a:t>
+            </a:r>
+            <a:r>
+              <a:rPr lang="ja-JP" altLang="en-US" sz="1000" b="1" dirty="0">
+                <a:solidFill>
+                  <a:schemeClr val="tx1"/>
+                </a:solidFill>
+              </a:rPr>
+              <a:t>サ</a:t>
+            </a:r>
+            <a:endParaRPr kumimoji="1" lang="ja-JP" altLang="en-US" sz="1000" b="1" dirty="0">
+              <a:solidFill>
+                <a:schemeClr val="tx1"/>
+              </a:solidFill>
+            </a:endParaRPr>
+          </a:p>
+        </p:txBody>
+      </p:sp>
+      <p:cxnSp>
+        <p:nvCxnSpPr>
+          <p:cNvPr id="10" name="直線コネクタ 9"/>
+          <p:cNvCxnSpPr>
+            <a:stCxn id="9" idx="2"/>
+          </p:cNvCxnSpPr>
+          <p:nvPr/>
+        </p:nvCxnSpPr>
+        <p:spPr>
+          <a:xfrm>
+            <a:off x="4855887" y="1947334"/>
+            <a:ext cx="1990" cy="3060000"/>
+          </a:xfrm>
+          <a:prstGeom prst="line">
+            <a:avLst/>
+          </a:prstGeom>
+          <a:ln>
+            <a:solidFill>
+              <a:schemeClr val="tx1"/>
+            </a:solidFill>
+          </a:ln>
+        </p:spPr>
+        <p:style>
+          <a:lnRef idx="1">
+            <a:schemeClr val="accent1"/>
+          </a:lnRef>
+          <a:fillRef idx="0">
+            <a:schemeClr val="accent1"/>
+          </a:fillRef>
+          <a:effectRef idx="0">
+            <a:schemeClr val="accent1"/>
+          </a:effectRef>
+          <a:fontRef idx="minor">
+            <a:schemeClr val="tx1"/>
+          </a:fontRef>
+        </p:style>
+      </p:cxnSp>
+      <p:sp>
+        <p:nvSpPr>
+          <p:cNvPr id="11" name="正方形/長方形 10"/>
+          <p:cNvSpPr/>
+          <p:nvPr/>
+        </p:nvSpPr>
+        <p:spPr>
+          <a:xfrm>
+            <a:off x="5859433" y="1575984"/>
+            <a:ext cx="1257062" cy="371350"/>
+          </a:xfrm>
+          <a:prstGeom prst="rect">
+            <a:avLst/>
+          </a:prstGeom>
+          <a:noFill/>
+          <a:ln>
+            <a:solidFill>
+              <a:schemeClr val="tx1"/>
+            </a:solidFill>
+          </a:ln>
+        </p:spPr>
+        <p:style>
+          <a:lnRef idx="2">
+            <a:schemeClr val="accent1">
+              <a:shade val="50000"/>
+            </a:schemeClr>
+          </a:lnRef>
+          <a:fillRef idx="1">
+            <a:schemeClr val="accent1"/>
+          </a:fillRef>
+          <a:effectRef idx="0">
+            <a:schemeClr val="accent1"/>
+          </a:effectRef>
+          <a:fontRef idx="minor">
+            <a:schemeClr val="lt1"/>
+          </a:fontRef>
+        </p:style>
+        <p:txBody>
+          <a:bodyPr rtlCol="0" anchor="ctr"/>
+          <a:lstStyle/>
+          <a:p>
+            <a:pPr algn="ctr"/>
+            <a:r>
+              <a:rPr lang="ja-JP" altLang="en-US" sz="1000" b="1" dirty="0" smtClean="0">
+                <a:solidFill>
+                  <a:schemeClr val="tx1"/>
+                </a:solidFill>
+              </a:rPr>
+              <a:t>フロントサーバ</a:t>
+            </a:r>
+            <a:endParaRPr kumimoji="1" lang="ja-JP" altLang="en-US" sz="1000" b="1" dirty="0">
+              <a:solidFill>
+                <a:schemeClr val="tx1"/>
+              </a:solidFill>
+            </a:endParaRPr>
+          </a:p>
+        </p:txBody>
+      </p:sp>
+      <p:cxnSp>
+        <p:nvCxnSpPr>
+          <p:cNvPr id="12" name="直線コネクタ 11"/>
+          <p:cNvCxnSpPr>
+            <a:stCxn id="11" idx="2"/>
+          </p:cNvCxnSpPr>
+          <p:nvPr/>
+        </p:nvCxnSpPr>
+        <p:spPr>
+          <a:xfrm>
+            <a:off x="6487964" y="1947334"/>
+            <a:ext cx="1990" cy="3060000"/>
+          </a:xfrm>
+          <a:prstGeom prst="line">
+            <a:avLst/>
+          </a:prstGeom>
+          <a:ln>
+            <a:solidFill>
+              <a:schemeClr val="tx1"/>
+            </a:solidFill>
+          </a:ln>
+        </p:spPr>
+        <p:style>
+          <a:lnRef idx="1">
+            <a:schemeClr val="accent1"/>
+          </a:lnRef>
+          <a:fillRef idx="0">
+            <a:schemeClr val="accent1"/>
+          </a:fillRef>
+          <a:effectRef idx="0">
+            <a:schemeClr val="accent1"/>
+          </a:effectRef>
+          <a:fontRef idx="minor">
+            <a:schemeClr val="tx1"/>
+          </a:fontRef>
+        </p:style>
+      </p:cxnSp>
+      <p:sp>
+        <p:nvSpPr>
+          <p:cNvPr id="13" name="正方形/長方形 12"/>
+          <p:cNvSpPr/>
+          <p:nvPr/>
+        </p:nvSpPr>
+        <p:spPr>
+          <a:xfrm>
+            <a:off x="7491510" y="1575984"/>
+            <a:ext cx="1257062" cy="371350"/>
+          </a:xfrm>
+          <a:prstGeom prst="rect">
+            <a:avLst/>
+          </a:prstGeom>
+          <a:noFill/>
+          <a:ln>
+            <a:solidFill>
+              <a:schemeClr val="tx1"/>
+            </a:solidFill>
+          </a:ln>
+        </p:spPr>
+        <p:style>
+          <a:lnRef idx="2">
+            <a:schemeClr val="accent1">
+              <a:shade val="50000"/>
+            </a:schemeClr>
+          </a:lnRef>
+          <a:fillRef idx="1">
+            <a:schemeClr val="accent1"/>
+          </a:fillRef>
+          <a:effectRef idx="0">
+            <a:schemeClr val="accent1"/>
+          </a:effectRef>
+          <a:fontRef idx="minor">
+            <a:schemeClr val="lt1"/>
+          </a:fontRef>
+        </p:style>
+        <p:txBody>
+          <a:bodyPr rtlCol="0" anchor="ctr"/>
+          <a:lstStyle/>
+          <a:p>
+            <a:pPr algn="ctr"/>
+            <a:r>
+              <a:rPr lang="ja-JP" altLang="en-US" sz="1000" b="1" dirty="0" smtClean="0">
+                <a:solidFill>
+                  <a:schemeClr val="tx1"/>
+                </a:solidFill>
+              </a:rPr>
+              <a:t>バックエンドサーバ</a:t>
+            </a:r>
+            <a:endParaRPr kumimoji="1" lang="ja-JP" altLang="en-US" sz="1000" b="1" dirty="0">
+              <a:solidFill>
+                <a:schemeClr val="tx1"/>
+              </a:solidFill>
+            </a:endParaRPr>
+          </a:p>
+        </p:txBody>
+      </p:sp>
+      <p:cxnSp>
+        <p:nvCxnSpPr>
+          <p:cNvPr id="14" name="直線コネクタ 13"/>
+          <p:cNvCxnSpPr>
+            <a:stCxn id="13" idx="2"/>
+          </p:cNvCxnSpPr>
+          <p:nvPr/>
+        </p:nvCxnSpPr>
+        <p:spPr>
+          <a:xfrm>
+            <a:off x="8120041" y="1947334"/>
+            <a:ext cx="1990" cy="3060000"/>
+          </a:xfrm>
+          <a:prstGeom prst="line">
+            <a:avLst/>
+          </a:prstGeom>
+          <a:ln>
+            <a:solidFill>
+              <a:schemeClr val="tx1"/>
+            </a:solidFill>
+          </a:ln>
+        </p:spPr>
+        <p:style>
+          <a:lnRef idx="1">
+            <a:schemeClr val="accent1"/>
+          </a:lnRef>
+          <a:fillRef idx="0">
+            <a:schemeClr val="accent1"/>
+          </a:fillRef>
+          <a:effectRef idx="0">
+            <a:schemeClr val="accent1"/>
+          </a:effectRef>
+          <a:fontRef idx="minor">
+            <a:schemeClr val="tx1"/>
+          </a:fontRef>
+        </p:style>
+      </p:cxnSp>
+      <p:sp>
+        <p:nvSpPr>
+          <p:cNvPr id="15" name="正方形/長方形 14"/>
+          <p:cNvSpPr/>
+          <p:nvPr/>
+        </p:nvSpPr>
+        <p:spPr>
+          <a:xfrm>
+            <a:off x="9123587" y="1575984"/>
+            <a:ext cx="1257062" cy="371350"/>
+          </a:xfrm>
+          <a:prstGeom prst="rect">
+            <a:avLst/>
+          </a:prstGeom>
+          <a:noFill/>
+          <a:ln>
+            <a:solidFill>
+              <a:schemeClr val="tx1"/>
+            </a:solidFill>
+          </a:ln>
+        </p:spPr>
+        <p:style>
+          <a:lnRef idx="2">
+            <a:schemeClr val="accent1">
+              <a:shade val="50000"/>
+            </a:schemeClr>
+          </a:lnRef>
+          <a:fillRef idx="1">
+            <a:schemeClr val="accent1"/>
+          </a:fillRef>
+          <a:effectRef idx="0">
+            <a:schemeClr val="accent1"/>
+          </a:effectRef>
+          <a:fontRef idx="minor">
+            <a:schemeClr val="lt1"/>
+          </a:fontRef>
+        </p:style>
+        <p:txBody>
+          <a:bodyPr rtlCol="0" anchor="ctr"/>
+          <a:lstStyle/>
+          <a:p>
+            <a:pPr algn="ctr"/>
+            <a:r>
+              <a:rPr lang="en-US" altLang="ja-JP" sz="1000" b="1" dirty="0" smtClean="0">
+                <a:solidFill>
+                  <a:schemeClr val="tx1"/>
+                </a:solidFill>
+              </a:rPr>
+              <a:t>DB</a:t>
+            </a:r>
+            <a:r>
+              <a:rPr lang="ja-JP" altLang="en-US" sz="1000" b="1" dirty="0" smtClean="0">
+                <a:solidFill>
+                  <a:schemeClr val="tx1"/>
+                </a:solidFill>
+              </a:rPr>
+              <a:t>サーバ</a:t>
+            </a:r>
+            <a:endParaRPr kumimoji="1" lang="ja-JP" altLang="en-US" sz="1000" b="1" dirty="0">
+              <a:solidFill>
+                <a:schemeClr val="tx1"/>
+              </a:solidFill>
+            </a:endParaRPr>
+          </a:p>
+        </p:txBody>
+      </p:sp>
+      <p:cxnSp>
+        <p:nvCxnSpPr>
+          <p:cNvPr id="16" name="直線コネクタ 15"/>
+          <p:cNvCxnSpPr>
+            <a:stCxn id="15" idx="2"/>
+          </p:cNvCxnSpPr>
+          <p:nvPr/>
+        </p:nvCxnSpPr>
+        <p:spPr>
+          <a:xfrm>
+            <a:off x="9752118" y="1947334"/>
+            <a:ext cx="1990" cy="3060000"/>
+          </a:xfrm>
+          <a:prstGeom prst="line">
+            <a:avLst/>
+          </a:prstGeom>
+          <a:ln>
+            <a:solidFill>
+              <a:schemeClr val="tx1"/>
+            </a:solidFill>
+          </a:ln>
+        </p:spPr>
+        <p:style>
+          <a:lnRef idx="1">
+            <a:schemeClr val="accent1"/>
+          </a:lnRef>
+          <a:fillRef idx="0">
+            <a:schemeClr val="accent1"/>
+          </a:fillRef>
+          <a:effectRef idx="0">
+            <a:schemeClr val="accent1"/>
+          </a:effectRef>
+          <a:fontRef idx="minor">
+            <a:schemeClr val="tx1"/>
+          </a:fontRef>
+        </p:style>
+      </p:cxnSp>
+      <p:sp>
+        <p:nvSpPr>
+          <p:cNvPr id="17" name="正方形/長方形 16"/>
+          <p:cNvSpPr/>
+          <p:nvPr/>
+        </p:nvSpPr>
+        <p:spPr>
+          <a:xfrm>
+            <a:off x="9945717" y="2611941"/>
+            <a:ext cx="2144684" cy="2383393"/>
+          </a:xfrm>
+          <a:prstGeom prst="rect">
+            <a:avLst/>
+          </a:prstGeom>
+          <a:noFill/>
+          <a:ln>
+            <a:solidFill>
+              <a:schemeClr val="tx1"/>
+            </a:solidFill>
+          </a:ln>
+        </p:spPr>
+        <p:style>
+          <a:lnRef idx="2">
+            <a:schemeClr val="accent1">
+              <a:shade val="50000"/>
+            </a:schemeClr>
+          </a:lnRef>
+          <a:fillRef idx="1">
+            <a:schemeClr val="accent1"/>
+          </a:fillRef>
+          <a:effectRef idx="0">
+            <a:schemeClr val="accent1"/>
+          </a:effectRef>
+          <a:fontRef idx="minor">
+            <a:schemeClr val="lt1"/>
+          </a:fontRef>
+        </p:style>
+        <p:txBody>
+          <a:bodyPr rtlCol="0" anchor="ctr"/>
+          <a:lstStyle/>
+          <a:p>
+            <a:pPr algn="ctr"/>
+            <a:endParaRPr kumimoji="1" lang="ja-JP" altLang="en-US"/>
+          </a:p>
+        </p:txBody>
+      </p:sp>
+      <p:sp>
+        <p:nvSpPr>
+          <p:cNvPr id="18" name="テキスト ボックス 17"/>
+          <p:cNvSpPr txBox="1"/>
+          <p:nvPr/>
+        </p:nvSpPr>
+        <p:spPr>
+          <a:xfrm>
+            <a:off x="9945716" y="2611942"/>
+            <a:ext cx="543739" cy="307777"/>
+          </a:xfrm>
+          <a:prstGeom prst="rect">
+            <a:avLst/>
+          </a:prstGeom>
+          <a:noFill/>
+        </p:spPr>
+        <p:txBody>
+          <a:bodyPr wrap="none" rtlCol="0">
+            <a:spAutoFit/>
+          </a:bodyPr>
+          <a:lstStyle/>
+          <a:p>
+            <a:r>
+              <a:rPr kumimoji="1" lang="ja-JP" altLang="en-US" sz="1400" dirty="0" smtClean="0"/>
+              <a:t>凡例</a:t>
+            </a:r>
+            <a:endParaRPr kumimoji="1" lang="ja-JP" altLang="en-US" sz="1400" dirty="0"/>
+          </a:p>
+        </p:txBody>
+      </p:sp>
+      <p:sp>
+        <p:nvSpPr>
+          <p:cNvPr id="22" name="正方形/長方形 21"/>
+          <p:cNvSpPr/>
+          <p:nvPr/>
+        </p:nvSpPr>
+        <p:spPr>
+          <a:xfrm>
+            <a:off x="10143067" y="3125296"/>
+            <a:ext cx="496711" cy="261331"/>
+          </a:xfrm>
+          <a:prstGeom prst="rect">
+            <a:avLst/>
+          </a:prstGeom>
+          <a:noFill/>
+          <a:ln>
+            <a:solidFill>
+              <a:schemeClr val="tx1"/>
+            </a:solidFill>
+          </a:ln>
+        </p:spPr>
+        <p:style>
+          <a:lnRef idx="2">
+            <a:schemeClr val="accent1">
+              <a:shade val="50000"/>
+            </a:schemeClr>
+          </a:lnRef>
+          <a:fillRef idx="1">
+            <a:schemeClr val="accent1"/>
+          </a:fillRef>
+          <a:effectRef idx="0">
+            <a:schemeClr val="accent1"/>
+          </a:effectRef>
+          <a:fontRef idx="minor">
+            <a:schemeClr val="lt1"/>
+          </a:fontRef>
+        </p:style>
+        <p:txBody>
+          <a:bodyPr rtlCol="0" anchor="ctr"/>
+          <a:lstStyle/>
+          <a:p>
+            <a:pPr algn="ctr"/>
+            <a:endParaRPr kumimoji="1" lang="ja-JP" altLang="en-US"/>
+          </a:p>
+        </p:txBody>
+      </p:sp>
+      <p:sp>
+        <p:nvSpPr>
+          <p:cNvPr id="24" name="テキスト ボックス 23"/>
+          <p:cNvSpPr txBox="1"/>
+          <p:nvPr/>
+        </p:nvSpPr>
+        <p:spPr>
+          <a:xfrm>
+            <a:off x="10904867" y="3159177"/>
+            <a:ext cx="920445" cy="253916"/>
+          </a:xfrm>
+          <a:prstGeom prst="rect">
+            <a:avLst/>
+          </a:prstGeom>
+          <a:noFill/>
+        </p:spPr>
+        <p:txBody>
+          <a:bodyPr wrap="none" rtlCol="0">
+            <a:spAutoFit/>
+          </a:bodyPr>
+          <a:lstStyle/>
+          <a:p>
+            <a:r>
+              <a:rPr lang="ja-JP" altLang="en-US" sz="1050" dirty="0" smtClean="0"/>
+              <a:t>サーバ・端末</a:t>
+            </a:r>
+            <a:endParaRPr kumimoji="1" lang="ja-JP" altLang="en-US" sz="1050" dirty="0"/>
+          </a:p>
+        </p:txBody>
+      </p:sp>
+      <p:sp>
+        <p:nvSpPr>
+          <p:cNvPr id="29" name="円/楕円 28"/>
+          <p:cNvSpPr/>
+          <p:nvPr/>
+        </p:nvSpPr>
+        <p:spPr>
+          <a:xfrm>
+            <a:off x="10267402" y="3651943"/>
+            <a:ext cx="248039" cy="248039"/>
+          </a:xfrm>
+          <a:prstGeom prst="ellipse">
+            <a:avLst/>
+          </a:prstGeom>
+          <a:solidFill>
+            <a:schemeClr val="accent1">
+              <a:lumMod val="60000"/>
+              <a:lumOff val="40000"/>
+            </a:schemeClr>
+          </a:solidFill>
+          <a:ln>
+            <a:solidFill>
+              <a:schemeClr val="tx1"/>
+            </a:solidFill>
+          </a:ln>
+        </p:spPr>
+        <p:style>
+          <a:lnRef idx="2">
+            <a:schemeClr val="accent1">
+              <a:shade val="50000"/>
+            </a:schemeClr>
+          </a:lnRef>
+          <a:fillRef idx="1">
+            <a:schemeClr val="accent1"/>
+          </a:fillRef>
+          <a:effectRef idx="0">
+            <a:schemeClr val="accent1"/>
+          </a:effectRef>
+          <a:fontRef idx="minor">
+            <a:schemeClr val="lt1"/>
+          </a:fontRef>
+        </p:style>
+        <p:txBody>
+          <a:bodyPr rtlCol="0" anchor="ctr"/>
+          <a:lstStyle/>
+          <a:p>
+            <a:pPr algn="ctr"/>
+            <a:endParaRPr kumimoji="1" lang="ja-JP" altLang="en-US"/>
+          </a:p>
+        </p:txBody>
+      </p:sp>
+      <p:sp>
+        <p:nvSpPr>
+          <p:cNvPr id="30" name="円/楕円 29"/>
+          <p:cNvSpPr/>
+          <p:nvPr/>
+        </p:nvSpPr>
+        <p:spPr>
+          <a:xfrm>
+            <a:off x="10267402" y="4067422"/>
+            <a:ext cx="248039" cy="248039"/>
+          </a:xfrm>
+          <a:prstGeom prst="ellipse">
+            <a:avLst/>
+          </a:prstGeom>
+          <a:solidFill>
+            <a:schemeClr val="accent2">
+              <a:lumMod val="60000"/>
+              <a:lumOff val="40000"/>
+            </a:schemeClr>
+          </a:solidFill>
+          <a:ln>
+            <a:solidFill>
+              <a:schemeClr val="tx1"/>
+            </a:solidFill>
+          </a:ln>
+        </p:spPr>
+        <p:style>
+          <a:lnRef idx="2">
+            <a:schemeClr val="accent1">
+              <a:shade val="50000"/>
+            </a:schemeClr>
+          </a:lnRef>
+          <a:fillRef idx="1">
+            <a:schemeClr val="accent1"/>
+          </a:fillRef>
+          <a:effectRef idx="0">
+            <a:schemeClr val="accent1"/>
+          </a:effectRef>
+          <a:fontRef idx="minor">
+            <a:schemeClr val="lt1"/>
+          </a:fontRef>
+        </p:style>
+        <p:txBody>
+          <a:bodyPr rtlCol="0" anchor="ctr"/>
+          <a:lstStyle/>
+          <a:p>
+            <a:pPr algn="ctr"/>
+            <a:endParaRPr kumimoji="1" lang="ja-JP" altLang="en-US"/>
+          </a:p>
+        </p:txBody>
+      </p:sp>
+      <p:sp>
+        <p:nvSpPr>
+          <p:cNvPr id="31" name="円/楕円 30"/>
+          <p:cNvSpPr/>
+          <p:nvPr/>
+        </p:nvSpPr>
+        <p:spPr>
+          <a:xfrm>
+            <a:off x="10267402" y="4466628"/>
+            <a:ext cx="248039" cy="248039"/>
+          </a:xfrm>
+          <a:prstGeom prst="ellipse">
+            <a:avLst/>
+          </a:prstGeom>
+          <a:solidFill>
+            <a:schemeClr val="accent6">
+              <a:lumMod val="60000"/>
+              <a:lumOff val="40000"/>
+            </a:schemeClr>
+          </a:solidFill>
+          <a:ln>
+            <a:solidFill>
+              <a:schemeClr val="tx1"/>
+            </a:solidFill>
+          </a:ln>
+        </p:spPr>
+        <p:style>
+          <a:lnRef idx="2">
+            <a:schemeClr val="accent1">
+              <a:shade val="50000"/>
+            </a:schemeClr>
+          </a:lnRef>
+          <a:fillRef idx="1">
+            <a:schemeClr val="accent1"/>
+          </a:fillRef>
+          <a:effectRef idx="0">
+            <a:schemeClr val="accent1"/>
+          </a:effectRef>
+          <a:fontRef idx="minor">
+            <a:schemeClr val="lt1"/>
+          </a:fontRef>
+        </p:style>
+        <p:txBody>
+          <a:bodyPr rtlCol="0" anchor="ctr"/>
+          <a:lstStyle/>
+          <a:p>
+            <a:pPr algn="ctr"/>
+            <a:endParaRPr kumimoji="1" lang="ja-JP" altLang="en-US"/>
+          </a:p>
+        </p:txBody>
+      </p:sp>
+      <p:sp>
+        <p:nvSpPr>
+          <p:cNvPr id="32" name="円/楕円 31"/>
+          <p:cNvSpPr/>
+          <p:nvPr/>
+        </p:nvSpPr>
+        <p:spPr>
+          <a:xfrm>
+            <a:off x="1536350" y="2509894"/>
+            <a:ext cx="124019" cy="124019"/>
+          </a:xfrm>
+          <a:prstGeom prst="ellipse">
+            <a:avLst/>
+          </a:prstGeom>
+          <a:solidFill>
+            <a:schemeClr val="accent1">
+              <a:lumMod val="60000"/>
+              <a:lumOff val="40000"/>
+            </a:schemeClr>
+          </a:solidFill>
+          <a:ln>
+            <a:solidFill>
+              <a:schemeClr val="tx1"/>
+            </a:solidFill>
+          </a:ln>
+        </p:spPr>
+        <p:style>
+          <a:lnRef idx="2">
+            <a:schemeClr val="accent1">
+              <a:shade val="50000"/>
+            </a:schemeClr>
+          </a:lnRef>
+          <a:fillRef idx="1">
+            <a:schemeClr val="accent1"/>
+          </a:fillRef>
+          <a:effectRef idx="0">
+            <a:schemeClr val="accent1"/>
+          </a:effectRef>
+          <a:fontRef idx="minor">
+            <a:schemeClr val="lt1"/>
+          </a:fontRef>
+        </p:style>
+        <p:txBody>
+          <a:bodyPr rtlCol="0" anchor="ctr"/>
+          <a:lstStyle/>
+          <a:p>
+            <a:pPr algn="ctr"/>
+            <a:endParaRPr kumimoji="1" lang="ja-JP" altLang="en-US"/>
+          </a:p>
+        </p:txBody>
+      </p:sp>
+      <p:cxnSp>
+        <p:nvCxnSpPr>
+          <p:cNvPr id="34" name="直線矢印コネクタ 33"/>
+          <p:cNvCxnSpPr>
+            <a:stCxn id="32" idx="6"/>
+            <a:endCxn id="35" idx="2"/>
+          </p:cNvCxnSpPr>
+          <p:nvPr/>
+        </p:nvCxnSpPr>
+        <p:spPr>
+          <a:xfrm flipV="1">
+            <a:off x="1660369" y="2569157"/>
+            <a:ext cx="1496694" cy="2747"/>
+          </a:xfrm>
+          <a:prstGeom prst="straightConnector1">
+            <a:avLst/>
+          </a:prstGeom>
+          <a:ln>
+            <a:solidFill>
+              <a:schemeClr val="tx1"/>
+            </a:solidFill>
+            <a:tailEnd type="triangle"/>
+          </a:ln>
+        </p:spPr>
+        <p:style>
+          <a:lnRef idx="1">
+            <a:schemeClr val="accent1"/>
+          </a:lnRef>
+          <a:fillRef idx="0">
+            <a:schemeClr val="accent1"/>
+          </a:fillRef>
+          <a:effectRef idx="0">
+            <a:schemeClr val="accent1"/>
+          </a:effectRef>
+          <a:fontRef idx="minor">
+            <a:schemeClr val="tx1"/>
+          </a:fontRef>
+        </p:style>
+      </p:cxnSp>
+      <p:sp>
+        <p:nvSpPr>
+          <p:cNvPr id="35" name="円/楕円 34"/>
+          <p:cNvSpPr/>
+          <p:nvPr/>
+        </p:nvSpPr>
+        <p:spPr>
+          <a:xfrm>
+            <a:off x="3157063" y="2504400"/>
+            <a:ext cx="129513" cy="129513"/>
+          </a:xfrm>
+          <a:prstGeom prst="ellipse">
+            <a:avLst/>
+          </a:prstGeom>
+          <a:solidFill>
+            <a:schemeClr val="accent2">
+              <a:lumMod val="60000"/>
+              <a:lumOff val="40000"/>
+            </a:schemeClr>
+          </a:solidFill>
+          <a:ln>
+            <a:solidFill>
+              <a:schemeClr val="tx1"/>
+            </a:solidFill>
+          </a:ln>
+        </p:spPr>
+        <p:style>
+          <a:lnRef idx="2">
+            <a:schemeClr val="accent1">
+              <a:shade val="50000"/>
+            </a:schemeClr>
+          </a:lnRef>
+          <a:fillRef idx="1">
+            <a:schemeClr val="accent1"/>
+          </a:fillRef>
+          <a:effectRef idx="0">
+            <a:schemeClr val="accent1"/>
+          </a:effectRef>
+          <a:fontRef idx="minor">
+            <a:schemeClr val="lt1"/>
+          </a:fontRef>
+        </p:style>
+        <p:txBody>
+          <a:bodyPr rtlCol="0" anchor="ctr"/>
+          <a:lstStyle/>
+          <a:p>
+            <a:pPr algn="ctr"/>
+            <a:endParaRPr kumimoji="1" lang="ja-JP" altLang="en-US"/>
+          </a:p>
+        </p:txBody>
+      </p:sp>
+      <p:sp>
+        <p:nvSpPr>
+          <p:cNvPr id="36" name="円/楕円 35"/>
+          <p:cNvSpPr/>
+          <p:nvPr/>
+        </p:nvSpPr>
+        <p:spPr>
+          <a:xfrm>
+            <a:off x="4793878" y="2509332"/>
+            <a:ext cx="124018" cy="124018"/>
+          </a:xfrm>
+          <a:prstGeom prst="ellipse">
+            <a:avLst/>
+          </a:prstGeom>
+          <a:solidFill>
+            <a:schemeClr val="accent6">
+              <a:lumMod val="60000"/>
+              <a:lumOff val="40000"/>
+            </a:schemeClr>
+          </a:solidFill>
+          <a:ln>
+            <a:solidFill>
+              <a:schemeClr val="tx1"/>
+            </a:solidFill>
+          </a:ln>
+        </p:spPr>
+        <p:style>
+          <a:lnRef idx="2">
+            <a:schemeClr val="accent1">
+              <a:shade val="50000"/>
+            </a:schemeClr>
+          </a:lnRef>
+          <a:fillRef idx="1">
+            <a:schemeClr val="accent1"/>
+          </a:fillRef>
+          <a:effectRef idx="0">
+            <a:schemeClr val="accent1"/>
+          </a:effectRef>
+          <a:fontRef idx="minor">
+            <a:schemeClr val="lt1"/>
+          </a:fontRef>
+        </p:style>
+        <p:txBody>
+          <a:bodyPr rtlCol="0" anchor="ctr"/>
+          <a:lstStyle/>
+          <a:p>
+            <a:pPr algn="ctr"/>
+            <a:endParaRPr kumimoji="1" lang="ja-JP" altLang="en-US"/>
+          </a:p>
+        </p:txBody>
+      </p:sp>
+      <p:cxnSp>
+        <p:nvCxnSpPr>
+          <p:cNvPr id="39" name="直線矢印コネクタ 38"/>
+          <p:cNvCxnSpPr>
+            <a:stCxn id="35" idx="6"/>
+            <a:endCxn id="36" idx="2"/>
+          </p:cNvCxnSpPr>
+          <p:nvPr/>
+        </p:nvCxnSpPr>
+        <p:spPr>
+          <a:xfrm>
+            <a:off x="3286576" y="2569157"/>
+            <a:ext cx="1507302" cy="2184"/>
+          </a:xfrm>
+          <a:prstGeom prst="straightConnector1">
+            <a:avLst/>
+          </a:prstGeom>
+          <a:ln>
+            <a:solidFill>
+              <a:schemeClr val="tx1"/>
+            </a:solidFill>
+            <a:tailEnd type="triangle"/>
+          </a:ln>
+        </p:spPr>
+        <p:style>
+          <a:lnRef idx="1">
+            <a:schemeClr val="accent1"/>
+          </a:lnRef>
+          <a:fillRef idx="0">
+            <a:schemeClr val="accent1"/>
+          </a:fillRef>
+          <a:effectRef idx="0">
+            <a:schemeClr val="accent1"/>
+          </a:effectRef>
+          <a:fontRef idx="minor">
+            <a:schemeClr val="tx1"/>
+          </a:fontRef>
+        </p:style>
+      </p:cxnSp>
+      <p:sp>
+        <p:nvSpPr>
+          <p:cNvPr id="42" name="円/楕円 41"/>
+          <p:cNvSpPr/>
+          <p:nvPr/>
+        </p:nvSpPr>
+        <p:spPr>
+          <a:xfrm>
+            <a:off x="6425198" y="2509332"/>
+            <a:ext cx="124018" cy="124018"/>
+          </a:xfrm>
+          <a:prstGeom prst="ellipse">
+            <a:avLst/>
+          </a:prstGeom>
+          <a:solidFill>
+            <a:schemeClr val="accent6">
+              <a:lumMod val="60000"/>
+              <a:lumOff val="40000"/>
+            </a:schemeClr>
+          </a:solidFill>
+          <a:ln>
+            <a:solidFill>
+              <a:schemeClr val="tx1"/>
+            </a:solidFill>
+          </a:ln>
+        </p:spPr>
+        <p:style>
+          <a:lnRef idx="2">
+            <a:schemeClr val="accent1">
+              <a:shade val="50000"/>
+            </a:schemeClr>
+          </a:lnRef>
+          <a:fillRef idx="1">
+            <a:schemeClr val="accent1"/>
+          </a:fillRef>
+          <a:effectRef idx="0">
+            <a:schemeClr val="accent1"/>
+          </a:effectRef>
+          <a:fontRef idx="minor">
+            <a:schemeClr val="lt1"/>
+          </a:fontRef>
+        </p:style>
+        <p:txBody>
+          <a:bodyPr rtlCol="0" anchor="ctr"/>
+          <a:lstStyle/>
+          <a:p>
+            <a:pPr algn="ctr"/>
+            <a:endParaRPr kumimoji="1" lang="ja-JP" altLang="en-US"/>
+          </a:p>
+        </p:txBody>
+      </p:sp>
+      <p:sp>
+        <p:nvSpPr>
+          <p:cNvPr id="43" name="テキスト ボックス 42"/>
+          <p:cNvSpPr txBox="1"/>
+          <p:nvPr/>
+        </p:nvSpPr>
+        <p:spPr>
+          <a:xfrm>
+            <a:off x="10904867" y="3646066"/>
+            <a:ext cx="545342" cy="253916"/>
+          </a:xfrm>
+          <a:prstGeom prst="rect">
+            <a:avLst/>
+          </a:prstGeom>
+          <a:noFill/>
+        </p:spPr>
+        <p:txBody>
+          <a:bodyPr wrap="none" rtlCol="0">
+            <a:spAutoFit/>
+          </a:bodyPr>
+          <a:lstStyle/>
+          <a:p>
+            <a:r>
+              <a:rPr lang="ja-JP" altLang="en-US" sz="1050" dirty="0" smtClean="0"/>
+              <a:t>凡例１</a:t>
+            </a:r>
+            <a:endParaRPr kumimoji="1" lang="ja-JP" altLang="en-US" sz="1050" dirty="0"/>
+          </a:p>
+        </p:txBody>
+      </p:sp>
+      <p:sp>
+        <p:nvSpPr>
+          <p:cNvPr id="44" name="テキスト ボックス 43"/>
+          <p:cNvSpPr txBox="1"/>
+          <p:nvPr/>
+        </p:nvSpPr>
+        <p:spPr>
+          <a:xfrm>
+            <a:off x="10923972" y="4081901"/>
+            <a:ext cx="545342" cy="253916"/>
+          </a:xfrm>
+          <a:prstGeom prst="rect">
+            <a:avLst/>
+          </a:prstGeom>
+          <a:noFill/>
+        </p:spPr>
+        <p:txBody>
+          <a:bodyPr wrap="none" rtlCol="0">
+            <a:spAutoFit/>
+          </a:bodyPr>
+          <a:lstStyle/>
+          <a:p>
+            <a:r>
+              <a:rPr lang="ja-JP" altLang="en-US" sz="1050" dirty="0" smtClean="0"/>
+              <a:t>凡例２</a:t>
+            </a:r>
+            <a:endParaRPr kumimoji="1" lang="ja-JP" altLang="en-US" sz="1050" dirty="0"/>
+          </a:p>
+        </p:txBody>
+      </p:sp>
+      <p:sp>
+        <p:nvSpPr>
+          <p:cNvPr id="45" name="テキスト ボックス 44"/>
+          <p:cNvSpPr txBox="1"/>
+          <p:nvPr/>
+        </p:nvSpPr>
+        <p:spPr>
+          <a:xfrm>
+            <a:off x="10923972" y="4462148"/>
+            <a:ext cx="545342" cy="253916"/>
+          </a:xfrm>
+          <a:prstGeom prst="rect">
+            <a:avLst/>
+          </a:prstGeom>
+          <a:noFill/>
+        </p:spPr>
+        <p:txBody>
+          <a:bodyPr wrap="none" rtlCol="0">
+            <a:spAutoFit/>
+          </a:bodyPr>
+          <a:lstStyle/>
+          <a:p>
+            <a:r>
+              <a:rPr lang="ja-JP" altLang="en-US" sz="1050" dirty="0" smtClean="0"/>
+              <a:t>凡例３</a:t>
+            </a:r>
+            <a:endParaRPr kumimoji="1" lang="ja-JP" altLang="en-US" sz="1050" dirty="0"/>
+          </a:p>
+        </p:txBody>
+      </p:sp>
+      <p:cxnSp>
+        <p:nvCxnSpPr>
+          <p:cNvPr id="46" name="直線矢印コネクタ 45"/>
+          <p:cNvCxnSpPr>
+            <a:stCxn id="36" idx="6"/>
+            <a:endCxn id="42" idx="2"/>
+          </p:cNvCxnSpPr>
+          <p:nvPr/>
+        </p:nvCxnSpPr>
+        <p:spPr>
+          <a:xfrm>
+            <a:off x="4917896" y="2571341"/>
+            <a:ext cx="1507302" cy="0"/>
+          </a:xfrm>
+          <a:prstGeom prst="straightConnector1">
+            <a:avLst/>
+          </a:prstGeom>
+          <a:ln>
+            <a:solidFill>
+              <a:schemeClr val="tx1"/>
+            </a:solidFill>
+            <a:tailEnd type="triangle"/>
+          </a:ln>
+        </p:spPr>
+        <p:style>
+          <a:lnRef idx="1">
+            <a:schemeClr val="accent1"/>
+          </a:lnRef>
+          <a:fillRef idx="0">
+            <a:schemeClr val="accent1"/>
+          </a:fillRef>
+          <a:effectRef idx="0">
+            <a:schemeClr val="accent1"/>
+          </a:effectRef>
+          <a:fontRef idx="minor">
+            <a:schemeClr val="tx1"/>
+          </a:fontRef>
+        </p:style>
+      </p:cxnSp>
+      <p:sp>
+        <p:nvSpPr>
+          <p:cNvPr id="49" name="円/楕円 48"/>
+          <p:cNvSpPr/>
+          <p:nvPr/>
+        </p:nvSpPr>
+        <p:spPr>
+          <a:xfrm>
+            <a:off x="8058032" y="3034175"/>
+            <a:ext cx="124018" cy="124018"/>
+          </a:xfrm>
+          <a:prstGeom prst="ellipse">
+            <a:avLst/>
+          </a:prstGeom>
+          <a:solidFill>
+            <a:schemeClr val="accent6">
+              <a:lumMod val="60000"/>
+              <a:lumOff val="40000"/>
+            </a:schemeClr>
+          </a:solidFill>
+          <a:ln>
+            <a:solidFill>
+              <a:schemeClr val="tx1"/>
+            </a:solidFill>
+          </a:ln>
+        </p:spPr>
+        <p:style>
+          <a:lnRef idx="2">
+            <a:schemeClr val="accent1">
+              <a:shade val="50000"/>
+            </a:schemeClr>
+          </a:lnRef>
+          <a:fillRef idx="1">
+            <a:schemeClr val="accent1"/>
+          </a:fillRef>
+          <a:effectRef idx="0">
+            <a:schemeClr val="accent1"/>
+          </a:effectRef>
+          <a:fontRef idx="minor">
+            <a:schemeClr val="lt1"/>
+          </a:fontRef>
+        </p:style>
+        <p:txBody>
+          <a:bodyPr rtlCol="0" anchor="ctr"/>
+          <a:lstStyle/>
+          <a:p>
+            <a:pPr algn="ctr"/>
+            <a:endParaRPr kumimoji="1" lang="ja-JP" altLang="en-US"/>
+          </a:p>
+        </p:txBody>
+      </p:sp>
+      <p:cxnSp>
+        <p:nvCxnSpPr>
+          <p:cNvPr id="50" name="直線矢印コネクタ 49"/>
+          <p:cNvCxnSpPr>
+            <a:stCxn id="36" idx="6"/>
+            <a:endCxn id="49" idx="2"/>
+          </p:cNvCxnSpPr>
+          <p:nvPr/>
+        </p:nvCxnSpPr>
+        <p:spPr>
+          <a:xfrm>
+            <a:off x="4917896" y="2571341"/>
+            <a:ext cx="3140136" cy="524843"/>
+          </a:xfrm>
+          <a:prstGeom prst="straightConnector1">
+            <a:avLst/>
+          </a:prstGeom>
+          <a:ln>
+            <a:solidFill>
+              <a:schemeClr val="tx1"/>
+            </a:solidFill>
+            <a:tailEnd type="triangle"/>
+          </a:ln>
+        </p:spPr>
+        <p:style>
+          <a:lnRef idx="1">
+            <a:schemeClr val="accent1"/>
+          </a:lnRef>
+          <a:fillRef idx="0">
+            <a:schemeClr val="accent1"/>
+          </a:fillRef>
+          <a:effectRef idx="0">
+            <a:schemeClr val="accent1"/>
+          </a:effectRef>
+          <a:fontRef idx="minor">
+            <a:schemeClr val="tx1"/>
+          </a:fontRef>
+        </p:style>
+      </p:cxnSp>
+      <p:sp>
+        <p:nvSpPr>
+          <p:cNvPr id="53" name="円/楕円 52"/>
+          <p:cNvSpPr/>
+          <p:nvPr/>
+        </p:nvSpPr>
+        <p:spPr>
+          <a:xfrm>
+            <a:off x="9682624" y="3034175"/>
+            <a:ext cx="129513" cy="129513"/>
+          </a:xfrm>
+          <a:prstGeom prst="ellipse">
+            <a:avLst/>
+          </a:prstGeom>
+          <a:solidFill>
+            <a:schemeClr val="accent2">
+              <a:lumMod val="60000"/>
+              <a:lumOff val="40000"/>
+            </a:schemeClr>
+          </a:solidFill>
+          <a:ln>
+            <a:solidFill>
+              <a:schemeClr val="tx1"/>
+            </a:solidFill>
+          </a:ln>
+        </p:spPr>
+        <p:style>
+          <a:lnRef idx="2">
+            <a:schemeClr val="accent1">
+              <a:shade val="50000"/>
+            </a:schemeClr>
+          </a:lnRef>
+          <a:fillRef idx="1">
+            <a:schemeClr val="accent1"/>
+          </a:fillRef>
+          <a:effectRef idx="0">
+            <a:schemeClr val="accent1"/>
+          </a:effectRef>
+          <a:fontRef idx="minor">
+            <a:schemeClr val="lt1"/>
+          </a:fontRef>
+        </p:style>
+        <p:txBody>
+          <a:bodyPr rtlCol="0" anchor="ctr"/>
+          <a:lstStyle/>
+          <a:p>
+            <a:pPr algn="ctr"/>
+            <a:endParaRPr kumimoji="1" lang="ja-JP" altLang="en-US"/>
+          </a:p>
+        </p:txBody>
+      </p:sp>
+      <p:cxnSp>
+        <p:nvCxnSpPr>
+          <p:cNvPr id="54" name="直線矢印コネクタ 53"/>
+          <p:cNvCxnSpPr>
+            <a:stCxn id="49" idx="6"/>
+            <a:endCxn id="53" idx="2"/>
+          </p:cNvCxnSpPr>
+          <p:nvPr/>
+        </p:nvCxnSpPr>
+        <p:spPr>
+          <a:xfrm>
+            <a:off x="8182050" y="3096184"/>
+            <a:ext cx="1500574" cy="2748"/>
+          </a:xfrm>
+          <a:prstGeom prst="straightConnector1">
+            <a:avLst/>
+          </a:prstGeom>
+          <a:ln>
+            <a:solidFill>
+              <a:schemeClr val="tx1"/>
+            </a:solidFill>
+            <a:tailEnd type="triangle"/>
+          </a:ln>
+        </p:spPr>
+        <p:style>
+          <a:lnRef idx="1">
+            <a:schemeClr val="accent1"/>
+          </a:lnRef>
+          <a:fillRef idx="0">
+            <a:schemeClr val="accent1"/>
+          </a:fillRef>
+          <a:effectRef idx="0">
+            <a:schemeClr val="accent1"/>
+          </a:effectRef>
+          <a:fontRef idx="minor">
+            <a:schemeClr val="tx1"/>
+          </a:fontRef>
+        </p:style>
+      </p:cxnSp>
+      <p:sp>
+        <p:nvSpPr>
+          <p:cNvPr id="59" name="コンテンツ プレースホルダー 2"/>
+          <p:cNvSpPr>
+            <a:spLocks noGrp="1"/>
+          </p:cNvSpPr>
+          <p:nvPr>
+            <p:ph idx="1"/>
+          </p:nvPr>
+        </p:nvSpPr>
+        <p:spPr>
+          <a:xfrm>
+            <a:off x="838200" y="5470167"/>
+            <a:ext cx="10515600" cy="1193099"/>
+          </a:xfrm>
+        </p:spPr>
+        <p:txBody>
+          <a:bodyPr>
+            <a:normAutofit/>
+          </a:bodyPr>
+          <a:lstStyle/>
+          <a:p>
+            <a:r>
+              <a:rPr kumimoji="1" lang="ja-JP" altLang="en-US" sz="2000" dirty="0" smtClean="0"/>
+              <a:t>サンプルの説明</a:t>
+            </a:r>
+            <a:endParaRPr lang="en-US" altLang="ja-JP" sz="2000" dirty="0"/>
+          </a:p>
+          <a:p>
+            <a:pPr lvl="1"/>
+            <a:r>
+              <a:rPr kumimoji="1" lang="ja-JP" altLang="en-US" sz="1800" dirty="0" smtClean="0"/>
+              <a:t>説明１</a:t>
+            </a:r>
+            <a:endParaRPr kumimoji="1" lang="en-US" altLang="ja-JP" sz="1800" dirty="0" smtClean="0"/>
+          </a:p>
+          <a:p>
+            <a:pPr lvl="1"/>
+            <a:r>
+              <a:rPr lang="ja-JP" altLang="en-US" sz="1800" dirty="0" smtClean="0"/>
+              <a:t>説明２</a:t>
+            </a:r>
+            <a:endParaRPr kumimoji="1" lang="ja-JP" altLang="en-US" sz="1800" dirty="0"/>
+          </a:p>
+        </p:txBody>
+      </p:sp>
+    </p:spTree>
+    <p:extLst>
+      <p:ext uri="{BB962C8B-B14F-4D97-AF65-F5344CB8AC3E}">
+        <p14:creationId xmlns:p14="http://schemas.microsoft.com/office/powerpoint/2010/main" val="1995440574"/>
+      </p:ext>
+    </p:extLst>
+  </p:cSld>
+  <p:clrMapOvr>
+    <a:masterClrMapping/>
+  </p:clrMapOvr>
+  <p:timing>
+    <p:tnLst>
+      <p:par>
+        <p:cTn id="1" dur="indefinite" restart="never" nodeType="tmRoot"/>
+      </p:par>
+    </p:tnLst>
+  </p:timing>
+</p:sld>
+</file>
+
 <file path=ppt/theme/theme1.xml><?xml version="1.0" encoding="utf-8"?>
 <a:theme xmlns:a="http://schemas.openxmlformats.org/drawingml/2006/main" name="Office テーマ">
   <a:themeElements>

--- a/designpattern/ネットワーク構成図サンプル.pptx
+++ b/designpattern/ネットワーク構成図サンプル.pptx
@@ -8,6 +8,9 @@
     <p:sldId id="257" r:id="rId2"/>
     <p:sldId id="258" r:id="rId3"/>
     <p:sldId id="259" r:id="rId4"/>
+    <p:sldId id="260" r:id="rId5"/>
+    <p:sldId id="262" r:id="rId6"/>
+    <p:sldId id="261" r:id="rId7"/>
   </p:sldIdLst>
   <p:sldSz cx="12192000" cy="6858000"/>
   <p:notesSz cx="6858000" cy="9144000"/>
@@ -245,7 +248,7 @@
           <a:p>
             <a:fld id="{C57B110C-4FE7-4366-A9F2-4B59E8A2E962}" type="datetimeFigureOut">
               <a:rPr kumimoji="1" lang="ja-JP" altLang="en-US" smtClean="0"/>
-              <a:t>2014/9/21</a:t>
+              <a:t>2014/9/28</a:t>
             </a:fld>
             <a:endParaRPr kumimoji="1" lang="ja-JP" altLang="en-US"/>
           </a:p>
@@ -447,7 +450,7 @@
           <a:p>
             <a:fld id="{C57B110C-4FE7-4366-A9F2-4B59E8A2E962}" type="datetimeFigureOut">
               <a:rPr kumimoji="1" lang="ja-JP" altLang="en-US" smtClean="0"/>
-              <a:t>2014/9/21</a:t>
+              <a:t>2014/9/28</a:t>
             </a:fld>
             <a:endParaRPr kumimoji="1" lang="ja-JP" altLang="en-US"/>
           </a:p>
@@ -659,7 +662,7 @@
           <a:p>
             <a:fld id="{C57B110C-4FE7-4366-A9F2-4B59E8A2E962}" type="datetimeFigureOut">
               <a:rPr kumimoji="1" lang="ja-JP" altLang="en-US" smtClean="0"/>
-              <a:t>2014/9/21</a:t>
+              <a:t>2014/9/28</a:t>
             </a:fld>
             <a:endParaRPr kumimoji="1" lang="ja-JP" altLang="en-US"/>
           </a:p>
@@ -861,7 +864,7 @@
           <a:p>
             <a:fld id="{C57B110C-4FE7-4366-A9F2-4B59E8A2E962}" type="datetimeFigureOut">
               <a:rPr kumimoji="1" lang="ja-JP" altLang="en-US" smtClean="0"/>
-              <a:t>2014/9/21</a:t>
+              <a:t>2014/9/28</a:t>
             </a:fld>
             <a:endParaRPr kumimoji="1" lang="ja-JP" altLang="en-US"/>
           </a:p>
@@ -1107,7 +1110,7 @@
           <a:p>
             <a:fld id="{C57B110C-4FE7-4366-A9F2-4B59E8A2E962}" type="datetimeFigureOut">
               <a:rPr kumimoji="1" lang="ja-JP" altLang="en-US" smtClean="0"/>
-              <a:t>2014/9/21</a:t>
+              <a:t>2014/9/28</a:t>
             </a:fld>
             <a:endParaRPr kumimoji="1" lang="ja-JP" altLang="en-US"/>
           </a:p>
@@ -1403,7 +1406,7 @@
           <a:p>
             <a:fld id="{C57B110C-4FE7-4366-A9F2-4B59E8A2E962}" type="datetimeFigureOut">
               <a:rPr kumimoji="1" lang="ja-JP" altLang="en-US" smtClean="0"/>
-              <a:t>2014/9/21</a:t>
+              <a:t>2014/9/28</a:t>
             </a:fld>
             <a:endParaRPr kumimoji="1" lang="ja-JP" altLang="en-US"/>
           </a:p>
@@ -1834,7 +1837,7 @@
           <a:p>
             <a:fld id="{C57B110C-4FE7-4366-A9F2-4B59E8A2E962}" type="datetimeFigureOut">
               <a:rPr kumimoji="1" lang="ja-JP" altLang="en-US" smtClean="0"/>
-              <a:t>2014/9/21</a:t>
+              <a:t>2014/9/28</a:t>
             </a:fld>
             <a:endParaRPr kumimoji="1" lang="ja-JP" altLang="en-US"/>
           </a:p>
@@ -1952,7 +1955,7 @@
           <a:p>
             <a:fld id="{C57B110C-4FE7-4366-A9F2-4B59E8A2E962}" type="datetimeFigureOut">
               <a:rPr kumimoji="1" lang="ja-JP" altLang="en-US" smtClean="0"/>
-              <a:t>2014/9/21</a:t>
+              <a:t>2014/9/28</a:t>
             </a:fld>
             <a:endParaRPr kumimoji="1" lang="ja-JP" altLang="en-US"/>
           </a:p>
@@ -2047,7 +2050,7 @@
           <a:p>
             <a:fld id="{C57B110C-4FE7-4366-A9F2-4B59E8A2E962}" type="datetimeFigureOut">
               <a:rPr kumimoji="1" lang="ja-JP" altLang="en-US" smtClean="0"/>
-              <a:t>2014/9/21</a:t>
+              <a:t>2014/9/28</a:t>
             </a:fld>
             <a:endParaRPr kumimoji="1" lang="ja-JP" altLang="en-US"/>
           </a:p>
@@ -2356,7 +2359,7 @@
           <a:p>
             <a:fld id="{C57B110C-4FE7-4366-A9F2-4B59E8A2E962}" type="datetimeFigureOut">
               <a:rPr kumimoji="1" lang="ja-JP" altLang="en-US" smtClean="0"/>
-              <a:t>2014/9/21</a:t>
+              <a:t>2014/9/28</a:t>
             </a:fld>
             <a:endParaRPr kumimoji="1" lang="ja-JP" altLang="en-US"/>
           </a:p>
@@ -2609,7 +2612,7 @@
           <a:p>
             <a:fld id="{C57B110C-4FE7-4366-A9F2-4B59E8A2E962}" type="datetimeFigureOut">
               <a:rPr kumimoji="1" lang="ja-JP" altLang="en-US" smtClean="0"/>
-              <a:t>2014/9/21</a:t>
+              <a:t>2014/9/28</a:t>
             </a:fld>
             <a:endParaRPr kumimoji="1" lang="ja-JP" altLang="en-US"/>
           </a:p>
@@ -2854,7 +2857,7 @@
           <a:p>
             <a:fld id="{C57B110C-4FE7-4366-A9F2-4B59E8A2E962}" type="datetimeFigureOut">
               <a:rPr kumimoji="1" lang="ja-JP" altLang="en-US" smtClean="0"/>
-              <a:t>2014/9/21</a:t>
+              <a:t>2014/9/28</a:t>
             </a:fld>
             <a:endParaRPr kumimoji="1" lang="ja-JP" altLang="en-US"/>
           </a:p>
@@ -10529,6 +10532,1176 @@
 </p:sld>
 </file>
 
+<file path=ppt/slides/slide4.xml><?xml version="1.0" encoding="utf-8"?>
+<p:sld xmlns:a="http://schemas.openxmlformats.org/drawingml/2006/main" xmlns:r="http://schemas.openxmlformats.org/officeDocument/2006/relationships" xmlns:p="http://schemas.openxmlformats.org/presentationml/2006/main">
+  <p:cSld>
+    <p:spTree>
+      <p:nvGrpSpPr>
+        <p:cNvPr id="1" name=""/>
+        <p:cNvGrpSpPr/>
+        <p:nvPr/>
+      </p:nvGrpSpPr>
+      <p:grpSpPr>
+        <a:xfrm>
+          <a:off x="0" y="0"/>
+          <a:ext cx="0" cy="0"/>
+          <a:chOff x="0" y="0"/>
+          <a:chExt cx="0" cy="0"/>
+        </a:xfrm>
+      </p:grpSpPr>
+      <p:sp>
+        <p:nvSpPr>
+          <p:cNvPr id="2" name="タイトル 1"/>
+          <p:cNvSpPr>
+            <a:spLocks noGrp="1"/>
+          </p:cNvSpPr>
+          <p:nvPr>
+            <p:ph type="title"/>
+          </p:nvPr>
+        </p:nvSpPr>
+        <p:spPr/>
+        <p:txBody>
+          <a:bodyPr/>
+          <a:lstStyle/>
+          <a:p>
+            <a:r>
+              <a:rPr lang="ja-JP" altLang="en-US" dirty="0" smtClean="0"/>
+              <a:t>ＰＣ、ネットワークアイコン</a:t>
+            </a:r>
+            <a:endParaRPr kumimoji="1" lang="ja-JP" altLang="en-US" dirty="0"/>
+          </a:p>
+        </p:txBody>
+      </p:sp>
+      <p:pic>
+        <p:nvPicPr>
+          <p:cNvPr id="4" name="図 3"/>
+          <p:cNvPicPr>
+            <a:picLocks noChangeAspect="1"/>
+          </p:cNvPicPr>
+          <p:nvPr/>
+        </p:nvPicPr>
+        <p:blipFill>
+          <a:blip r:embed="rId2">
+            <a:extLst>
+              <a:ext uri="{28A0092B-C50C-407E-A947-70E740481C1C}">
+                <a14:useLocalDpi xmlns:a14="http://schemas.microsoft.com/office/drawing/2010/main" val="0"/>
+              </a:ext>
+            </a:extLst>
+          </a:blip>
+          <a:stretch>
+            <a:fillRect/>
+          </a:stretch>
+        </p:blipFill>
+        <p:spPr>
+          <a:xfrm>
+            <a:off x="863085" y="5917165"/>
+            <a:ext cx="838703" cy="838703"/>
+          </a:xfrm>
+          <a:prstGeom prst="rect">
+            <a:avLst/>
+          </a:prstGeom>
+        </p:spPr>
+      </p:pic>
+      <p:pic>
+        <p:nvPicPr>
+          <p:cNvPr id="5" name="図 4"/>
+          <p:cNvPicPr>
+            <a:picLocks noChangeAspect="1"/>
+          </p:cNvPicPr>
+          <p:nvPr/>
+        </p:nvPicPr>
+        <p:blipFill>
+          <a:blip r:embed="rId3">
+            <a:extLst>
+              <a:ext uri="{28A0092B-C50C-407E-A947-70E740481C1C}">
+                <a14:useLocalDpi xmlns:a14="http://schemas.microsoft.com/office/drawing/2010/main" val="0"/>
+              </a:ext>
+            </a:extLst>
+          </a:blip>
+          <a:stretch>
+            <a:fillRect/>
+          </a:stretch>
+        </p:blipFill>
+        <p:spPr>
+          <a:xfrm>
+            <a:off x="2662388" y="3280708"/>
+            <a:ext cx="873649" cy="879473"/>
+          </a:xfrm>
+          <a:prstGeom prst="rect">
+            <a:avLst/>
+          </a:prstGeom>
+        </p:spPr>
+      </p:pic>
+      <p:pic>
+        <p:nvPicPr>
+          <p:cNvPr id="6" name="図 5"/>
+          <p:cNvPicPr>
+            <a:picLocks noChangeAspect="1"/>
+          </p:cNvPicPr>
+          <p:nvPr/>
+        </p:nvPicPr>
+        <p:blipFill>
+          <a:blip r:embed="rId4">
+            <a:extLst>
+              <a:ext uri="{28A0092B-C50C-407E-A947-70E740481C1C}">
+                <a14:useLocalDpi xmlns:a14="http://schemas.microsoft.com/office/drawing/2010/main" val="0"/>
+              </a:ext>
+            </a:extLst>
+          </a:blip>
+          <a:stretch>
+            <a:fillRect/>
+          </a:stretch>
+        </p:blipFill>
+        <p:spPr>
+          <a:xfrm>
+            <a:off x="2587313" y="1921584"/>
+            <a:ext cx="873649" cy="879473"/>
+          </a:xfrm>
+          <a:prstGeom prst="rect">
+            <a:avLst/>
+          </a:prstGeom>
+        </p:spPr>
+      </p:pic>
+      <p:pic>
+        <p:nvPicPr>
+          <p:cNvPr id="9" name="図 8"/>
+          <p:cNvPicPr>
+            <a:picLocks noChangeAspect="1"/>
+          </p:cNvPicPr>
+          <p:nvPr/>
+        </p:nvPicPr>
+        <p:blipFill>
+          <a:blip r:embed="rId5">
+            <a:extLst>
+              <a:ext uri="{28A0092B-C50C-407E-A947-70E740481C1C}">
+                <a14:useLocalDpi xmlns:a14="http://schemas.microsoft.com/office/drawing/2010/main" val="0"/>
+              </a:ext>
+            </a:extLst>
+          </a:blip>
+          <a:stretch>
+            <a:fillRect/>
+          </a:stretch>
+        </p:blipFill>
+        <p:spPr>
+          <a:xfrm>
+            <a:off x="10082071" y="3327254"/>
+            <a:ext cx="822266" cy="822266"/>
+          </a:xfrm>
+          <a:prstGeom prst="rect">
+            <a:avLst/>
+          </a:prstGeom>
+        </p:spPr>
+      </p:pic>
+      <p:pic>
+        <p:nvPicPr>
+          <p:cNvPr id="10" name="図 9"/>
+          <p:cNvPicPr>
+            <a:picLocks noChangeAspect="1"/>
+          </p:cNvPicPr>
+          <p:nvPr/>
+        </p:nvPicPr>
+        <p:blipFill>
+          <a:blip r:embed="rId6">
+            <a:extLst>
+              <a:ext uri="{28A0092B-C50C-407E-A947-70E740481C1C}">
+                <a14:useLocalDpi xmlns:a14="http://schemas.microsoft.com/office/drawing/2010/main" val="0"/>
+              </a:ext>
+            </a:extLst>
+          </a:blip>
+          <a:stretch>
+            <a:fillRect/>
+          </a:stretch>
+        </p:blipFill>
+        <p:spPr>
+          <a:xfrm>
+            <a:off x="2668360" y="5750201"/>
+            <a:ext cx="873649" cy="879473"/>
+          </a:xfrm>
+          <a:prstGeom prst="rect">
+            <a:avLst/>
+          </a:prstGeom>
+        </p:spPr>
+      </p:pic>
+      <p:pic>
+        <p:nvPicPr>
+          <p:cNvPr id="11" name="図 10"/>
+          <p:cNvPicPr>
+            <a:picLocks noChangeAspect="1"/>
+          </p:cNvPicPr>
+          <p:nvPr/>
+        </p:nvPicPr>
+        <p:blipFill>
+          <a:blip r:embed="rId7">
+            <a:extLst>
+              <a:ext uri="{28A0092B-C50C-407E-A947-70E740481C1C}">
+                <a14:useLocalDpi xmlns:a14="http://schemas.microsoft.com/office/drawing/2010/main" val="0"/>
+              </a:ext>
+            </a:extLst>
+          </a:blip>
+          <a:stretch>
+            <a:fillRect/>
+          </a:stretch>
+        </p:blipFill>
+        <p:spPr>
+          <a:xfrm>
+            <a:off x="2551542" y="4530424"/>
+            <a:ext cx="722141" cy="778356"/>
+          </a:xfrm>
+          <a:prstGeom prst="rect">
+            <a:avLst/>
+          </a:prstGeom>
+        </p:spPr>
+      </p:pic>
+      <p:pic>
+        <p:nvPicPr>
+          <p:cNvPr id="13" name="図 12"/>
+          <p:cNvPicPr>
+            <a:picLocks noChangeAspect="1"/>
+          </p:cNvPicPr>
+          <p:nvPr/>
+        </p:nvPicPr>
+        <p:blipFill>
+          <a:blip r:embed="rId8">
+            <a:extLst>
+              <a:ext uri="{28A0092B-C50C-407E-A947-70E740481C1C}">
+                <a14:useLocalDpi xmlns:a14="http://schemas.microsoft.com/office/drawing/2010/main" val="0"/>
+              </a:ext>
+            </a:extLst>
+          </a:blip>
+          <a:stretch>
+            <a:fillRect/>
+          </a:stretch>
+        </p:blipFill>
+        <p:spPr>
+          <a:xfrm>
+            <a:off x="4691481" y="3234163"/>
+            <a:ext cx="873649" cy="879473"/>
+          </a:xfrm>
+          <a:prstGeom prst="rect">
+            <a:avLst/>
+          </a:prstGeom>
+        </p:spPr>
+      </p:pic>
+      <p:pic>
+        <p:nvPicPr>
+          <p:cNvPr id="14" name="図 13"/>
+          <p:cNvPicPr>
+            <a:picLocks noChangeAspect="1"/>
+          </p:cNvPicPr>
+          <p:nvPr/>
+        </p:nvPicPr>
+        <p:blipFill>
+          <a:blip r:embed="rId9">
+            <a:extLst>
+              <a:ext uri="{28A0092B-C50C-407E-A947-70E740481C1C}">
+                <a14:useLocalDpi xmlns:a14="http://schemas.microsoft.com/office/drawing/2010/main" val="0"/>
+              </a:ext>
+            </a:extLst>
+          </a:blip>
+          <a:stretch>
+            <a:fillRect/>
+          </a:stretch>
+        </p:blipFill>
+        <p:spPr>
+          <a:xfrm>
+            <a:off x="4691481" y="1910501"/>
+            <a:ext cx="838703" cy="838703"/>
+          </a:xfrm>
+          <a:prstGeom prst="rect">
+            <a:avLst/>
+          </a:prstGeom>
+        </p:spPr>
+      </p:pic>
+      <p:pic>
+        <p:nvPicPr>
+          <p:cNvPr id="17" name="図 16"/>
+          <p:cNvPicPr>
+            <a:picLocks noChangeAspect="1"/>
+          </p:cNvPicPr>
+          <p:nvPr/>
+        </p:nvPicPr>
+        <p:blipFill>
+          <a:blip r:embed="rId10">
+            <a:extLst>
+              <a:ext uri="{28A0092B-C50C-407E-A947-70E740481C1C}">
+                <a14:useLocalDpi xmlns:a14="http://schemas.microsoft.com/office/drawing/2010/main" val="0"/>
+              </a:ext>
+            </a:extLst>
+          </a:blip>
+          <a:stretch>
+            <a:fillRect/>
+          </a:stretch>
+        </p:blipFill>
+        <p:spPr>
+          <a:xfrm>
+            <a:off x="915406" y="1950012"/>
+            <a:ext cx="786382" cy="786382"/>
+          </a:xfrm>
+          <a:prstGeom prst="rect">
+            <a:avLst/>
+          </a:prstGeom>
+        </p:spPr>
+      </p:pic>
+      <p:pic>
+        <p:nvPicPr>
+          <p:cNvPr id="18" name="図 17"/>
+          <p:cNvPicPr>
+            <a:picLocks noChangeAspect="1"/>
+          </p:cNvPicPr>
+          <p:nvPr/>
+        </p:nvPicPr>
+        <p:blipFill>
+          <a:blip r:embed="rId11" cstate="print">
+            <a:extLst>
+              <a:ext uri="{28A0092B-C50C-407E-A947-70E740481C1C}">
+                <a14:useLocalDpi xmlns:a14="http://schemas.microsoft.com/office/drawing/2010/main" val="0"/>
+              </a:ext>
+            </a:extLst>
+          </a:blip>
+          <a:stretch>
+            <a:fillRect/>
+          </a:stretch>
+        </p:blipFill>
+        <p:spPr>
+          <a:xfrm>
+            <a:off x="7592526" y="2076252"/>
+            <a:ext cx="807772" cy="660142"/>
+          </a:xfrm>
+          <a:prstGeom prst="rect">
+            <a:avLst/>
+          </a:prstGeom>
+        </p:spPr>
+      </p:pic>
+      <p:pic>
+        <p:nvPicPr>
+          <p:cNvPr id="19" name="図 18"/>
+          <p:cNvPicPr>
+            <a:picLocks noChangeAspect="1"/>
+          </p:cNvPicPr>
+          <p:nvPr/>
+        </p:nvPicPr>
+        <p:blipFill>
+          <a:blip r:embed="rId12">
+            <a:extLst>
+              <a:ext uri="{28A0092B-C50C-407E-A947-70E740481C1C}">
+                <a14:useLocalDpi xmlns:a14="http://schemas.microsoft.com/office/drawing/2010/main" val="0"/>
+              </a:ext>
+            </a:extLst>
+          </a:blip>
+          <a:stretch>
+            <a:fillRect/>
+          </a:stretch>
+        </p:blipFill>
+        <p:spPr>
+          <a:xfrm>
+            <a:off x="838200" y="4538530"/>
+            <a:ext cx="838703" cy="838703"/>
+          </a:xfrm>
+          <a:prstGeom prst="rect">
+            <a:avLst/>
+          </a:prstGeom>
+        </p:spPr>
+      </p:pic>
+      <p:pic>
+        <p:nvPicPr>
+          <p:cNvPr id="21" name="図 20"/>
+          <p:cNvPicPr>
+            <a:picLocks noChangeAspect="1"/>
+          </p:cNvPicPr>
+          <p:nvPr/>
+        </p:nvPicPr>
+        <p:blipFill>
+          <a:blip r:embed="rId13">
+            <a:extLst>
+              <a:ext uri="{28A0092B-C50C-407E-A947-70E740481C1C}">
+                <a14:useLocalDpi xmlns:a14="http://schemas.microsoft.com/office/drawing/2010/main" val="0"/>
+              </a:ext>
+            </a:extLst>
+          </a:blip>
+          <a:stretch>
+            <a:fillRect/>
+          </a:stretch>
+        </p:blipFill>
+        <p:spPr>
+          <a:xfrm>
+            <a:off x="915406" y="3327254"/>
+            <a:ext cx="786382" cy="786382"/>
+          </a:xfrm>
+          <a:prstGeom prst="rect">
+            <a:avLst/>
+          </a:prstGeom>
+        </p:spPr>
+      </p:pic>
+      <p:pic>
+        <p:nvPicPr>
+          <p:cNvPr id="24" name="図 23"/>
+          <p:cNvPicPr>
+            <a:picLocks noChangeAspect="1"/>
+          </p:cNvPicPr>
+          <p:nvPr/>
+        </p:nvPicPr>
+        <p:blipFill>
+          <a:blip r:embed="rId14">
+            <a:extLst>
+              <a:ext uri="{28A0092B-C50C-407E-A947-70E740481C1C}">
+                <a14:useLocalDpi xmlns:a14="http://schemas.microsoft.com/office/drawing/2010/main" val="0"/>
+              </a:ext>
+            </a:extLst>
+          </a:blip>
+          <a:stretch>
+            <a:fillRect/>
+          </a:stretch>
+        </p:blipFill>
+        <p:spPr>
+          <a:xfrm>
+            <a:off x="10065634" y="1912860"/>
+            <a:ext cx="838703" cy="838703"/>
+          </a:xfrm>
+          <a:prstGeom prst="rect">
+            <a:avLst/>
+          </a:prstGeom>
+        </p:spPr>
+      </p:pic>
+    </p:spTree>
+    <p:extLst>
+      <p:ext uri="{BB962C8B-B14F-4D97-AF65-F5344CB8AC3E}">
+        <p14:creationId xmlns:p14="http://schemas.microsoft.com/office/powerpoint/2010/main" val="1530546507"/>
+      </p:ext>
+    </p:extLst>
+  </p:cSld>
+  <p:clrMapOvr>
+    <a:masterClrMapping/>
+  </p:clrMapOvr>
+  <p:timing>
+    <p:tnLst>
+      <p:par>
+        <p:cTn id="1" dur="indefinite" restart="never" nodeType="tmRoot"/>
+      </p:par>
+    </p:tnLst>
+  </p:timing>
+</p:sld>
+</file>
+
+<file path=ppt/slides/slide5.xml><?xml version="1.0" encoding="utf-8"?>
+<p:sld xmlns:a="http://schemas.openxmlformats.org/drawingml/2006/main" xmlns:r="http://schemas.openxmlformats.org/officeDocument/2006/relationships" xmlns:p="http://schemas.openxmlformats.org/presentationml/2006/main">
+  <p:cSld>
+    <p:spTree>
+      <p:nvGrpSpPr>
+        <p:cNvPr id="1" name=""/>
+        <p:cNvGrpSpPr/>
+        <p:nvPr/>
+      </p:nvGrpSpPr>
+      <p:grpSpPr>
+        <a:xfrm>
+          <a:off x="0" y="0"/>
+          <a:ext cx="0" cy="0"/>
+          <a:chOff x="0" y="0"/>
+          <a:chExt cx="0" cy="0"/>
+        </a:xfrm>
+      </p:grpSpPr>
+      <p:sp>
+        <p:nvSpPr>
+          <p:cNvPr id="2" name="タイトル 1"/>
+          <p:cNvSpPr>
+            <a:spLocks noGrp="1"/>
+          </p:cNvSpPr>
+          <p:nvPr>
+            <p:ph type="title"/>
+          </p:nvPr>
+        </p:nvSpPr>
+        <p:spPr/>
+        <p:txBody>
+          <a:bodyPr/>
+          <a:lstStyle/>
+          <a:p>
+            <a:r>
+              <a:rPr kumimoji="1" lang="ja-JP" altLang="en-US" dirty="0" smtClean="0"/>
+              <a:t>アイコン</a:t>
+            </a:r>
+            <a:endParaRPr kumimoji="1" lang="ja-JP" altLang="en-US" dirty="0"/>
+          </a:p>
+        </p:txBody>
+      </p:sp>
+      <p:pic>
+        <p:nvPicPr>
+          <p:cNvPr id="4" name="図 3"/>
+          <p:cNvPicPr>
+            <a:picLocks noChangeAspect="1"/>
+          </p:cNvPicPr>
+          <p:nvPr/>
+        </p:nvPicPr>
+        <p:blipFill>
+          <a:blip r:embed="rId2">
+            <a:extLst>
+              <a:ext uri="{28A0092B-C50C-407E-A947-70E740481C1C}">
+                <a14:useLocalDpi xmlns:a14="http://schemas.microsoft.com/office/drawing/2010/main" val="0"/>
+              </a:ext>
+            </a:extLst>
+          </a:blip>
+          <a:stretch>
+            <a:fillRect/>
+          </a:stretch>
+        </p:blipFill>
+        <p:spPr>
+          <a:xfrm>
+            <a:off x="956504" y="1993919"/>
+            <a:ext cx="823383" cy="823383"/>
+          </a:xfrm>
+          <a:prstGeom prst="rect">
+            <a:avLst/>
+          </a:prstGeom>
+        </p:spPr>
+      </p:pic>
+      <p:pic>
+        <p:nvPicPr>
+          <p:cNvPr id="6" name="図 5"/>
+          <p:cNvPicPr>
+            <a:picLocks noChangeAspect="1"/>
+          </p:cNvPicPr>
+          <p:nvPr/>
+        </p:nvPicPr>
+        <p:blipFill>
+          <a:blip r:embed="rId3">
+            <a:extLst>
+              <a:ext uri="{28A0092B-C50C-407E-A947-70E740481C1C}">
+                <a14:useLocalDpi xmlns:a14="http://schemas.microsoft.com/office/drawing/2010/main" val="0"/>
+              </a:ext>
+            </a:extLst>
+          </a:blip>
+          <a:stretch>
+            <a:fillRect/>
+          </a:stretch>
+        </p:blipFill>
+        <p:spPr>
+          <a:xfrm>
+            <a:off x="956504" y="3395133"/>
+            <a:ext cx="823383" cy="823383"/>
+          </a:xfrm>
+          <a:prstGeom prst="rect">
+            <a:avLst/>
+          </a:prstGeom>
+        </p:spPr>
+      </p:pic>
+      <p:pic>
+        <p:nvPicPr>
+          <p:cNvPr id="7" name="図 6"/>
+          <p:cNvPicPr>
+            <a:picLocks noChangeAspect="1"/>
+          </p:cNvPicPr>
+          <p:nvPr/>
+        </p:nvPicPr>
+        <p:blipFill>
+          <a:blip r:embed="rId4">
+            <a:extLst>
+              <a:ext uri="{28A0092B-C50C-407E-A947-70E740481C1C}">
+                <a14:useLocalDpi xmlns:a14="http://schemas.microsoft.com/office/drawing/2010/main" val="0"/>
+              </a:ext>
+            </a:extLst>
+          </a:blip>
+          <a:stretch>
+            <a:fillRect/>
+          </a:stretch>
+        </p:blipFill>
+        <p:spPr>
+          <a:xfrm>
+            <a:off x="7646480" y="3557907"/>
+            <a:ext cx="772018" cy="772018"/>
+          </a:xfrm>
+          <a:prstGeom prst="rect">
+            <a:avLst/>
+          </a:prstGeom>
+        </p:spPr>
+      </p:pic>
+      <p:pic>
+        <p:nvPicPr>
+          <p:cNvPr id="8" name="図 7"/>
+          <p:cNvPicPr>
+            <a:picLocks noChangeAspect="1"/>
+          </p:cNvPicPr>
+          <p:nvPr/>
+        </p:nvPicPr>
+        <p:blipFill>
+          <a:blip r:embed="rId5">
+            <a:extLst>
+              <a:ext uri="{28A0092B-C50C-407E-A947-70E740481C1C}">
+                <a14:useLocalDpi xmlns:a14="http://schemas.microsoft.com/office/drawing/2010/main" val="0"/>
+              </a:ext>
+            </a:extLst>
+          </a:blip>
+          <a:stretch>
+            <a:fillRect/>
+          </a:stretch>
+        </p:blipFill>
+        <p:spPr>
+          <a:xfrm>
+            <a:off x="7516169" y="2100563"/>
+            <a:ext cx="823383" cy="823383"/>
+          </a:xfrm>
+          <a:prstGeom prst="rect">
+            <a:avLst/>
+          </a:prstGeom>
+        </p:spPr>
+      </p:pic>
+      <p:pic>
+        <p:nvPicPr>
+          <p:cNvPr id="9" name="図 8"/>
+          <p:cNvPicPr>
+            <a:picLocks noChangeAspect="1"/>
+          </p:cNvPicPr>
+          <p:nvPr/>
+        </p:nvPicPr>
+        <p:blipFill>
+          <a:blip r:embed="rId6">
+            <a:extLst>
+              <a:ext uri="{28A0092B-C50C-407E-A947-70E740481C1C}">
+                <a14:useLocalDpi xmlns:a14="http://schemas.microsoft.com/office/drawing/2010/main" val="0"/>
+              </a:ext>
+            </a:extLst>
+          </a:blip>
+          <a:stretch>
+            <a:fillRect/>
+          </a:stretch>
+        </p:blipFill>
+        <p:spPr>
+          <a:xfrm>
+            <a:off x="2956872" y="2100563"/>
+            <a:ext cx="823383" cy="823383"/>
+          </a:xfrm>
+          <a:prstGeom prst="rect">
+            <a:avLst/>
+          </a:prstGeom>
+        </p:spPr>
+      </p:pic>
+      <p:pic>
+        <p:nvPicPr>
+          <p:cNvPr id="10" name="図 9"/>
+          <p:cNvPicPr>
+            <a:picLocks noChangeAspect="1"/>
+          </p:cNvPicPr>
+          <p:nvPr/>
+        </p:nvPicPr>
+        <p:blipFill>
+          <a:blip r:embed="rId7">
+            <a:extLst>
+              <a:ext uri="{28A0092B-C50C-407E-A947-70E740481C1C}">
+                <a14:useLocalDpi xmlns:a14="http://schemas.microsoft.com/office/drawing/2010/main" val="0"/>
+              </a:ext>
+            </a:extLst>
+          </a:blip>
+          <a:stretch>
+            <a:fillRect/>
+          </a:stretch>
+        </p:blipFill>
+        <p:spPr>
+          <a:xfrm>
+            <a:off x="5310156" y="3395133"/>
+            <a:ext cx="823383" cy="823383"/>
+          </a:xfrm>
+          <a:prstGeom prst="rect">
+            <a:avLst/>
+          </a:prstGeom>
+        </p:spPr>
+      </p:pic>
+      <p:pic>
+        <p:nvPicPr>
+          <p:cNvPr id="11" name="図 10"/>
+          <p:cNvPicPr>
+            <a:picLocks noChangeAspect="1"/>
+          </p:cNvPicPr>
+          <p:nvPr/>
+        </p:nvPicPr>
+        <p:blipFill>
+          <a:blip r:embed="rId8">
+            <a:extLst>
+              <a:ext uri="{28A0092B-C50C-407E-A947-70E740481C1C}">
+                <a14:useLocalDpi xmlns:a14="http://schemas.microsoft.com/office/drawing/2010/main" val="0"/>
+              </a:ext>
+            </a:extLst>
+          </a:blip>
+          <a:stretch>
+            <a:fillRect/>
+          </a:stretch>
+        </p:blipFill>
+        <p:spPr>
+          <a:xfrm>
+            <a:off x="5310156" y="1973905"/>
+            <a:ext cx="857691" cy="863409"/>
+          </a:xfrm>
+          <a:prstGeom prst="rect">
+            <a:avLst/>
+          </a:prstGeom>
+        </p:spPr>
+      </p:pic>
+      <p:pic>
+        <p:nvPicPr>
+          <p:cNvPr id="12" name="図 11"/>
+          <p:cNvPicPr>
+            <a:picLocks noChangeAspect="1"/>
+          </p:cNvPicPr>
+          <p:nvPr/>
+        </p:nvPicPr>
+        <p:blipFill>
+          <a:blip r:embed="rId9">
+            <a:extLst>
+              <a:ext uri="{28A0092B-C50C-407E-A947-70E740481C1C}">
+                <a14:useLocalDpi xmlns:a14="http://schemas.microsoft.com/office/drawing/2010/main" val="0"/>
+              </a:ext>
+            </a:extLst>
+          </a:blip>
+          <a:stretch>
+            <a:fillRect/>
+          </a:stretch>
+        </p:blipFill>
+        <p:spPr>
+          <a:xfrm>
+            <a:off x="2931738" y="3534041"/>
+            <a:ext cx="873649" cy="879473"/>
+          </a:xfrm>
+          <a:prstGeom prst="rect">
+            <a:avLst/>
+          </a:prstGeom>
+        </p:spPr>
+      </p:pic>
+    </p:spTree>
+    <p:extLst>
+      <p:ext uri="{BB962C8B-B14F-4D97-AF65-F5344CB8AC3E}">
+        <p14:creationId xmlns:p14="http://schemas.microsoft.com/office/powerpoint/2010/main" val="2755315225"/>
+      </p:ext>
+    </p:extLst>
+  </p:cSld>
+  <p:clrMapOvr>
+    <a:masterClrMapping/>
+  </p:clrMapOvr>
+  <p:timing>
+    <p:tnLst>
+      <p:par>
+        <p:cTn id="1" dur="indefinite" restart="never" nodeType="tmRoot"/>
+      </p:par>
+    </p:tnLst>
+  </p:timing>
+</p:sld>
+</file>
+
+<file path=ppt/slides/slide6.xml><?xml version="1.0" encoding="utf-8"?>
+<p:sld xmlns:a="http://schemas.openxmlformats.org/drawingml/2006/main" xmlns:r="http://schemas.openxmlformats.org/officeDocument/2006/relationships" xmlns:p="http://schemas.openxmlformats.org/presentationml/2006/main">
+  <p:cSld>
+    <p:spTree>
+      <p:nvGrpSpPr>
+        <p:cNvPr id="1" name=""/>
+        <p:cNvGrpSpPr/>
+        <p:nvPr/>
+      </p:nvGrpSpPr>
+      <p:grpSpPr>
+        <a:xfrm>
+          <a:off x="0" y="0"/>
+          <a:ext cx="0" cy="0"/>
+          <a:chOff x="0" y="0"/>
+          <a:chExt cx="0" cy="0"/>
+        </a:xfrm>
+      </p:grpSpPr>
+      <p:sp>
+        <p:nvSpPr>
+          <p:cNvPr id="2" name="タイトル 1"/>
+          <p:cNvSpPr>
+            <a:spLocks noGrp="1"/>
+          </p:cNvSpPr>
+          <p:nvPr>
+            <p:ph type="title"/>
+          </p:nvPr>
+        </p:nvSpPr>
+        <p:spPr/>
+        <p:txBody>
+          <a:bodyPr/>
+          <a:lstStyle/>
+          <a:p>
+            <a:r>
+              <a:rPr kumimoji="1" lang="ja-JP" altLang="en-US" dirty="0" smtClean="0"/>
+              <a:t>アバター</a:t>
+            </a:r>
+            <a:endParaRPr kumimoji="1" lang="ja-JP" altLang="en-US" dirty="0"/>
+          </a:p>
+        </p:txBody>
+      </p:sp>
+      <p:pic>
+        <p:nvPicPr>
+          <p:cNvPr id="4" name="図 3"/>
+          <p:cNvPicPr>
+            <a:picLocks noChangeAspect="1"/>
+          </p:cNvPicPr>
+          <p:nvPr/>
+        </p:nvPicPr>
+        <p:blipFill>
+          <a:blip r:embed="rId2">
+            <a:extLst>
+              <a:ext uri="{28A0092B-C50C-407E-A947-70E740481C1C}">
+                <a14:useLocalDpi xmlns:a14="http://schemas.microsoft.com/office/drawing/2010/main" val="0"/>
+              </a:ext>
+            </a:extLst>
+          </a:blip>
+          <a:stretch>
+            <a:fillRect/>
+          </a:stretch>
+        </p:blipFill>
+        <p:spPr>
+          <a:xfrm>
+            <a:off x="798730" y="4269291"/>
+            <a:ext cx="795194" cy="795194"/>
+          </a:xfrm>
+          <a:prstGeom prst="rect">
+            <a:avLst/>
+          </a:prstGeom>
+        </p:spPr>
+      </p:pic>
+      <p:pic>
+        <p:nvPicPr>
+          <p:cNvPr id="5" name="図 4"/>
+          <p:cNvPicPr>
+            <a:picLocks noChangeAspect="1"/>
+          </p:cNvPicPr>
+          <p:nvPr/>
+        </p:nvPicPr>
+        <p:blipFill>
+          <a:blip r:embed="rId3" cstate="print">
+            <a:extLst>
+              <a:ext uri="{28A0092B-C50C-407E-A947-70E740481C1C}">
+                <a14:useLocalDpi xmlns:a14="http://schemas.microsoft.com/office/drawing/2010/main" val="0"/>
+              </a:ext>
+            </a:extLst>
+          </a:blip>
+          <a:stretch>
+            <a:fillRect/>
+          </a:stretch>
+        </p:blipFill>
+        <p:spPr>
+          <a:xfrm>
+            <a:off x="2646511" y="3099110"/>
+            <a:ext cx="596470" cy="596470"/>
+          </a:xfrm>
+          <a:prstGeom prst="rect">
+            <a:avLst/>
+          </a:prstGeom>
+        </p:spPr>
+      </p:pic>
+      <p:pic>
+        <p:nvPicPr>
+          <p:cNvPr id="6" name="図 5"/>
+          <p:cNvPicPr>
+            <a:picLocks noChangeAspect="1"/>
+          </p:cNvPicPr>
+          <p:nvPr/>
+        </p:nvPicPr>
+        <p:blipFill>
+          <a:blip r:embed="rId4">
+            <a:extLst>
+              <a:ext uri="{28A0092B-C50C-407E-A947-70E740481C1C}">
+                <a14:useLocalDpi xmlns:a14="http://schemas.microsoft.com/office/drawing/2010/main" val="0"/>
+              </a:ext>
+            </a:extLst>
+          </a:blip>
+          <a:stretch>
+            <a:fillRect/>
+          </a:stretch>
+        </p:blipFill>
+        <p:spPr>
+          <a:xfrm>
+            <a:off x="4861455" y="3076717"/>
+            <a:ext cx="795194" cy="795194"/>
+          </a:xfrm>
+          <a:prstGeom prst="rect">
+            <a:avLst/>
+          </a:prstGeom>
+        </p:spPr>
+      </p:pic>
+      <p:pic>
+        <p:nvPicPr>
+          <p:cNvPr id="7" name="図 6"/>
+          <p:cNvPicPr>
+            <a:picLocks noChangeAspect="1"/>
+          </p:cNvPicPr>
+          <p:nvPr/>
+        </p:nvPicPr>
+        <p:blipFill>
+          <a:blip r:embed="rId5">
+            <a:extLst>
+              <a:ext uri="{28A0092B-C50C-407E-A947-70E740481C1C}">
+                <a14:useLocalDpi xmlns:a14="http://schemas.microsoft.com/office/drawing/2010/main" val="0"/>
+              </a:ext>
+            </a:extLst>
+          </a:blip>
+          <a:stretch>
+            <a:fillRect/>
+          </a:stretch>
+        </p:blipFill>
+        <p:spPr>
+          <a:xfrm>
+            <a:off x="2589704" y="1828800"/>
+            <a:ext cx="795194" cy="795194"/>
+          </a:xfrm>
+          <a:prstGeom prst="rect">
+            <a:avLst/>
+          </a:prstGeom>
+        </p:spPr>
+      </p:pic>
+      <p:pic>
+        <p:nvPicPr>
+          <p:cNvPr id="8" name="図 7"/>
+          <p:cNvPicPr>
+            <a:picLocks noChangeAspect="1"/>
+          </p:cNvPicPr>
+          <p:nvPr/>
+        </p:nvPicPr>
+        <p:blipFill>
+          <a:blip r:embed="rId6">
+            <a:extLst>
+              <a:ext uri="{28A0092B-C50C-407E-A947-70E740481C1C}">
+                <a14:useLocalDpi xmlns:a14="http://schemas.microsoft.com/office/drawing/2010/main" val="0"/>
+              </a:ext>
+            </a:extLst>
+          </a:blip>
+          <a:stretch>
+            <a:fillRect/>
+          </a:stretch>
+        </p:blipFill>
+        <p:spPr>
+          <a:xfrm>
+            <a:off x="6887284" y="4441116"/>
+            <a:ext cx="792669" cy="792669"/>
+          </a:xfrm>
+          <a:prstGeom prst="rect">
+            <a:avLst/>
+          </a:prstGeom>
+        </p:spPr>
+      </p:pic>
+      <p:pic>
+        <p:nvPicPr>
+          <p:cNvPr id="9" name="図 8"/>
+          <p:cNvPicPr>
+            <a:picLocks noChangeAspect="1"/>
+          </p:cNvPicPr>
+          <p:nvPr/>
+        </p:nvPicPr>
+        <p:blipFill>
+          <a:blip r:embed="rId7">
+            <a:extLst>
+              <a:ext uri="{28A0092B-C50C-407E-A947-70E740481C1C}">
+                <a14:useLocalDpi xmlns:a14="http://schemas.microsoft.com/office/drawing/2010/main" val="0"/>
+              </a:ext>
+            </a:extLst>
+          </a:blip>
+          <a:stretch>
+            <a:fillRect/>
+          </a:stretch>
+        </p:blipFill>
+        <p:spPr>
+          <a:xfrm>
+            <a:off x="6887284" y="3112547"/>
+            <a:ext cx="792669" cy="792669"/>
+          </a:xfrm>
+          <a:prstGeom prst="rect">
+            <a:avLst/>
+          </a:prstGeom>
+        </p:spPr>
+      </p:pic>
+      <p:pic>
+        <p:nvPicPr>
+          <p:cNvPr id="10" name="図 9"/>
+          <p:cNvPicPr>
+            <a:picLocks noChangeAspect="1"/>
+          </p:cNvPicPr>
+          <p:nvPr/>
+        </p:nvPicPr>
+        <p:blipFill>
+          <a:blip r:embed="rId8" cstate="print">
+            <a:extLst>
+              <a:ext uri="{28A0092B-C50C-407E-A947-70E740481C1C}">
+                <a14:useLocalDpi xmlns:a14="http://schemas.microsoft.com/office/drawing/2010/main" val="0"/>
+              </a:ext>
+            </a:extLst>
+          </a:blip>
+          <a:stretch>
+            <a:fillRect/>
+          </a:stretch>
+        </p:blipFill>
+        <p:spPr>
+          <a:xfrm>
+            <a:off x="6912884" y="1896533"/>
+            <a:ext cx="741470" cy="741470"/>
+          </a:xfrm>
+          <a:prstGeom prst="rect">
+            <a:avLst/>
+          </a:prstGeom>
+        </p:spPr>
+      </p:pic>
+      <p:pic>
+        <p:nvPicPr>
+          <p:cNvPr id="11" name="図 10"/>
+          <p:cNvPicPr>
+            <a:picLocks noChangeAspect="1"/>
+          </p:cNvPicPr>
+          <p:nvPr/>
+        </p:nvPicPr>
+        <p:blipFill>
+          <a:blip r:embed="rId9">
+            <a:extLst>
+              <a:ext uri="{28A0092B-C50C-407E-A947-70E740481C1C}">
+                <a14:useLocalDpi xmlns:a14="http://schemas.microsoft.com/office/drawing/2010/main" val="0"/>
+              </a:ext>
+            </a:extLst>
+          </a:blip>
+          <a:stretch>
+            <a:fillRect/>
+          </a:stretch>
+        </p:blipFill>
+        <p:spPr>
+          <a:xfrm>
+            <a:off x="5011868" y="1826204"/>
+            <a:ext cx="786404" cy="786404"/>
+          </a:xfrm>
+          <a:prstGeom prst="rect">
+            <a:avLst/>
+          </a:prstGeom>
+        </p:spPr>
+      </p:pic>
+      <p:pic>
+        <p:nvPicPr>
+          <p:cNvPr id="12" name="図 11"/>
+          <p:cNvPicPr>
+            <a:picLocks noChangeAspect="1"/>
+          </p:cNvPicPr>
+          <p:nvPr/>
+        </p:nvPicPr>
+        <p:blipFill>
+          <a:blip r:embed="rId10" cstate="print">
+            <a:extLst>
+              <a:ext uri="{28A0092B-C50C-407E-A947-70E740481C1C}">
+                <a14:useLocalDpi xmlns:a14="http://schemas.microsoft.com/office/drawing/2010/main" val="0"/>
+              </a:ext>
+            </a:extLst>
+          </a:blip>
+          <a:stretch>
+            <a:fillRect/>
+          </a:stretch>
+        </p:blipFill>
+        <p:spPr>
+          <a:xfrm>
+            <a:off x="798730" y="3019257"/>
+            <a:ext cx="716659" cy="716659"/>
+          </a:xfrm>
+          <a:prstGeom prst="rect">
+            <a:avLst/>
+          </a:prstGeom>
+        </p:spPr>
+      </p:pic>
+      <p:pic>
+        <p:nvPicPr>
+          <p:cNvPr id="13" name="図 12"/>
+          <p:cNvPicPr>
+            <a:picLocks noChangeAspect="1"/>
+          </p:cNvPicPr>
+          <p:nvPr/>
+        </p:nvPicPr>
+        <p:blipFill>
+          <a:blip r:embed="rId11" cstate="print">
+            <a:extLst>
+              <a:ext uri="{28A0092B-C50C-407E-A947-70E740481C1C}">
+                <a14:useLocalDpi xmlns:a14="http://schemas.microsoft.com/office/drawing/2010/main" val="0"/>
+              </a:ext>
+            </a:extLst>
+          </a:blip>
+          <a:stretch>
+            <a:fillRect/>
+          </a:stretch>
+        </p:blipFill>
+        <p:spPr>
+          <a:xfrm>
+            <a:off x="980932" y="1896533"/>
+            <a:ext cx="534458" cy="534458"/>
+          </a:xfrm>
+          <a:prstGeom prst="rect">
+            <a:avLst/>
+          </a:prstGeom>
+        </p:spPr>
+      </p:pic>
+      <p:pic>
+        <p:nvPicPr>
+          <p:cNvPr id="19" name="図 18"/>
+          <p:cNvPicPr>
+            <a:picLocks noChangeAspect="1"/>
+          </p:cNvPicPr>
+          <p:nvPr/>
+        </p:nvPicPr>
+        <p:blipFill>
+          <a:blip r:embed="rId12">
+            <a:extLst>
+              <a:ext uri="{28A0092B-C50C-407E-A947-70E740481C1C}">
+                <a14:useLocalDpi xmlns:a14="http://schemas.microsoft.com/office/drawing/2010/main" val="0"/>
+              </a:ext>
+            </a:extLst>
+          </a:blip>
+          <a:stretch>
+            <a:fillRect/>
+          </a:stretch>
+        </p:blipFill>
+        <p:spPr>
+          <a:xfrm>
+            <a:off x="8828815" y="3178317"/>
+            <a:ext cx="857250" cy="857250"/>
+          </a:xfrm>
+          <a:prstGeom prst="rect">
+            <a:avLst/>
+          </a:prstGeom>
+        </p:spPr>
+      </p:pic>
+      <p:pic>
+        <p:nvPicPr>
+          <p:cNvPr id="20" name="図 19"/>
+          <p:cNvPicPr>
+            <a:picLocks noChangeAspect="1"/>
+          </p:cNvPicPr>
+          <p:nvPr/>
+        </p:nvPicPr>
+        <p:blipFill>
+          <a:blip r:embed="rId13">
+            <a:extLst>
+              <a:ext uri="{28A0092B-C50C-407E-A947-70E740481C1C}">
+                <a14:useLocalDpi xmlns:a14="http://schemas.microsoft.com/office/drawing/2010/main" val="0"/>
+              </a:ext>
+            </a:extLst>
+          </a:blip>
+          <a:stretch>
+            <a:fillRect/>
+          </a:stretch>
+        </p:blipFill>
+        <p:spPr>
+          <a:xfrm>
+            <a:off x="8897633" y="1893735"/>
+            <a:ext cx="857250" cy="857250"/>
+          </a:xfrm>
+          <a:prstGeom prst="rect">
+            <a:avLst/>
+          </a:prstGeom>
+        </p:spPr>
+      </p:pic>
+    </p:spTree>
+    <p:extLst>
+      <p:ext uri="{BB962C8B-B14F-4D97-AF65-F5344CB8AC3E}">
+        <p14:creationId xmlns:p14="http://schemas.microsoft.com/office/powerpoint/2010/main" val="1819071379"/>
+      </p:ext>
+    </p:extLst>
+  </p:cSld>
+  <p:clrMapOvr>
+    <a:masterClrMapping/>
+  </p:clrMapOvr>
+  <p:timing>
+    <p:tnLst>
+      <p:par>
+        <p:cTn id="1" dur="indefinite" restart="never" nodeType="tmRoot"/>
+      </p:par>
+    </p:tnLst>
+  </p:timing>
+</p:sld>
+</file>
+
 <file path=ppt/theme/theme1.xml><?xml version="1.0" encoding="utf-8"?>
 <a:theme xmlns:a="http://schemas.openxmlformats.org/drawingml/2006/main" name="Office テーマ">
   <a:themeElements>

--- a/designpattern/ネットワーク構成図サンプル.pptx
+++ b/designpattern/ネットワーク構成図サンプル.pptx
@@ -11,6 +11,8 @@
     <p:sldId id="260" r:id="rId5"/>
     <p:sldId id="262" r:id="rId6"/>
     <p:sldId id="261" r:id="rId7"/>
+    <p:sldId id="264" r:id="rId8"/>
+    <p:sldId id="263" r:id="rId9"/>
   </p:sldIdLst>
   <p:sldSz cx="12192000" cy="6858000"/>
   <p:notesSz cx="6858000" cy="9144000"/>
@@ -248,7 +250,7 @@
           <a:p>
             <a:fld id="{C57B110C-4FE7-4366-A9F2-4B59E8A2E962}" type="datetimeFigureOut">
               <a:rPr kumimoji="1" lang="ja-JP" altLang="en-US" smtClean="0"/>
-              <a:t>2014/9/28</a:t>
+              <a:t>2015/3/7</a:t>
             </a:fld>
             <a:endParaRPr kumimoji="1" lang="ja-JP" altLang="en-US"/>
           </a:p>
@@ -450,7 +452,7 @@
           <a:p>
             <a:fld id="{C57B110C-4FE7-4366-A9F2-4B59E8A2E962}" type="datetimeFigureOut">
               <a:rPr kumimoji="1" lang="ja-JP" altLang="en-US" smtClean="0"/>
-              <a:t>2014/9/28</a:t>
+              <a:t>2015/3/7</a:t>
             </a:fld>
             <a:endParaRPr kumimoji="1" lang="ja-JP" altLang="en-US"/>
           </a:p>
@@ -662,7 +664,7 @@
           <a:p>
             <a:fld id="{C57B110C-4FE7-4366-A9F2-4B59E8A2E962}" type="datetimeFigureOut">
               <a:rPr kumimoji="1" lang="ja-JP" altLang="en-US" smtClean="0"/>
-              <a:t>2014/9/28</a:t>
+              <a:t>2015/3/7</a:t>
             </a:fld>
             <a:endParaRPr kumimoji="1" lang="ja-JP" altLang="en-US"/>
           </a:p>
@@ -864,7 +866,7 @@
           <a:p>
             <a:fld id="{C57B110C-4FE7-4366-A9F2-4B59E8A2E962}" type="datetimeFigureOut">
               <a:rPr kumimoji="1" lang="ja-JP" altLang="en-US" smtClean="0"/>
-              <a:t>2014/9/28</a:t>
+              <a:t>2015/3/7</a:t>
             </a:fld>
             <a:endParaRPr kumimoji="1" lang="ja-JP" altLang="en-US"/>
           </a:p>
@@ -1110,7 +1112,7 @@
           <a:p>
             <a:fld id="{C57B110C-4FE7-4366-A9F2-4B59E8A2E962}" type="datetimeFigureOut">
               <a:rPr kumimoji="1" lang="ja-JP" altLang="en-US" smtClean="0"/>
-              <a:t>2014/9/28</a:t>
+              <a:t>2015/3/7</a:t>
             </a:fld>
             <a:endParaRPr kumimoji="1" lang="ja-JP" altLang="en-US"/>
           </a:p>
@@ -1406,7 +1408,7 @@
           <a:p>
             <a:fld id="{C57B110C-4FE7-4366-A9F2-4B59E8A2E962}" type="datetimeFigureOut">
               <a:rPr kumimoji="1" lang="ja-JP" altLang="en-US" smtClean="0"/>
-              <a:t>2014/9/28</a:t>
+              <a:t>2015/3/7</a:t>
             </a:fld>
             <a:endParaRPr kumimoji="1" lang="ja-JP" altLang="en-US"/>
           </a:p>
@@ -1837,7 +1839,7 @@
           <a:p>
             <a:fld id="{C57B110C-4FE7-4366-A9F2-4B59E8A2E962}" type="datetimeFigureOut">
               <a:rPr kumimoji="1" lang="ja-JP" altLang="en-US" smtClean="0"/>
-              <a:t>2014/9/28</a:t>
+              <a:t>2015/3/7</a:t>
             </a:fld>
             <a:endParaRPr kumimoji="1" lang="ja-JP" altLang="en-US"/>
           </a:p>
@@ -1955,7 +1957,7 @@
           <a:p>
             <a:fld id="{C57B110C-4FE7-4366-A9F2-4B59E8A2E962}" type="datetimeFigureOut">
               <a:rPr kumimoji="1" lang="ja-JP" altLang="en-US" smtClean="0"/>
-              <a:t>2014/9/28</a:t>
+              <a:t>2015/3/7</a:t>
             </a:fld>
             <a:endParaRPr kumimoji="1" lang="ja-JP" altLang="en-US"/>
           </a:p>
@@ -2050,7 +2052,7 @@
           <a:p>
             <a:fld id="{C57B110C-4FE7-4366-A9F2-4B59E8A2E962}" type="datetimeFigureOut">
               <a:rPr kumimoji="1" lang="ja-JP" altLang="en-US" smtClean="0"/>
-              <a:t>2014/9/28</a:t>
+              <a:t>2015/3/7</a:t>
             </a:fld>
             <a:endParaRPr kumimoji="1" lang="ja-JP" altLang="en-US"/>
           </a:p>
@@ -2359,7 +2361,7 @@
           <a:p>
             <a:fld id="{C57B110C-4FE7-4366-A9F2-4B59E8A2E962}" type="datetimeFigureOut">
               <a:rPr kumimoji="1" lang="ja-JP" altLang="en-US" smtClean="0"/>
-              <a:t>2014/9/28</a:t>
+              <a:t>2015/3/7</a:t>
             </a:fld>
             <a:endParaRPr kumimoji="1" lang="ja-JP" altLang="en-US"/>
           </a:p>
@@ -2612,7 +2614,7 @@
           <a:p>
             <a:fld id="{C57B110C-4FE7-4366-A9F2-4B59E8A2E962}" type="datetimeFigureOut">
               <a:rPr kumimoji="1" lang="ja-JP" altLang="en-US" smtClean="0"/>
-              <a:t>2014/9/28</a:t>
+              <a:t>2015/3/7</a:t>
             </a:fld>
             <a:endParaRPr kumimoji="1" lang="ja-JP" altLang="en-US"/>
           </a:p>
@@ -2857,7 +2859,7 @@
           <a:p>
             <a:fld id="{C57B110C-4FE7-4366-A9F2-4B59E8A2E962}" type="datetimeFigureOut">
               <a:rPr kumimoji="1" lang="ja-JP" altLang="en-US" smtClean="0"/>
-              <a:t>2014/9/28</a:t>
+              <a:t>2015/3/7</a:t>
             </a:fld>
             <a:endParaRPr kumimoji="1" lang="ja-JP" altLang="en-US"/>
           </a:p>
@@ -11702,6 +11704,1923 @@
 </p:sld>
 </file>
 
+<file path=ppt/slides/slide7.xml><?xml version="1.0" encoding="utf-8"?>
+<p:sld xmlns:a="http://schemas.openxmlformats.org/drawingml/2006/main" xmlns:r="http://schemas.openxmlformats.org/officeDocument/2006/relationships" xmlns:p="http://schemas.openxmlformats.org/presentationml/2006/main">
+  <p:cSld>
+    <p:spTree>
+      <p:nvGrpSpPr>
+        <p:cNvPr id="1" name=""/>
+        <p:cNvGrpSpPr/>
+        <p:nvPr/>
+      </p:nvGrpSpPr>
+      <p:grpSpPr>
+        <a:xfrm>
+          <a:off x="0" y="0"/>
+          <a:ext cx="0" cy="0"/>
+          <a:chOff x="0" y="0"/>
+          <a:chExt cx="0" cy="0"/>
+        </a:xfrm>
+      </p:grpSpPr>
+      <p:sp>
+        <p:nvSpPr>
+          <p:cNvPr id="4" name="角丸四角形 3"/>
+          <p:cNvSpPr/>
+          <p:nvPr/>
+        </p:nvSpPr>
+        <p:spPr>
+          <a:xfrm>
+            <a:off x="2773680" y="1756410"/>
+            <a:ext cx="1866900" cy="1485900"/>
+          </a:xfrm>
+          <a:prstGeom prst="roundRect">
+            <a:avLst/>
+          </a:prstGeom>
+          <a:noFill/>
+          <a:ln w="9525" cap="flat">
+            <a:solidFill>
+              <a:schemeClr val="tx1"/>
+            </a:solidFill>
+            <a:prstDash val="solid"/>
+          </a:ln>
+        </p:spPr>
+        <p:style>
+          <a:lnRef idx="2">
+            <a:schemeClr val="accent1">
+              <a:shade val="50000"/>
+            </a:schemeClr>
+          </a:lnRef>
+          <a:fillRef idx="1">
+            <a:schemeClr val="accent1"/>
+          </a:fillRef>
+          <a:effectRef idx="0">
+            <a:schemeClr val="accent1"/>
+          </a:effectRef>
+          <a:fontRef idx="minor">
+            <a:schemeClr val="lt1"/>
+          </a:fontRef>
+        </p:style>
+        <p:txBody>
+          <a:bodyPr rtlCol="0" anchor="t"/>
+          <a:lstStyle>
+            <a:lvl1pPr marL="0" indent="0">
+              <a:defRPr sz="1100">
+                <a:solidFill>
+                  <a:schemeClr val="lt1"/>
+                </a:solidFill>
+                <a:latin typeface="+mn-lt"/>
+                <a:ea typeface="+mn-ea"/>
+                <a:cs typeface="+mn-cs"/>
+              </a:defRPr>
+            </a:lvl1pPr>
+            <a:lvl2pPr marL="457200" indent="0">
+              <a:defRPr sz="1100">
+                <a:solidFill>
+                  <a:schemeClr val="lt1"/>
+                </a:solidFill>
+                <a:latin typeface="+mn-lt"/>
+                <a:ea typeface="+mn-ea"/>
+                <a:cs typeface="+mn-cs"/>
+              </a:defRPr>
+            </a:lvl2pPr>
+            <a:lvl3pPr marL="914400" indent="0">
+              <a:defRPr sz="1100">
+                <a:solidFill>
+                  <a:schemeClr val="lt1"/>
+                </a:solidFill>
+                <a:latin typeface="+mn-lt"/>
+                <a:ea typeface="+mn-ea"/>
+                <a:cs typeface="+mn-cs"/>
+              </a:defRPr>
+            </a:lvl3pPr>
+            <a:lvl4pPr marL="1371600" indent="0">
+              <a:defRPr sz="1100">
+                <a:solidFill>
+                  <a:schemeClr val="lt1"/>
+                </a:solidFill>
+                <a:latin typeface="+mn-lt"/>
+                <a:ea typeface="+mn-ea"/>
+                <a:cs typeface="+mn-cs"/>
+              </a:defRPr>
+            </a:lvl4pPr>
+            <a:lvl5pPr marL="1828800" indent="0">
+              <a:defRPr sz="1100">
+                <a:solidFill>
+                  <a:schemeClr val="lt1"/>
+                </a:solidFill>
+                <a:latin typeface="+mn-lt"/>
+                <a:ea typeface="+mn-ea"/>
+                <a:cs typeface="+mn-cs"/>
+              </a:defRPr>
+            </a:lvl5pPr>
+            <a:lvl6pPr marL="2286000" indent="0">
+              <a:defRPr sz="1100">
+                <a:solidFill>
+                  <a:schemeClr val="lt1"/>
+                </a:solidFill>
+                <a:latin typeface="+mn-lt"/>
+                <a:ea typeface="+mn-ea"/>
+                <a:cs typeface="+mn-cs"/>
+              </a:defRPr>
+            </a:lvl6pPr>
+            <a:lvl7pPr marL="2743200" indent="0">
+              <a:defRPr sz="1100">
+                <a:solidFill>
+                  <a:schemeClr val="lt1"/>
+                </a:solidFill>
+                <a:latin typeface="+mn-lt"/>
+                <a:ea typeface="+mn-ea"/>
+                <a:cs typeface="+mn-cs"/>
+              </a:defRPr>
+            </a:lvl7pPr>
+            <a:lvl8pPr marL="3200400" indent="0">
+              <a:defRPr sz="1100">
+                <a:solidFill>
+                  <a:schemeClr val="lt1"/>
+                </a:solidFill>
+                <a:latin typeface="+mn-lt"/>
+                <a:ea typeface="+mn-ea"/>
+                <a:cs typeface="+mn-cs"/>
+              </a:defRPr>
+            </a:lvl8pPr>
+            <a:lvl9pPr marL="3657600" indent="0">
+              <a:defRPr sz="1100">
+                <a:solidFill>
+                  <a:schemeClr val="lt1"/>
+                </a:solidFill>
+                <a:latin typeface="+mn-lt"/>
+                <a:ea typeface="+mn-ea"/>
+                <a:cs typeface="+mn-cs"/>
+              </a:defRPr>
+            </a:lvl9pPr>
+          </a:lstStyle>
+          <a:p>
+            <a:endParaRPr lang="ja-JP" altLang="en-US"/>
+          </a:p>
+        </p:txBody>
+      </p:sp>
+      <p:sp>
+        <p:nvSpPr>
+          <p:cNvPr id="5" name="角丸四角形 4"/>
+          <p:cNvSpPr/>
+          <p:nvPr/>
+        </p:nvSpPr>
+        <p:spPr>
+          <a:xfrm>
+            <a:off x="5234940" y="1786890"/>
+            <a:ext cx="1866900" cy="1485900"/>
+          </a:xfrm>
+          <a:prstGeom prst="roundRect">
+            <a:avLst/>
+          </a:prstGeom>
+          <a:noFill/>
+          <a:ln w="15875" cap="flat">
+            <a:solidFill>
+              <a:schemeClr val="tx1"/>
+            </a:solidFill>
+            <a:prstDash val="sysDot"/>
+          </a:ln>
+        </p:spPr>
+        <p:style>
+          <a:lnRef idx="2">
+            <a:schemeClr val="accent1">
+              <a:shade val="50000"/>
+            </a:schemeClr>
+          </a:lnRef>
+          <a:fillRef idx="1">
+            <a:schemeClr val="accent1"/>
+          </a:fillRef>
+          <a:effectRef idx="0">
+            <a:schemeClr val="accent1"/>
+          </a:effectRef>
+          <a:fontRef idx="minor">
+            <a:schemeClr val="lt1"/>
+          </a:fontRef>
+        </p:style>
+        <p:txBody>
+          <a:bodyPr rtlCol="0" anchor="t"/>
+          <a:lstStyle>
+            <a:lvl1pPr marL="0" indent="0">
+              <a:defRPr sz="1100">
+                <a:solidFill>
+                  <a:schemeClr val="lt1"/>
+                </a:solidFill>
+                <a:latin typeface="+mn-lt"/>
+                <a:ea typeface="+mn-ea"/>
+                <a:cs typeface="+mn-cs"/>
+              </a:defRPr>
+            </a:lvl1pPr>
+            <a:lvl2pPr marL="457200" indent="0">
+              <a:defRPr sz="1100">
+                <a:solidFill>
+                  <a:schemeClr val="lt1"/>
+                </a:solidFill>
+                <a:latin typeface="+mn-lt"/>
+                <a:ea typeface="+mn-ea"/>
+                <a:cs typeface="+mn-cs"/>
+              </a:defRPr>
+            </a:lvl2pPr>
+            <a:lvl3pPr marL="914400" indent="0">
+              <a:defRPr sz="1100">
+                <a:solidFill>
+                  <a:schemeClr val="lt1"/>
+                </a:solidFill>
+                <a:latin typeface="+mn-lt"/>
+                <a:ea typeface="+mn-ea"/>
+                <a:cs typeface="+mn-cs"/>
+              </a:defRPr>
+            </a:lvl3pPr>
+            <a:lvl4pPr marL="1371600" indent="0">
+              <a:defRPr sz="1100">
+                <a:solidFill>
+                  <a:schemeClr val="lt1"/>
+                </a:solidFill>
+                <a:latin typeface="+mn-lt"/>
+                <a:ea typeface="+mn-ea"/>
+                <a:cs typeface="+mn-cs"/>
+              </a:defRPr>
+            </a:lvl4pPr>
+            <a:lvl5pPr marL="1828800" indent="0">
+              <a:defRPr sz="1100">
+                <a:solidFill>
+                  <a:schemeClr val="lt1"/>
+                </a:solidFill>
+                <a:latin typeface="+mn-lt"/>
+                <a:ea typeface="+mn-ea"/>
+                <a:cs typeface="+mn-cs"/>
+              </a:defRPr>
+            </a:lvl5pPr>
+            <a:lvl6pPr marL="2286000" indent="0">
+              <a:defRPr sz="1100">
+                <a:solidFill>
+                  <a:schemeClr val="lt1"/>
+                </a:solidFill>
+                <a:latin typeface="+mn-lt"/>
+                <a:ea typeface="+mn-ea"/>
+                <a:cs typeface="+mn-cs"/>
+              </a:defRPr>
+            </a:lvl6pPr>
+            <a:lvl7pPr marL="2743200" indent="0">
+              <a:defRPr sz="1100">
+                <a:solidFill>
+                  <a:schemeClr val="lt1"/>
+                </a:solidFill>
+                <a:latin typeface="+mn-lt"/>
+                <a:ea typeface="+mn-ea"/>
+                <a:cs typeface="+mn-cs"/>
+              </a:defRPr>
+            </a:lvl7pPr>
+            <a:lvl8pPr marL="3200400" indent="0">
+              <a:defRPr sz="1100">
+                <a:solidFill>
+                  <a:schemeClr val="lt1"/>
+                </a:solidFill>
+                <a:latin typeface="+mn-lt"/>
+                <a:ea typeface="+mn-ea"/>
+                <a:cs typeface="+mn-cs"/>
+              </a:defRPr>
+            </a:lvl8pPr>
+            <a:lvl9pPr marL="3657600" indent="0">
+              <a:defRPr sz="1100">
+                <a:solidFill>
+                  <a:schemeClr val="lt1"/>
+                </a:solidFill>
+                <a:latin typeface="+mn-lt"/>
+                <a:ea typeface="+mn-ea"/>
+                <a:cs typeface="+mn-cs"/>
+              </a:defRPr>
+            </a:lvl9pPr>
+          </a:lstStyle>
+          <a:p>
+            <a:endParaRPr lang="ja-JP" altLang="en-US"/>
+          </a:p>
+        </p:txBody>
+      </p:sp>
+      <p:sp>
+        <p:nvSpPr>
+          <p:cNvPr id="6" name="角丸四角形 5"/>
+          <p:cNvSpPr/>
+          <p:nvPr/>
+        </p:nvSpPr>
+        <p:spPr>
+          <a:xfrm>
+            <a:off x="7551420" y="1794510"/>
+            <a:ext cx="1866900" cy="1485900"/>
+          </a:xfrm>
+          <a:prstGeom prst="roundRect">
+            <a:avLst/>
+          </a:prstGeom>
+          <a:noFill/>
+          <a:ln w="15875" cap="flat">
+            <a:solidFill>
+              <a:schemeClr val="tx1"/>
+            </a:solidFill>
+            <a:prstDash val="dashDot"/>
+          </a:ln>
+        </p:spPr>
+        <p:style>
+          <a:lnRef idx="2">
+            <a:schemeClr val="accent1">
+              <a:shade val="50000"/>
+            </a:schemeClr>
+          </a:lnRef>
+          <a:fillRef idx="1">
+            <a:schemeClr val="accent1"/>
+          </a:fillRef>
+          <a:effectRef idx="0">
+            <a:schemeClr val="accent1"/>
+          </a:effectRef>
+          <a:fontRef idx="minor">
+            <a:schemeClr val="lt1"/>
+          </a:fontRef>
+        </p:style>
+        <p:txBody>
+          <a:bodyPr rtlCol="0" anchor="t"/>
+          <a:lstStyle>
+            <a:lvl1pPr marL="0" indent="0">
+              <a:defRPr sz="1100">
+                <a:solidFill>
+                  <a:schemeClr val="lt1"/>
+                </a:solidFill>
+                <a:latin typeface="+mn-lt"/>
+                <a:ea typeface="+mn-ea"/>
+                <a:cs typeface="+mn-cs"/>
+              </a:defRPr>
+            </a:lvl1pPr>
+            <a:lvl2pPr marL="457200" indent="0">
+              <a:defRPr sz="1100">
+                <a:solidFill>
+                  <a:schemeClr val="lt1"/>
+                </a:solidFill>
+                <a:latin typeface="+mn-lt"/>
+                <a:ea typeface="+mn-ea"/>
+                <a:cs typeface="+mn-cs"/>
+              </a:defRPr>
+            </a:lvl2pPr>
+            <a:lvl3pPr marL="914400" indent="0">
+              <a:defRPr sz="1100">
+                <a:solidFill>
+                  <a:schemeClr val="lt1"/>
+                </a:solidFill>
+                <a:latin typeface="+mn-lt"/>
+                <a:ea typeface="+mn-ea"/>
+                <a:cs typeface="+mn-cs"/>
+              </a:defRPr>
+            </a:lvl3pPr>
+            <a:lvl4pPr marL="1371600" indent="0">
+              <a:defRPr sz="1100">
+                <a:solidFill>
+                  <a:schemeClr val="lt1"/>
+                </a:solidFill>
+                <a:latin typeface="+mn-lt"/>
+                <a:ea typeface="+mn-ea"/>
+                <a:cs typeface="+mn-cs"/>
+              </a:defRPr>
+            </a:lvl4pPr>
+            <a:lvl5pPr marL="1828800" indent="0">
+              <a:defRPr sz="1100">
+                <a:solidFill>
+                  <a:schemeClr val="lt1"/>
+                </a:solidFill>
+                <a:latin typeface="+mn-lt"/>
+                <a:ea typeface="+mn-ea"/>
+                <a:cs typeface="+mn-cs"/>
+              </a:defRPr>
+            </a:lvl5pPr>
+            <a:lvl6pPr marL="2286000" indent="0">
+              <a:defRPr sz="1100">
+                <a:solidFill>
+                  <a:schemeClr val="lt1"/>
+                </a:solidFill>
+                <a:latin typeface="+mn-lt"/>
+                <a:ea typeface="+mn-ea"/>
+                <a:cs typeface="+mn-cs"/>
+              </a:defRPr>
+            </a:lvl6pPr>
+            <a:lvl7pPr marL="2743200" indent="0">
+              <a:defRPr sz="1100">
+                <a:solidFill>
+                  <a:schemeClr val="lt1"/>
+                </a:solidFill>
+                <a:latin typeface="+mn-lt"/>
+                <a:ea typeface="+mn-ea"/>
+                <a:cs typeface="+mn-cs"/>
+              </a:defRPr>
+            </a:lvl7pPr>
+            <a:lvl8pPr marL="3200400" indent="0">
+              <a:defRPr sz="1100">
+                <a:solidFill>
+                  <a:schemeClr val="lt1"/>
+                </a:solidFill>
+                <a:latin typeface="+mn-lt"/>
+                <a:ea typeface="+mn-ea"/>
+                <a:cs typeface="+mn-cs"/>
+              </a:defRPr>
+            </a:lvl8pPr>
+            <a:lvl9pPr marL="3657600" indent="0">
+              <a:defRPr sz="1100">
+                <a:solidFill>
+                  <a:schemeClr val="lt1"/>
+                </a:solidFill>
+                <a:latin typeface="+mn-lt"/>
+                <a:ea typeface="+mn-ea"/>
+                <a:cs typeface="+mn-cs"/>
+              </a:defRPr>
+            </a:lvl9pPr>
+          </a:lstStyle>
+          <a:p>
+            <a:endParaRPr lang="ja-JP" altLang="en-US"/>
+          </a:p>
+        </p:txBody>
+      </p:sp>
+      <p:sp>
+        <p:nvSpPr>
+          <p:cNvPr id="7" name="角丸四角形 6"/>
+          <p:cNvSpPr/>
+          <p:nvPr/>
+        </p:nvSpPr>
+        <p:spPr>
+          <a:xfrm>
+            <a:off x="2796540" y="3615690"/>
+            <a:ext cx="1866900" cy="1485900"/>
+          </a:xfrm>
+          <a:prstGeom prst="roundRect">
+            <a:avLst/>
+          </a:prstGeom>
+          <a:solidFill>
+            <a:schemeClr val="bg1">
+              <a:lumMod val="85000"/>
+            </a:schemeClr>
+          </a:solidFill>
+          <a:ln w="9525" cap="flat">
+            <a:solidFill>
+              <a:schemeClr val="bg1">
+                <a:lumMod val="85000"/>
+              </a:schemeClr>
+            </a:solidFill>
+            <a:prstDash val="solid"/>
+          </a:ln>
+        </p:spPr>
+        <p:style>
+          <a:lnRef idx="2">
+            <a:schemeClr val="accent1">
+              <a:shade val="50000"/>
+            </a:schemeClr>
+          </a:lnRef>
+          <a:fillRef idx="1">
+            <a:schemeClr val="accent1"/>
+          </a:fillRef>
+          <a:effectRef idx="0">
+            <a:schemeClr val="accent1"/>
+          </a:effectRef>
+          <a:fontRef idx="minor">
+            <a:schemeClr val="lt1"/>
+          </a:fontRef>
+        </p:style>
+        <p:txBody>
+          <a:bodyPr rtlCol="0" anchor="t"/>
+          <a:lstStyle>
+            <a:lvl1pPr marL="0" indent="0">
+              <a:defRPr sz="1100">
+                <a:solidFill>
+                  <a:schemeClr val="lt1"/>
+                </a:solidFill>
+                <a:latin typeface="+mn-lt"/>
+                <a:ea typeface="+mn-ea"/>
+                <a:cs typeface="+mn-cs"/>
+              </a:defRPr>
+            </a:lvl1pPr>
+            <a:lvl2pPr marL="457200" indent="0">
+              <a:defRPr sz="1100">
+                <a:solidFill>
+                  <a:schemeClr val="lt1"/>
+                </a:solidFill>
+                <a:latin typeface="+mn-lt"/>
+                <a:ea typeface="+mn-ea"/>
+                <a:cs typeface="+mn-cs"/>
+              </a:defRPr>
+            </a:lvl2pPr>
+            <a:lvl3pPr marL="914400" indent="0">
+              <a:defRPr sz="1100">
+                <a:solidFill>
+                  <a:schemeClr val="lt1"/>
+                </a:solidFill>
+                <a:latin typeface="+mn-lt"/>
+                <a:ea typeface="+mn-ea"/>
+                <a:cs typeface="+mn-cs"/>
+              </a:defRPr>
+            </a:lvl3pPr>
+            <a:lvl4pPr marL="1371600" indent="0">
+              <a:defRPr sz="1100">
+                <a:solidFill>
+                  <a:schemeClr val="lt1"/>
+                </a:solidFill>
+                <a:latin typeface="+mn-lt"/>
+                <a:ea typeface="+mn-ea"/>
+                <a:cs typeface="+mn-cs"/>
+              </a:defRPr>
+            </a:lvl4pPr>
+            <a:lvl5pPr marL="1828800" indent="0">
+              <a:defRPr sz="1100">
+                <a:solidFill>
+                  <a:schemeClr val="lt1"/>
+                </a:solidFill>
+                <a:latin typeface="+mn-lt"/>
+                <a:ea typeface="+mn-ea"/>
+                <a:cs typeface="+mn-cs"/>
+              </a:defRPr>
+            </a:lvl5pPr>
+            <a:lvl6pPr marL="2286000" indent="0">
+              <a:defRPr sz="1100">
+                <a:solidFill>
+                  <a:schemeClr val="lt1"/>
+                </a:solidFill>
+                <a:latin typeface="+mn-lt"/>
+                <a:ea typeface="+mn-ea"/>
+                <a:cs typeface="+mn-cs"/>
+              </a:defRPr>
+            </a:lvl6pPr>
+            <a:lvl7pPr marL="2743200" indent="0">
+              <a:defRPr sz="1100">
+                <a:solidFill>
+                  <a:schemeClr val="lt1"/>
+                </a:solidFill>
+                <a:latin typeface="+mn-lt"/>
+                <a:ea typeface="+mn-ea"/>
+                <a:cs typeface="+mn-cs"/>
+              </a:defRPr>
+            </a:lvl7pPr>
+            <a:lvl8pPr marL="3200400" indent="0">
+              <a:defRPr sz="1100">
+                <a:solidFill>
+                  <a:schemeClr val="lt1"/>
+                </a:solidFill>
+                <a:latin typeface="+mn-lt"/>
+                <a:ea typeface="+mn-ea"/>
+                <a:cs typeface="+mn-cs"/>
+              </a:defRPr>
+            </a:lvl8pPr>
+            <a:lvl9pPr marL="3657600" indent="0">
+              <a:defRPr sz="1100">
+                <a:solidFill>
+                  <a:schemeClr val="lt1"/>
+                </a:solidFill>
+                <a:latin typeface="+mn-lt"/>
+                <a:ea typeface="+mn-ea"/>
+                <a:cs typeface="+mn-cs"/>
+              </a:defRPr>
+            </a:lvl9pPr>
+          </a:lstStyle>
+          <a:p>
+            <a:endParaRPr lang="ja-JP" altLang="en-US"/>
+          </a:p>
+        </p:txBody>
+      </p:sp>
+      <p:sp>
+        <p:nvSpPr>
+          <p:cNvPr id="8" name="タイトル 1"/>
+          <p:cNvSpPr>
+            <a:spLocks noGrp="1"/>
+          </p:cNvSpPr>
+          <p:nvPr>
+            <p:ph type="title"/>
+          </p:nvPr>
+        </p:nvSpPr>
+        <p:spPr>
+          <a:xfrm>
+            <a:off x="838200" y="365125"/>
+            <a:ext cx="10515600" cy="1325563"/>
+          </a:xfrm>
+        </p:spPr>
+        <p:txBody>
+          <a:bodyPr/>
+          <a:lstStyle/>
+          <a:p>
+            <a:r>
+              <a:rPr kumimoji="1" lang="en-US" altLang="ja-JP" dirty="0" smtClean="0"/>
+              <a:t>group</a:t>
+            </a:r>
+            <a:endParaRPr kumimoji="1" lang="ja-JP" altLang="en-US" dirty="0"/>
+          </a:p>
+        </p:txBody>
+      </p:sp>
+    </p:spTree>
+    <p:extLst>
+      <p:ext uri="{BB962C8B-B14F-4D97-AF65-F5344CB8AC3E}">
+        <p14:creationId xmlns:p14="http://schemas.microsoft.com/office/powerpoint/2010/main" val="1778272171"/>
+      </p:ext>
+    </p:extLst>
+  </p:cSld>
+  <p:clrMapOvr>
+    <a:masterClrMapping/>
+  </p:clrMapOvr>
+</p:sld>
+</file>
+
+<file path=ppt/slides/slide8.xml><?xml version="1.0" encoding="utf-8"?>
+<p:sld xmlns:a="http://schemas.openxmlformats.org/drawingml/2006/main" xmlns:r="http://schemas.openxmlformats.org/officeDocument/2006/relationships" xmlns:p="http://schemas.openxmlformats.org/presentationml/2006/main">
+  <p:cSld>
+    <p:spTree>
+      <p:nvGrpSpPr>
+        <p:cNvPr id="1" name=""/>
+        <p:cNvGrpSpPr/>
+        <p:nvPr/>
+      </p:nvGrpSpPr>
+      <p:grpSpPr>
+        <a:xfrm>
+          <a:off x="0" y="0"/>
+          <a:ext cx="0" cy="0"/>
+          <a:chOff x="0" y="0"/>
+          <a:chExt cx="0" cy="0"/>
+        </a:xfrm>
+      </p:grpSpPr>
+      <p:sp>
+        <p:nvSpPr>
+          <p:cNvPr id="4" name="テキスト ボックス 3"/>
+          <p:cNvSpPr txBox="1"/>
+          <p:nvPr/>
+        </p:nvSpPr>
+        <p:spPr>
+          <a:xfrm>
+            <a:off x="0" y="-2"/>
+            <a:ext cx="12192000" cy="276999"/>
+          </a:xfrm>
+          <a:prstGeom prst="rect">
+            <a:avLst/>
+          </a:prstGeom>
+          <a:solidFill>
+            <a:schemeClr val="accent5">
+              <a:lumMod val="20000"/>
+              <a:lumOff val="80000"/>
+            </a:schemeClr>
+          </a:solidFill>
+        </p:spPr>
+        <p:txBody>
+          <a:bodyPr wrap="square" rtlCol="0">
+            <a:spAutoFit/>
+          </a:bodyPr>
+          <a:lstStyle/>
+          <a:p>
+            <a:r>
+              <a:rPr kumimoji="1" lang="en-US" altLang="ja-JP" sz="1200" dirty="0" smtClean="0">
+                <a:latin typeface="Segoe UI Symbol" panose="020B0502040204020203" pitchFamily="34" charset="0"/>
+                <a:ea typeface="Segoe UI Symbol" panose="020B0502040204020203" pitchFamily="34" charset="0"/>
+              </a:rPr>
+              <a:t>Amazon Web Services – infra design </a:t>
+            </a:r>
+            <a:endParaRPr kumimoji="1" lang="ja-JP" altLang="en-US" sz="1200" dirty="0">
+              <a:latin typeface="Segoe UI Symbol" panose="020B0502040204020203" pitchFamily="34" charset="0"/>
+            </a:endParaRPr>
+          </a:p>
+        </p:txBody>
+      </p:sp>
+      <p:sp>
+        <p:nvSpPr>
+          <p:cNvPr id="15" name="正方形/長方形 14"/>
+          <p:cNvSpPr/>
+          <p:nvPr/>
+        </p:nvSpPr>
+        <p:spPr>
+          <a:xfrm>
+            <a:off x="587022" y="1473675"/>
+            <a:ext cx="10995378" cy="5119037"/>
+          </a:xfrm>
+          <a:prstGeom prst="rect">
+            <a:avLst/>
+          </a:prstGeom>
+          <a:noFill/>
+          <a:ln w="38100"/>
+        </p:spPr>
+        <p:style>
+          <a:lnRef idx="2">
+            <a:schemeClr val="accent1">
+              <a:shade val="50000"/>
+            </a:schemeClr>
+          </a:lnRef>
+          <a:fillRef idx="1">
+            <a:schemeClr val="accent1"/>
+          </a:fillRef>
+          <a:effectRef idx="0">
+            <a:schemeClr val="accent1"/>
+          </a:effectRef>
+          <a:fontRef idx="minor">
+            <a:schemeClr val="lt1"/>
+          </a:fontRef>
+        </p:style>
+        <p:txBody>
+          <a:bodyPr rtlCol="0" anchor="ctr"/>
+          <a:lstStyle/>
+          <a:p>
+            <a:pPr algn="ctr"/>
+            <a:endParaRPr kumimoji="1" lang="ja-JP" altLang="en-US"/>
+          </a:p>
+        </p:txBody>
+      </p:sp>
+      <p:sp>
+        <p:nvSpPr>
+          <p:cNvPr id="16" name="テキスト ボックス 15"/>
+          <p:cNvSpPr txBox="1"/>
+          <p:nvPr/>
+        </p:nvSpPr>
+        <p:spPr>
+          <a:xfrm>
+            <a:off x="598311" y="1113612"/>
+            <a:ext cx="617477" cy="461665"/>
+          </a:xfrm>
+          <a:prstGeom prst="rect">
+            <a:avLst/>
+          </a:prstGeom>
+          <a:noFill/>
+          <a:ln>
+            <a:noFill/>
+          </a:ln>
+        </p:spPr>
+        <p:txBody>
+          <a:bodyPr wrap="none" rtlCol="0">
+            <a:spAutoFit/>
+          </a:bodyPr>
+          <a:lstStyle/>
+          <a:p>
+            <a:r>
+              <a:rPr kumimoji="1" lang="en-US" altLang="ja-JP" sz="2400" dirty="0" smtClean="0">
+                <a:solidFill>
+                  <a:schemeClr val="accent1">
+                    <a:lumMod val="50000"/>
+                  </a:schemeClr>
+                </a:solidFill>
+                <a:latin typeface="Segoe UI Symbol" panose="020B0502040204020203" pitchFamily="34" charset="0"/>
+                <a:ea typeface="Segoe UI Symbol" panose="020B0502040204020203" pitchFamily="34" charset="0"/>
+              </a:rPr>
+              <a:t></a:t>
+            </a:r>
+            <a:endParaRPr lang="ja-JP" altLang="en-US" sz="2400" dirty="0">
+              <a:solidFill>
+                <a:schemeClr val="accent1">
+                  <a:lumMod val="50000"/>
+                </a:schemeClr>
+              </a:solidFill>
+              <a:latin typeface="Segoe UI Symbol" panose="020B0502040204020203" pitchFamily="34" charset="0"/>
+            </a:endParaRPr>
+          </a:p>
+        </p:txBody>
+      </p:sp>
+      <p:sp>
+        <p:nvSpPr>
+          <p:cNvPr id="17" name="テキスト ボックス 16"/>
+          <p:cNvSpPr txBox="1"/>
+          <p:nvPr/>
+        </p:nvSpPr>
+        <p:spPr>
+          <a:xfrm>
+            <a:off x="1027287" y="1219255"/>
+            <a:ext cx="1554400" cy="276999"/>
+          </a:xfrm>
+          <a:prstGeom prst="rect">
+            <a:avLst/>
+          </a:prstGeom>
+          <a:noFill/>
+        </p:spPr>
+        <p:txBody>
+          <a:bodyPr wrap="none" rtlCol="0">
+            <a:spAutoFit/>
+          </a:bodyPr>
+          <a:lstStyle/>
+          <a:p>
+            <a:r>
+              <a:rPr kumimoji="1" lang="en-US" altLang="ja-JP" sz="1200" dirty="0" smtClean="0">
+                <a:solidFill>
+                  <a:schemeClr val="accent1">
+                    <a:lumMod val="50000"/>
+                  </a:schemeClr>
+                </a:solidFill>
+                <a:latin typeface="Segoe UI Symbol" panose="020B0502040204020203" pitchFamily="34" charset="0"/>
+                <a:ea typeface="Segoe UI Symbol" panose="020B0502040204020203" pitchFamily="34" charset="0"/>
+              </a:rPr>
+              <a:t>AWS / Tokyo Region</a:t>
+            </a:r>
+            <a:endParaRPr kumimoji="1" lang="ja-JP" altLang="en-US" sz="1200" dirty="0">
+              <a:solidFill>
+                <a:schemeClr val="accent1">
+                  <a:lumMod val="50000"/>
+                </a:schemeClr>
+              </a:solidFill>
+              <a:latin typeface="Segoe UI Symbol" panose="020B0502040204020203" pitchFamily="34" charset="0"/>
+            </a:endParaRPr>
+          </a:p>
+        </p:txBody>
+      </p:sp>
+      <p:sp>
+        <p:nvSpPr>
+          <p:cNvPr id="18" name="正方形/長方形 17"/>
+          <p:cNvSpPr/>
+          <p:nvPr/>
+        </p:nvSpPr>
+        <p:spPr>
+          <a:xfrm>
+            <a:off x="880529" y="2022504"/>
+            <a:ext cx="10408357" cy="4254120"/>
+          </a:xfrm>
+          <a:prstGeom prst="rect">
+            <a:avLst/>
+          </a:prstGeom>
+          <a:noFill/>
+          <a:ln w="12700">
+            <a:prstDash val="dash"/>
+          </a:ln>
+        </p:spPr>
+        <p:style>
+          <a:lnRef idx="2">
+            <a:schemeClr val="accent1">
+              <a:shade val="50000"/>
+            </a:schemeClr>
+          </a:lnRef>
+          <a:fillRef idx="1">
+            <a:schemeClr val="accent1"/>
+          </a:fillRef>
+          <a:effectRef idx="0">
+            <a:schemeClr val="accent1"/>
+          </a:effectRef>
+          <a:fontRef idx="minor">
+            <a:schemeClr val="lt1"/>
+          </a:fontRef>
+        </p:style>
+        <p:txBody>
+          <a:bodyPr rtlCol="0" anchor="ctr"/>
+          <a:lstStyle/>
+          <a:p>
+            <a:pPr algn="ctr"/>
+            <a:endParaRPr kumimoji="1" lang="ja-JP" altLang="en-US"/>
+          </a:p>
+        </p:txBody>
+      </p:sp>
+      <p:sp>
+        <p:nvSpPr>
+          <p:cNvPr id="19" name="テキスト ボックス 18"/>
+          <p:cNvSpPr txBox="1"/>
+          <p:nvPr/>
+        </p:nvSpPr>
+        <p:spPr>
+          <a:xfrm>
+            <a:off x="822711" y="1642476"/>
+            <a:ext cx="561372" cy="461665"/>
+          </a:xfrm>
+          <a:prstGeom prst="rect">
+            <a:avLst/>
+          </a:prstGeom>
+          <a:noFill/>
+        </p:spPr>
+        <p:txBody>
+          <a:bodyPr wrap="none" rtlCol="0">
+            <a:spAutoFit/>
+          </a:bodyPr>
+          <a:lstStyle/>
+          <a:p>
+            <a:r>
+              <a:rPr kumimoji="1" lang="en-US" altLang="ja-JP" sz="2400" dirty="0" smtClean="0">
+                <a:solidFill>
+                  <a:schemeClr val="accent1">
+                    <a:lumMod val="50000"/>
+                  </a:schemeClr>
+                </a:solidFill>
+                <a:latin typeface="Segoe UI Symbol" panose="020B0502040204020203" pitchFamily="34" charset="0"/>
+                <a:ea typeface="Segoe UI Symbol" panose="020B0502040204020203" pitchFamily="34" charset="0"/>
+              </a:rPr>
+              <a:t></a:t>
+            </a:r>
+            <a:endParaRPr kumimoji="1" lang="ja-JP" altLang="en-US" sz="2400" dirty="0">
+              <a:solidFill>
+                <a:schemeClr val="accent1">
+                  <a:lumMod val="50000"/>
+                </a:schemeClr>
+              </a:solidFill>
+              <a:latin typeface="Segoe UI Symbol" panose="020B0502040204020203" pitchFamily="34" charset="0"/>
+            </a:endParaRPr>
+          </a:p>
+        </p:txBody>
+      </p:sp>
+      <p:sp>
+        <p:nvSpPr>
+          <p:cNvPr id="20" name="テキスト ボックス 19"/>
+          <p:cNvSpPr txBox="1"/>
+          <p:nvPr/>
+        </p:nvSpPr>
+        <p:spPr>
+          <a:xfrm>
+            <a:off x="1283522" y="1779430"/>
+            <a:ext cx="461986" cy="276999"/>
+          </a:xfrm>
+          <a:prstGeom prst="rect">
+            <a:avLst/>
+          </a:prstGeom>
+          <a:noFill/>
+        </p:spPr>
+        <p:txBody>
+          <a:bodyPr wrap="none" rtlCol="0">
+            <a:spAutoFit/>
+          </a:bodyPr>
+          <a:lstStyle/>
+          <a:p>
+            <a:r>
+              <a:rPr kumimoji="1" lang="en-US" altLang="ja-JP" sz="1200" dirty="0" smtClean="0">
+                <a:solidFill>
+                  <a:schemeClr val="accent1">
+                    <a:lumMod val="50000"/>
+                  </a:schemeClr>
+                </a:solidFill>
+                <a:latin typeface="Segoe UI Symbol" panose="020B0502040204020203" pitchFamily="34" charset="0"/>
+                <a:ea typeface="Segoe UI Symbol" panose="020B0502040204020203" pitchFamily="34" charset="0"/>
+              </a:rPr>
+              <a:t>VPC</a:t>
+            </a:r>
+            <a:endParaRPr kumimoji="1" lang="ja-JP" altLang="en-US" sz="1200" dirty="0">
+              <a:solidFill>
+                <a:schemeClr val="accent1">
+                  <a:lumMod val="50000"/>
+                </a:schemeClr>
+              </a:solidFill>
+              <a:latin typeface="Segoe UI Symbol" panose="020B0502040204020203" pitchFamily="34" charset="0"/>
+            </a:endParaRPr>
+          </a:p>
+        </p:txBody>
+      </p:sp>
+      <p:sp>
+        <p:nvSpPr>
+          <p:cNvPr id="21" name="テキスト ボックス 20"/>
+          <p:cNvSpPr txBox="1"/>
+          <p:nvPr/>
+        </p:nvSpPr>
+        <p:spPr>
+          <a:xfrm>
+            <a:off x="3724898" y="696035"/>
+            <a:ext cx="623889" cy="523220"/>
+          </a:xfrm>
+          <a:prstGeom prst="rect">
+            <a:avLst/>
+          </a:prstGeom>
+          <a:noFill/>
+        </p:spPr>
+        <p:txBody>
+          <a:bodyPr wrap="none" rtlCol="0">
+            <a:spAutoFit/>
+          </a:bodyPr>
+          <a:lstStyle/>
+          <a:p>
+            <a:r>
+              <a:rPr lang="ja-JP" altLang="en-US" sz="2800" dirty="0" smtClean="0">
+                <a:solidFill>
+                  <a:schemeClr val="bg1">
+                    <a:lumMod val="50000"/>
+                  </a:schemeClr>
+                </a:solidFill>
+                <a:latin typeface="Segoe UI Symbol" panose="020B0502040204020203" pitchFamily="34" charset="0"/>
+                <a:ea typeface="Segoe UI Symbol" panose="020B0502040204020203" pitchFamily="34" charset="0"/>
+              </a:rPr>
+              <a:t></a:t>
+            </a:r>
+            <a:endParaRPr lang="ja-JP" altLang="en-US" sz="2800" dirty="0">
+              <a:solidFill>
+                <a:schemeClr val="bg1">
+                  <a:lumMod val="50000"/>
+                </a:schemeClr>
+              </a:solidFill>
+              <a:latin typeface="Segoe UI Symbol" panose="020B0502040204020203" pitchFamily="34" charset="0"/>
+            </a:endParaRPr>
+          </a:p>
+        </p:txBody>
+      </p:sp>
+      <p:sp>
+        <p:nvSpPr>
+          <p:cNvPr id="22" name="テキスト ボックス 21"/>
+          <p:cNvSpPr txBox="1"/>
+          <p:nvPr/>
+        </p:nvSpPr>
+        <p:spPr>
+          <a:xfrm>
+            <a:off x="4243777" y="825825"/>
+            <a:ext cx="1005468" cy="276999"/>
+          </a:xfrm>
+          <a:prstGeom prst="rect">
+            <a:avLst/>
+          </a:prstGeom>
+          <a:noFill/>
+        </p:spPr>
+        <p:txBody>
+          <a:bodyPr wrap="none" rtlCol="0">
+            <a:spAutoFit/>
+          </a:bodyPr>
+          <a:lstStyle/>
+          <a:p>
+            <a:r>
+              <a:rPr kumimoji="1" lang="en-US" altLang="ja-JP" sz="1200" dirty="0" smtClean="0">
+                <a:latin typeface="Segoe UI Symbol" panose="020B0502040204020203" pitchFamily="34" charset="0"/>
+                <a:ea typeface="Segoe UI Symbol" panose="020B0502040204020203" pitchFamily="34" charset="0"/>
+              </a:rPr>
+              <a:t>The Internet</a:t>
+            </a:r>
+            <a:endParaRPr kumimoji="1" lang="ja-JP" altLang="en-US" sz="1200" dirty="0">
+              <a:latin typeface="Segoe UI Symbol" panose="020B0502040204020203" pitchFamily="34" charset="0"/>
+            </a:endParaRPr>
+          </a:p>
+        </p:txBody>
+      </p:sp>
+      <p:sp>
+        <p:nvSpPr>
+          <p:cNvPr id="23" name="テキスト ボックス 22"/>
+          <p:cNvSpPr txBox="1"/>
+          <p:nvPr/>
+        </p:nvSpPr>
+        <p:spPr>
+          <a:xfrm>
+            <a:off x="7247031" y="598392"/>
+            <a:ext cx="934871" cy="646331"/>
+          </a:xfrm>
+          <a:prstGeom prst="rect">
+            <a:avLst/>
+          </a:prstGeom>
+          <a:noFill/>
+        </p:spPr>
+        <p:txBody>
+          <a:bodyPr wrap="none" rtlCol="0">
+            <a:spAutoFit/>
+          </a:bodyPr>
+          <a:lstStyle/>
+          <a:p>
+            <a:r>
+              <a:rPr kumimoji="1" lang="en-US" altLang="ja-JP" sz="3600" dirty="0" smtClean="0">
+                <a:solidFill>
+                  <a:schemeClr val="bg1">
+                    <a:lumMod val="50000"/>
+                  </a:schemeClr>
+                </a:solidFill>
+                <a:latin typeface="Segoe UI Symbol" panose="020B0502040204020203" pitchFamily="34" charset="0"/>
+                <a:ea typeface="Segoe UI Symbol" panose="020B0502040204020203" pitchFamily="34" charset="0"/>
+              </a:rPr>
+              <a:t></a:t>
+            </a:r>
+            <a:endParaRPr kumimoji="1" lang="ja-JP" altLang="en-US" sz="3600" dirty="0">
+              <a:solidFill>
+                <a:schemeClr val="bg1">
+                  <a:lumMod val="50000"/>
+                </a:schemeClr>
+              </a:solidFill>
+              <a:latin typeface="Segoe UI Symbol" panose="020B0502040204020203" pitchFamily="34" charset="0"/>
+            </a:endParaRPr>
+          </a:p>
+        </p:txBody>
+      </p:sp>
+      <p:sp>
+        <p:nvSpPr>
+          <p:cNvPr id="24" name="テキスト ボックス 23"/>
+          <p:cNvSpPr txBox="1"/>
+          <p:nvPr/>
+        </p:nvSpPr>
+        <p:spPr>
+          <a:xfrm>
+            <a:off x="7918310" y="832076"/>
+            <a:ext cx="1581715" cy="276999"/>
+          </a:xfrm>
+          <a:prstGeom prst="rect">
+            <a:avLst/>
+          </a:prstGeom>
+          <a:noFill/>
+        </p:spPr>
+        <p:txBody>
+          <a:bodyPr wrap="none" rtlCol="0">
+            <a:spAutoFit/>
+          </a:bodyPr>
+          <a:lstStyle/>
+          <a:p>
+            <a:r>
+              <a:rPr kumimoji="1" lang="en-US" altLang="ja-JP" sz="1200" dirty="0" smtClean="0">
+                <a:latin typeface="Segoe UI Symbol" panose="020B0502040204020203" pitchFamily="34" charset="0"/>
+                <a:ea typeface="Segoe UI Symbol" panose="020B0502040204020203" pitchFamily="34" charset="0"/>
+              </a:rPr>
+              <a:t>Server Administrator</a:t>
+            </a:r>
+            <a:endParaRPr kumimoji="1" lang="ja-JP" altLang="en-US" sz="1200" dirty="0">
+              <a:latin typeface="Segoe UI Symbol" panose="020B0502040204020203" pitchFamily="34" charset="0"/>
+            </a:endParaRPr>
+          </a:p>
+        </p:txBody>
+      </p:sp>
+      <p:sp>
+        <p:nvSpPr>
+          <p:cNvPr id="25" name="正方形/長方形 24"/>
+          <p:cNvSpPr/>
+          <p:nvPr/>
+        </p:nvSpPr>
+        <p:spPr>
+          <a:xfrm>
+            <a:off x="1215789" y="2652969"/>
+            <a:ext cx="9666700" cy="1998555"/>
+          </a:xfrm>
+          <a:prstGeom prst="rect">
+            <a:avLst/>
+          </a:prstGeom>
+          <a:noFill/>
+          <a:ln w="12700">
+            <a:prstDash val="dash"/>
+          </a:ln>
+        </p:spPr>
+        <p:style>
+          <a:lnRef idx="2">
+            <a:schemeClr val="accent1">
+              <a:shade val="50000"/>
+            </a:schemeClr>
+          </a:lnRef>
+          <a:fillRef idx="1">
+            <a:schemeClr val="accent1"/>
+          </a:fillRef>
+          <a:effectRef idx="0">
+            <a:schemeClr val="accent1"/>
+          </a:effectRef>
+          <a:fontRef idx="minor">
+            <a:schemeClr val="lt1"/>
+          </a:fontRef>
+        </p:style>
+        <p:txBody>
+          <a:bodyPr rtlCol="0" anchor="ctr"/>
+          <a:lstStyle/>
+          <a:p>
+            <a:pPr algn="ctr"/>
+            <a:endParaRPr kumimoji="1" lang="ja-JP" altLang="en-US"/>
+          </a:p>
+        </p:txBody>
+      </p:sp>
+      <p:sp>
+        <p:nvSpPr>
+          <p:cNvPr id="27" name="テキスト ボックス 26"/>
+          <p:cNvSpPr txBox="1"/>
+          <p:nvPr/>
+        </p:nvSpPr>
+        <p:spPr>
+          <a:xfrm>
+            <a:off x="1083151" y="2270583"/>
+            <a:ext cx="561372" cy="461665"/>
+          </a:xfrm>
+          <a:prstGeom prst="rect">
+            <a:avLst/>
+          </a:prstGeom>
+          <a:noFill/>
+        </p:spPr>
+        <p:txBody>
+          <a:bodyPr wrap="none" rtlCol="0">
+            <a:spAutoFit/>
+          </a:bodyPr>
+          <a:lstStyle/>
+          <a:p>
+            <a:r>
+              <a:rPr kumimoji="1" lang="en-US" altLang="ja-JP" sz="2400" dirty="0" smtClean="0">
+                <a:solidFill>
+                  <a:schemeClr val="accent1">
+                    <a:lumMod val="50000"/>
+                  </a:schemeClr>
+                </a:solidFill>
+                <a:latin typeface="Segoe UI Symbol" panose="020B0502040204020203" pitchFamily="34" charset="0"/>
+                <a:ea typeface="Segoe UI Symbol" panose="020B0502040204020203" pitchFamily="34" charset="0"/>
+              </a:rPr>
+              <a:t></a:t>
+            </a:r>
+            <a:endParaRPr kumimoji="1" lang="ja-JP" altLang="en-US" sz="2400" dirty="0">
+              <a:solidFill>
+                <a:schemeClr val="accent1">
+                  <a:lumMod val="50000"/>
+                </a:schemeClr>
+              </a:solidFill>
+              <a:latin typeface="Segoe UI Symbol" panose="020B0502040204020203" pitchFamily="34" charset="0"/>
+            </a:endParaRPr>
+          </a:p>
+        </p:txBody>
+      </p:sp>
+      <p:sp>
+        <p:nvSpPr>
+          <p:cNvPr id="28" name="テキスト ボックス 27"/>
+          <p:cNvSpPr txBox="1"/>
+          <p:nvPr/>
+        </p:nvSpPr>
+        <p:spPr>
+          <a:xfrm>
+            <a:off x="1532673" y="2396248"/>
+            <a:ext cx="1111202" cy="276999"/>
+          </a:xfrm>
+          <a:prstGeom prst="rect">
+            <a:avLst/>
+          </a:prstGeom>
+          <a:noFill/>
+        </p:spPr>
+        <p:txBody>
+          <a:bodyPr wrap="none" rtlCol="0">
+            <a:spAutoFit/>
+          </a:bodyPr>
+          <a:lstStyle/>
+          <a:p>
+            <a:r>
+              <a:rPr kumimoji="1" lang="en-US" altLang="ja-JP" sz="1200" dirty="0" smtClean="0">
+                <a:solidFill>
+                  <a:schemeClr val="accent1">
+                    <a:lumMod val="50000"/>
+                  </a:schemeClr>
+                </a:solidFill>
+                <a:latin typeface="Segoe UI Symbol" panose="020B0502040204020203" pitchFamily="34" charset="0"/>
+                <a:ea typeface="Segoe UI Symbol" panose="020B0502040204020203" pitchFamily="34" charset="0"/>
+              </a:rPr>
+              <a:t>Public Subnet</a:t>
+            </a:r>
+            <a:endParaRPr kumimoji="1" lang="ja-JP" altLang="en-US" sz="1200" dirty="0">
+              <a:solidFill>
+                <a:schemeClr val="accent1">
+                  <a:lumMod val="50000"/>
+                </a:schemeClr>
+              </a:solidFill>
+              <a:latin typeface="Segoe UI Symbol" panose="020B0502040204020203" pitchFamily="34" charset="0"/>
+            </a:endParaRPr>
+          </a:p>
+        </p:txBody>
+      </p:sp>
+      <p:sp>
+        <p:nvSpPr>
+          <p:cNvPr id="29" name="正方形/長方形 28"/>
+          <p:cNvSpPr/>
+          <p:nvPr/>
+        </p:nvSpPr>
+        <p:spPr>
+          <a:xfrm>
+            <a:off x="1235479" y="5254928"/>
+            <a:ext cx="9666700" cy="571980"/>
+          </a:xfrm>
+          <a:prstGeom prst="rect">
+            <a:avLst/>
+          </a:prstGeom>
+          <a:noFill/>
+          <a:ln w="12700">
+            <a:prstDash val="dash"/>
+          </a:ln>
+        </p:spPr>
+        <p:style>
+          <a:lnRef idx="2">
+            <a:schemeClr val="accent1">
+              <a:shade val="50000"/>
+            </a:schemeClr>
+          </a:lnRef>
+          <a:fillRef idx="1">
+            <a:schemeClr val="accent1"/>
+          </a:fillRef>
+          <a:effectRef idx="0">
+            <a:schemeClr val="accent1"/>
+          </a:effectRef>
+          <a:fontRef idx="minor">
+            <a:schemeClr val="lt1"/>
+          </a:fontRef>
+        </p:style>
+        <p:txBody>
+          <a:bodyPr rtlCol="0" anchor="ctr"/>
+          <a:lstStyle/>
+          <a:p>
+            <a:pPr algn="ctr"/>
+            <a:endParaRPr kumimoji="1" lang="ja-JP" altLang="en-US"/>
+          </a:p>
+        </p:txBody>
+      </p:sp>
+      <p:sp>
+        <p:nvSpPr>
+          <p:cNvPr id="30" name="テキスト ボックス 29"/>
+          <p:cNvSpPr txBox="1"/>
+          <p:nvPr/>
+        </p:nvSpPr>
+        <p:spPr>
+          <a:xfrm>
+            <a:off x="1102841" y="4841948"/>
+            <a:ext cx="561372" cy="461665"/>
+          </a:xfrm>
+          <a:prstGeom prst="rect">
+            <a:avLst/>
+          </a:prstGeom>
+          <a:noFill/>
+        </p:spPr>
+        <p:txBody>
+          <a:bodyPr wrap="none" rtlCol="0">
+            <a:spAutoFit/>
+          </a:bodyPr>
+          <a:lstStyle/>
+          <a:p>
+            <a:r>
+              <a:rPr kumimoji="1" lang="en-US" altLang="ja-JP" sz="2400" dirty="0" smtClean="0">
+                <a:solidFill>
+                  <a:schemeClr val="accent1">
+                    <a:lumMod val="50000"/>
+                  </a:schemeClr>
+                </a:solidFill>
+                <a:latin typeface="Segoe UI Symbol" panose="020B0502040204020203" pitchFamily="34" charset="0"/>
+                <a:ea typeface="Segoe UI Symbol" panose="020B0502040204020203" pitchFamily="34" charset="0"/>
+              </a:rPr>
+              <a:t></a:t>
+            </a:r>
+            <a:endParaRPr kumimoji="1" lang="ja-JP" altLang="en-US" sz="2400" dirty="0">
+              <a:solidFill>
+                <a:schemeClr val="accent1">
+                  <a:lumMod val="50000"/>
+                </a:schemeClr>
+              </a:solidFill>
+              <a:latin typeface="Segoe UI Symbol" panose="020B0502040204020203" pitchFamily="34" charset="0"/>
+            </a:endParaRPr>
+          </a:p>
+        </p:txBody>
+      </p:sp>
+      <p:sp>
+        <p:nvSpPr>
+          <p:cNvPr id="31" name="テキスト ボックス 30"/>
+          <p:cNvSpPr txBox="1"/>
+          <p:nvPr/>
+        </p:nvSpPr>
+        <p:spPr>
+          <a:xfrm>
+            <a:off x="1552363" y="4967613"/>
+            <a:ext cx="1161728" cy="276999"/>
+          </a:xfrm>
+          <a:prstGeom prst="rect">
+            <a:avLst/>
+          </a:prstGeom>
+          <a:noFill/>
+        </p:spPr>
+        <p:txBody>
+          <a:bodyPr wrap="none" rtlCol="0">
+            <a:spAutoFit/>
+          </a:bodyPr>
+          <a:lstStyle/>
+          <a:p>
+            <a:r>
+              <a:rPr kumimoji="1" lang="en-US" altLang="ja-JP" sz="1200" dirty="0" smtClean="0">
+                <a:solidFill>
+                  <a:schemeClr val="accent1">
+                    <a:lumMod val="50000"/>
+                  </a:schemeClr>
+                </a:solidFill>
+                <a:latin typeface="Segoe UI Symbol" panose="020B0502040204020203" pitchFamily="34" charset="0"/>
+                <a:ea typeface="Segoe UI Symbol" panose="020B0502040204020203" pitchFamily="34" charset="0"/>
+              </a:rPr>
+              <a:t>Private Subnet</a:t>
+            </a:r>
+            <a:endParaRPr kumimoji="1" lang="ja-JP" altLang="en-US" sz="1200" dirty="0">
+              <a:solidFill>
+                <a:schemeClr val="accent1">
+                  <a:lumMod val="50000"/>
+                </a:schemeClr>
+              </a:solidFill>
+              <a:latin typeface="Segoe UI Symbol" panose="020B0502040204020203" pitchFamily="34" charset="0"/>
+            </a:endParaRPr>
+          </a:p>
+        </p:txBody>
+      </p:sp>
+      <p:sp>
+        <p:nvSpPr>
+          <p:cNvPr id="32" name="テキスト ボックス 31"/>
+          <p:cNvSpPr txBox="1"/>
+          <p:nvPr/>
+        </p:nvSpPr>
+        <p:spPr>
+          <a:xfrm>
+            <a:off x="3628493" y="3317628"/>
+            <a:ext cx="813043" cy="707886"/>
+          </a:xfrm>
+          <a:prstGeom prst="rect">
+            <a:avLst/>
+          </a:prstGeom>
+          <a:noFill/>
+        </p:spPr>
+        <p:txBody>
+          <a:bodyPr wrap="none" rtlCol="0">
+            <a:spAutoFit/>
+          </a:bodyPr>
+          <a:lstStyle/>
+          <a:p>
+            <a:r>
+              <a:rPr lang="en-US" altLang="ja-JP" sz="4000" dirty="0" smtClean="0">
+                <a:solidFill>
+                  <a:schemeClr val="accent2">
+                    <a:lumMod val="50000"/>
+                  </a:schemeClr>
+                </a:solidFill>
+                <a:latin typeface="Segoe UI Symbol" panose="020B0502040204020203" pitchFamily="34" charset="0"/>
+                <a:ea typeface="Segoe UI Symbol" panose="020B0502040204020203" pitchFamily="34" charset="0"/>
+              </a:rPr>
+              <a:t></a:t>
+            </a:r>
+            <a:endParaRPr kumimoji="1" lang="ja-JP" altLang="en-US" sz="4000" dirty="0">
+              <a:solidFill>
+                <a:schemeClr val="accent2">
+                  <a:lumMod val="50000"/>
+                </a:schemeClr>
+              </a:solidFill>
+              <a:latin typeface="Segoe UI Symbol" panose="020B0502040204020203" pitchFamily="34" charset="0"/>
+            </a:endParaRPr>
+          </a:p>
+        </p:txBody>
+      </p:sp>
+      <p:cxnSp>
+        <p:nvCxnSpPr>
+          <p:cNvPr id="34" name="直線コネクタ 33"/>
+          <p:cNvCxnSpPr>
+            <a:stCxn id="21" idx="2"/>
+            <a:endCxn id="32" idx="0"/>
+          </p:cNvCxnSpPr>
+          <p:nvPr/>
+        </p:nvCxnSpPr>
+        <p:spPr>
+          <a:xfrm flipH="1">
+            <a:off x="4035015" y="1219255"/>
+            <a:ext cx="1828" cy="2098373"/>
+          </a:xfrm>
+          <a:prstGeom prst="line">
+            <a:avLst/>
+          </a:prstGeom>
+          <a:ln w="19050">
+            <a:solidFill>
+              <a:schemeClr val="tx1"/>
+            </a:solidFill>
+            <a:headEnd type="oval"/>
+            <a:tailEnd type="triangle" w="lg" len="lg"/>
+          </a:ln>
+        </p:spPr>
+        <p:style>
+          <a:lnRef idx="1">
+            <a:schemeClr val="accent1"/>
+          </a:lnRef>
+          <a:fillRef idx="0">
+            <a:schemeClr val="accent1"/>
+          </a:fillRef>
+          <a:effectRef idx="0">
+            <a:schemeClr val="accent1"/>
+          </a:effectRef>
+          <a:fontRef idx="minor">
+            <a:schemeClr val="tx1"/>
+          </a:fontRef>
+        </p:style>
+      </p:cxnSp>
+      <p:sp>
+        <p:nvSpPr>
+          <p:cNvPr id="35" name="テキスト ボックス 34"/>
+          <p:cNvSpPr txBox="1"/>
+          <p:nvPr/>
+        </p:nvSpPr>
+        <p:spPr>
+          <a:xfrm>
+            <a:off x="7307944" y="3317628"/>
+            <a:ext cx="813043" cy="707886"/>
+          </a:xfrm>
+          <a:prstGeom prst="rect">
+            <a:avLst/>
+          </a:prstGeom>
+          <a:noFill/>
+        </p:spPr>
+        <p:txBody>
+          <a:bodyPr wrap="none" rtlCol="0">
+            <a:spAutoFit/>
+          </a:bodyPr>
+          <a:lstStyle/>
+          <a:p>
+            <a:r>
+              <a:rPr lang="en-US" altLang="ja-JP" sz="4000" dirty="0" smtClean="0">
+                <a:solidFill>
+                  <a:schemeClr val="accent2">
+                    <a:lumMod val="50000"/>
+                  </a:schemeClr>
+                </a:solidFill>
+                <a:latin typeface="Segoe UI Symbol" panose="020B0502040204020203" pitchFamily="34" charset="0"/>
+                <a:ea typeface="Segoe UI Symbol" panose="020B0502040204020203" pitchFamily="34" charset="0"/>
+              </a:rPr>
+              <a:t></a:t>
+            </a:r>
+            <a:endParaRPr kumimoji="1" lang="ja-JP" altLang="en-US" sz="4000" dirty="0">
+              <a:solidFill>
+                <a:schemeClr val="accent2">
+                  <a:lumMod val="50000"/>
+                </a:schemeClr>
+              </a:solidFill>
+              <a:latin typeface="Segoe UI Symbol" panose="020B0502040204020203" pitchFamily="34" charset="0"/>
+            </a:endParaRPr>
+          </a:p>
+        </p:txBody>
+      </p:sp>
+      <p:cxnSp>
+        <p:nvCxnSpPr>
+          <p:cNvPr id="36" name="直線コネクタ 35"/>
+          <p:cNvCxnSpPr>
+            <a:stCxn id="23" idx="2"/>
+            <a:endCxn id="35" idx="0"/>
+          </p:cNvCxnSpPr>
+          <p:nvPr/>
+        </p:nvCxnSpPr>
+        <p:spPr>
+          <a:xfrm flipH="1">
+            <a:off x="7714466" y="1244723"/>
+            <a:ext cx="1" cy="2072905"/>
+          </a:xfrm>
+          <a:prstGeom prst="line">
+            <a:avLst/>
+          </a:prstGeom>
+          <a:ln w="19050">
+            <a:solidFill>
+              <a:schemeClr val="tx1"/>
+            </a:solidFill>
+            <a:headEnd type="oval"/>
+            <a:tailEnd type="triangle" w="lg" len="lg"/>
+          </a:ln>
+        </p:spPr>
+        <p:style>
+          <a:lnRef idx="1">
+            <a:schemeClr val="accent1"/>
+          </a:lnRef>
+          <a:fillRef idx="0">
+            <a:schemeClr val="accent1"/>
+          </a:fillRef>
+          <a:effectRef idx="0">
+            <a:schemeClr val="accent1"/>
+          </a:effectRef>
+          <a:fontRef idx="minor">
+            <a:schemeClr val="tx1"/>
+          </a:fontRef>
+        </p:style>
+      </p:cxnSp>
+      <p:sp>
+        <p:nvSpPr>
+          <p:cNvPr id="39" name="テキスト ボックス 38"/>
+          <p:cNvSpPr txBox="1"/>
+          <p:nvPr/>
+        </p:nvSpPr>
+        <p:spPr>
+          <a:xfrm>
+            <a:off x="7443404" y="3858829"/>
+            <a:ext cx="1449884" cy="276999"/>
+          </a:xfrm>
+          <a:prstGeom prst="rect">
+            <a:avLst/>
+          </a:prstGeom>
+          <a:noFill/>
+        </p:spPr>
+        <p:txBody>
+          <a:bodyPr wrap="none" rtlCol="0">
+            <a:spAutoFit/>
+          </a:bodyPr>
+          <a:lstStyle/>
+          <a:p>
+            <a:r>
+              <a:rPr kumimoji="1" lang="en-US" altLang="ja-JP" sz="1200" dirty="0" smtClean="0">
+                <a:latin typeface="Segoe UI Symbol" panose="020B0502040204020203" pitchFamily="34" charset="0"/>
+                <a:ea typeface="Segoe UI Symbol" panose="020B0502040204020203" pitchFamily="34" charset="0"/>
+              </a:rPr>
+              <a:t>EC2 Bastion Server</a:t>
+            </a:r>
+            <a:endParaRPr kumimoji="1" lang="ja-JP" altLang="en-US" sz="1200" dirty="0">
+              <a:latin typeface="Segoe UI Symbol" panose="020B0502040204020203" pitchFamily="34" charset="0"/>
+            </a:endParaRPr>
+          </a:p>
+        </p:txBody>
+      </p:sp>
+      <p:sp>
+        <p:nvSpPr>
+          <p:cNvPr id="40" name="テキスト ボックス 39"/>
+          <p:cNvSpPr txBox="1"/>
+          <p:nvPr/>
+        </p:nvSpPr>
+        <p:spPr>
+          <a:xfrm>
+            <a:off x="3724898" y="3873067"/>
+            <a:ext cx="1261884" cy="276999"/>
+          </a:xfrm>
+          <a:prstGeom prst="rect">
+            <a:avLst/>
+          </a:prstGeom>
+          <a:noFill/>
+        </p:spPr>
+        <p:txBody>
+          <a:bodyPr wrap="none" rtlCol="0">
+            <a:spAutoFit/>
+          </a:bodyPr>
+          <a:lstStyle/>
+          <a:p>
+            <a:r>
+              <a:rPr kumimoji="1" lang="en-US" altLang="ja-JP" sz="1200" dirty="0" smtClean="0">
+                <a:latin typeface="Segoe UI Symbol" panose="020B0502040204020203" pitchFamily="34" charset="0"/>
+                <a:ea typeface="Segoe UI Symbol" panose="020B0502040204020203" pitchFamily="34" charset="0"/>
+              </a:rPr>
+              <a:t>EC2 Web Server</a:t>
+            </a:r>
+            <a:endParaRPr kumimoji="1" lang="ja-JP" altLang="en-US" sz="1200" dirty="0">
+              <a:latin typeface="Segoe UI Symbol" panose="020B0502040204020203" pitchFamily="34" charset="0"/>
+            </a:endParaRPr>
+          </a:p>
+        </p:txBody>
+      </p:sp>
+      <p:cxnSp>
+        <p:nvCxnSpPr>
+          <p:cNvPr id="41" name="直線コネクタ 40"/>
+          <p:cNvCxnSpPr>
+            <a:stCxn id="35" idx="1"/>
+          </p:cNvCxnSpPr>
+          <p:nvPr/>
+        </p:nvCxnSpPr>
+        <p:spPr>
+          <a:xfrm flipH="1">
+            <a:off x="4441536" y="3671571"/>
+            <a:ext cx="2866408" cy="0"/>
+          </a:xfrm>
+          <a:prstGeom prst="line">
+            <a:avLst/>
+          </a:prstGeom>
+          <a:ln w="19050">
+            <a:solidFill>
+              <a:schemeClr val="tx1"/>
+            </a:solidFill>
+            <a:prstDash val="sysDash"/>
+            <a:headEnd type="oval"/>
+            <a:tailEnd type="triangle" w="lg" len="lg"/>
+          </a:ln>
+        </p:spPr>
+        <p:style>
+          <a:lnRef idx="1">
+            <a:schemeClr val="accent1"/>
+          </a:lnRef>
+          <a:fillRef idx="0">
+            <a:schemeClr val="accent1"/>
+          </a:fillRef>
+          <a:effectRef idx="0">
+            <a:schemeClr val="accent1"/>
+          </a:effectRef>
+          <a:fontRef idx="minor">
+            <a:schemeClr val="tx1"/>
+          </a:fontRef>
+        </p:style>
+      </p:cxnSp>
+      <p:sp>
+        <p:nvSpPr>
+          <p:cNvPr id="45" name="正方形/長方形 44"/>
+          <p:cNvSpPr/>
+          <p:nvPr/>
+        </p:nvSpPr>
+        <p:spPr>
+          <a:xfrm>
+            <a:off x="1644523" y="2960848"/>
+            <a:ext cx="3857100" cy="1385818"/>
+          </a:xfrm>
+          <a:prstGeom prst="rect">
+            <a:avLst/>
+          </a:prstGeom>
+          <a:noFill/>
+          <a:ln w="12700">
+            <a:solidFill>
+              <a:schemeClr val="accent2"/>
+            </a:solidFill>
+            <a:prstDash val="dash"/>
+          </a:ln>
+        </p:spPr>
+        <p:style>
+          <a:lnRef idx="2">
+            <a:schemeClr val="accent1">
+              <a:shade val="50000"/>
+            </a:schemeClr>
+          </a:lnRef>
+          <a:fillRef idx="1">
+            <a:schemeClr val="accent1"/>
+          </a:fillRef>
+          <a:effectRef idx="0">
+            <a:schemeClr val="accent1"/>
+          </a:effectRef>
+          <a:fontRef idx="minor">
+            <a:schemeClr val="lt1"/>
+          </a:fontRef>
+        </p:style>
+        <p:txBody>
+          <a:bodyPr rtlCol="0" anchor="ctr"/>
+          <a:lstStyle/>
+          <a:p>
+            <a:pPr algn="ctr"/>
+            <a:endParaRPr kumimoji="1" lang="ja-JP" altLang="en-US"/>
+          </a:p>
+        </p:txBody>
+      </p:sp>
+      <p:sp>
+        <p:nvSpPr>
+          <p:cNvPr id="46" name="正方形/長方形 45"/>
+          <p:cNvSpPr/>
+          <p:nvPr/>
+        </p:nvSpPr>
+        <p:spPr>
+          <a:xfrm>
+            <a:off x="5832676" y="2960848"/>
+            <a:ext cx="4621964" cy="1385818"/>
+          </a:xfrm>
+          <a:prstGeom prst="rect">
+            <a:avLst/>
+          </a:prstGeom>
+          <a:noFill/>
+          <a:ln w="12700">
+            <a:solidFill>
+              <a:schemeClr val="accent2"/>
+            </a:solidFill>
+            <a:prstDash val="dash"/>
+          </a:ln>
+        </p:spPr>
+        <p:style>
+          <a:lnRef idx="2">
+            <a:schemeClr val="accent1">
+              <a:shade val="50000"/>
+            </a:schemeClr>
+          </a:lnRef>
+          <a:fillRef idx="1">
+            <a:schemeClr val="accent1"/>
+          </a:fillRef>
+          <a:effectRef idx="0">
+            <a:schemeClr val="accent1"/>
+          </a:effectRef>
+          <a:fontRef idx="minor">
+            <a:schemeClr val="lt1"/>
+          </a:fontRef>
+        </p:style>
+        <p:txBody>
+          <a:bodyPr rtlCol="0" anchor="ctr"/>
+          <a:lstStyle/>
+          <a:p>
+            <a:pPr algn="ctr"/>
+            <a:endParaRPr kumimoji="1" lang="ja-JP" altLang="en-US"/>
+          </a:p>
+        </p:txBody>
+      </p:sp>
+      <p:sp>
+        <p:nvSpPr>
+          <p:cNvPr id="26" name="テキスト ボックス 25"/>
+          <p:cNvSpPr txBox="1"/>
+          <p:nvPr/>
+        </p:nvSpPr>
+        <p:spPr>
+          <a:xfrm>
+            <a:off x="1435251" y="2950645"/>
+            <a:ext cx="441146" cy="400110"/>
+          </a:xfrm>
+          <a:prstGeom prst="rect">
+            <a:avLst/>
+          </a:prstGeom>
+          <a:noFill/>
+        </p:spPr>
+        <p:txBody>
+          <a:bodyPr wrap="none" rtlCol="0">
+            <a:spAutoFit/>
+          </a:bodyPr>
+          <a:lstStyle/>
+          <a:p>
+            <a:r>
+              <a:rPr kumimoji="1" lang="ja-JP" altLang="en-US" sz="2000" dirty="0" smtClean="0">
+                <a:solidFill>
+                  <a:schemeClr val="accent2"/>
+                </a:solidFill>
+                <a:latin typeface="Segoe UI Symbol" panose="020B0502040204020203" pitchFamily="34" charset="0"/>
+                <a:ea typeface="Segoe UI Symbol" panose="020B0502040204020203" pitchFamily="34" charset="0"/>
+              </a:rPr>
+              <a:t>🔒</a:t>
+            </a:r>
+            <a:endParaRPr kumimoji="1" lang="ja-JP" altLang="en-US" sz="2000" dirty="0">
+              <a:solidFill>
+                <a:schemeClr val="accent2"/>
+              </a:solidFill>
+              <a:latin typeface="Segoe UI Symbol" panose="020B0502040204020203" pitchFamily="34" charset="0"/>
+            </a:endParaRPr>
+          </a:p>
+        </p:txBody>
+      </p:sp>
+      <p:sp>
+        <p:nvSpPr>
+          <p:cNvPr id="48" name="テキスト ボックス 47"/>
+          <p:cNvSpPr txBox="1"/>
+          <p:nvPr/>
+        </p:nvSpPr>
+        <p:spPr>
+          <a:xfrm>
+            <a:off x="5626869" y="2947390"/>
+            <a:ext cx="441146" cy="400110"/>
+          </a:xfrm>
+          <a:prstGeom prst="rect">
+            <a:avLst/>
+          </a:prstGeom>
+          <a:noFill/>
+        </p:spPr>
+        <p:txBody>
+          <a:bodyPr wrap="none" rtlCol="0">
+            <a:spAutoFit/>
+          </a:bodyPr>
+          <a:lstStyle/>
+          <a:p>
+            <a:r>
+              <a:rPr kumimoji="1" lang="ja-JP" altLang="en-US" sz="2000" dirty="0" smtClean="0">
+                <a:solidFill>
+                  <a:schemeClr val="accent2"/>
+                </a:solidFill>
+                <a:latin typeface="Segoe UI Symbol" panose="020B0502040204020203" pitchFamily="34" charset="0"/>
+                <a:ea typeface="Segoe UI Symbol" panose="020B0502040204020203" pitchFamily="34" charset="0"/>
+              </a:rPr>
+              <a:t>🔒</a:t>
+            </a:r>
+            <a:endParaRPr kumimoji="1" lang="ja-JP" altLang="en-US" sz="2000" dirty="0">
+              <a:solidFill>
+                <a:schemeClr val="accent2"/>
+              </a:solidFill>
+              <a:latin typeface="Segoe UI Symbol" panose="020B0502040204020203" pitchFamily="34" charset="0"/>
+            </a:endParaRPr>
+          </a:p>
+        </p:txBody>
+      </p:sp>
+      <p:sp>
+        <p:nvSpPr>
+          <p:cNvPr id="49" name="テキスト ボックス 48"/>
+          <p:cNvSpPr txBox="1"/>
+          <p:nvPr/>
+        </p:nvSpPr>
+        <p:spPr>
+          <a:xfrm>
+            <a:off x="1705817" y="3022795"/>
+            <a:ext cx="1350050" cy="246221"/>
+          </a:xfrm>
+          <a:prstGeom prst="rect">
+            <a:avLst/>
+          </a:prstGeom>
+          <a:noFill/>
+        </p:spPr>
+        <p:txBody>
+          <a:bodyPr wrap="none" rtlCol="0">
+            <a:spAutoFit/>
+          </a:bodyPr>
+          <a:lstStyle/>
+          <a:p>
+            <a:r>
+              <a:rPr kumimoji="1" lang="en-US" altLang="ja-JP" sz="1000" dirty="0" smtClean="0">
+                <a:solidFill>
+                  <a:schemeClr val="accent2"/>
+                </a:solidFill>
+                <a:latin typeface="Segoe UI Symbol" panose="020B0502040204020203" pitchFamily="34" charset="0"/>
+                <a:ea typeface="Segoe UI Symbol" panose="020B0502040204020203" pitchFamily="34" charset="0"/>
+              </a:rPr>
+              <a:t>Security Group: Web</a:t>
+            </a:r>
+            <a:endParaRPr kumimoji="1" lang="ja-JP" altLang="en-US" sz="1000" dirty="0">
+              <a:solidFill>
+                <a:schemeClr val="accent2"/>
+              </a:solidFill>
+              <a:latin typeface="Segoe UI Symbol" panose="020B0502040204020203" pitchFamily="34" charset="0"/>
+            </a:endParaRPr>
+          </a:p>
+        </p:txBody>
+      </p:sp>
+      <p:sp>
+        <p:nvSpPr>
+          <p:cNvPr id="50" name="テキスト ボックス 49"/>
+          <p:cNvSpPr txBox="1"/>
+          <p:nvPr/>
+        </p:nvSpPr>
+        <p:spPr>
+          <a:xfrm>
+            <a:off x="5896184" y="3018958"/>
+            <a:ext cx="1502334" cy="246221"/>
+          </a:xfrm>
+          <a:prstGeom prst="rect">
+            <a:avLst/>
+          </a:prstGeom>
+          <a:noFill/>
+        </p:spPr>
+        <p:txBody>
+          <a:bodyPr wrap="none" rtlCol="0">
+            <a:spAutoFit/>
+          </a:bodyPr>
+          <a:lstStyle/>
+          <a:p>
+            <a:r>
+              <a:rPr kumimoji="1" lang="en-US" altLang="ja-JP" sz="1000" dirty="0" smtClean="0">
+                <a:solidFill>
+                  <a:schemeClr val="accent2"/>
+                </a:solidFill>
+                <a:latin typeface="Segoe UI Symbol" panose="020B0502040204020203" pitchFamily="34" charset="0"/>
+                <a:ea typeface="Segoe UI Symbol" panose="020B0502040204020203" pitchFamily="34" charset="0"/>
+              </a:rPr>
+              <a:t>Security Group: Bastion</a:t>
+            </a:r>
+            <a:endParaRPr kumimoji="1" lang="ja-JP" altLang="en-US" sz="1000" dirty="0">
+              <a:solidFill>
+                <a:schemeClr val="accent2"/>
+              </a:solidFill>
+              <a:latin typeface="Segoe UI Symbol" panose="020B0502040204020203" pitchFamily="34" charset="0"/>
+            </a:endParaRPr>
+          </a:p>
+        </p:txBody>
+      </p:sp>
+    </p:spTree>
+    <p:extLst>
+      <p:ext uri="{BB962C8B-B14F-4D97-AF65-F5344CB8AC3E}">
+        <p14:creationId xmlns:p14="http://schemas.microsoft.com/office/powerpoint/2010/main" val="1888685199"/>
+      </p:ext>
+    </p:extLst>
+  </p:cSld>
+  <p:clrMapOvr>
+    <a:masterClrMapping/>
+  </p:clrMapOvr>
+</p:sld>
+</file>
+
 <file path=ppt/theme/theme1.xml><?xml version="1.0" encoding="utf-8"?>
 <a:theme xmlns:a="http://schemas.openxmlformats.org/drawingml/2006/main" name="Office テーマ">
   <a:themeElements>
